--- a/public/files/Documento A4 manual guía de estilos manual identidad visual minimalista rojo.pptx
+++ b/public/files/Documento A4 manual guía de estilos manual identidad visual minimalista rojo.pptx
@@ -5,7 +5,7 @@
     <p:sldMasterId id="2147483648" r:id="rId1"/>
   </p:sldMasterIdLst>
   <p:notesMasterIdLst>
-    <p:notesMasterId r:id="rId16"/>
+    <p:notesMasterId r:id="rId20"/>
   </p:notesMasterIdLst>
   <p:sldIdLst>
     <p:sldId id="256" r:id="rId2"/>
@@ -18,33 +18,37 @@
     <p:sldId id="264" r:id="rId9"/>
     <p:sldId id="265" r:id="rId10"/>
     <p:sldId id="266" r:id="rId11"/>
-    <p:sldId id="267" r:id="rId12"/>
-    <p:sldId id="268" r:id="rId13"/>
-    <p:sldId id="269" r:id="rId14"/>
-    <p:sldId id="270" r:id="rId15"/>
+    <p:sldId id="271" r:id="rId12"/>
+    <p:sldId id="267" r:id="rId13"/>
+    <p:sldId id="272" r:id="rId14"/>
+    <p:sldId id="273" r:id="rId15"/>
+    <p:sldId id="274" r:id="rId16"/>
+    <p:sldId id="268" r:id="rId17"/>
+    <p:sldId id="269" r:id="rId18"/>
+    <p:sldId id="270" r:id="rId19"/>
   </p:sldIdLst>
   <p:sldSz cx="7556500" cy="10693400"/>
   <p:notesSz cx="6858000" cy="9144000"/>
   <p:embeddedFontLst>
     <p:embeddedFont>
       <p:font typeface="DM Serif Display" pitchFamily="2" charset="0"/>
-      <p:regular r:id="rId17"/>
-      <p:italic r:id="rId18"/>
+      <p:regular r:id="rId21"/>
+      <p:italic r:id="rId22"/>
     </p:embeddedFont>
     <p:embeddedFont>
       <p:font typeface="Montserrat" panose="00000500000000000000" pitchFamily="2" charset="0"/>
-      <p:regular r:id="rId19"/>
-      <p:bold r:id="rId20"/>
-      <p:italic r:id="rId21"/>
-      <p:boldItalic r:id="rId22"/>
+      <p:regular r:id="rId23"/>
+      <p:bold r:id="rId24"/>
+      <p:italic r:id="rId25"/>
+      <p:boldItalic r:id="rId26"/>
     </p:embeddedFont>
     <p:embeddedFont>
       <p:font typeface="Montserrat Bold" panose="00000800000000000000" charset="0"/>
-      <p:regular r:id="rId23"/>
+      <p:regular r:id="rId27"/>
     </p:embeddedFont>
     <p:embeddedFont>
       <p:font typeface="Montserrat Semi-Bold" panose="020B0604020202020204" charset="0"/>
-      <p:regular r:id="rId24"/>
+      <p:regular r:id="rId28"/>
     </p:embeddedFont>
   </p:embeddedFontLst>
   <p:defaultTextStyle>
@@ -402,7 +406,7 @@
           <a:p>
             <a:fld id="{A0051FEE-5973-4BB2-90A9-241C6D512812}" type="slidenum">
               <a:rPr lang="es-VE" smtClean="0"/>
-              <a:t>‹Nº›</a:t>
+              <a:t>‹#›</a:t>
             </a:fld>
             <a:endParaRPr lang="es-VE"/>
           </a:p>
@@ -595,6 +599,222 @@
 </p:notes>
 </file>
 
+<file path=ppt/notesSlides/notesSlide10.xml><?xml version="1.0" encoding="utf-8"?>
+<p:notes xmlns:a="http://schemas.openxmlformats.org/drawingml/2006/main" xmlns:r="http://schemas.openxmlformats.org/officeDocument/2006/relationships" xmlns:p="http://schemas.openxmlformats.org/presentationml/2006/main">
+  <p:cSld>
+    <p:spTree>
+      <p:nvGrpSpPr>
+        <p:cNvPr id="1" name="">
+          <a:extLst>
+            <a:ext uri="{FF2B5EF4-FFF2-40B4-BE49-F238E27FC236}">
+              <a16:creationId xmlns:a16="http://schemas.microsoft.com/office/drawing/2014/main" id="{38DF6B06-C24A-B1C8-24D0-95F1676F88E9}"/>
+            </a:ext>
+          </a:extLst>
+        </p:cNvPr>
+        <p:cNvGrpSpPr/>
+        <p:nvPr/>
+      </p:nvGrpSpPr>
+      <p:grpSpPr>
+        <a:xfrm>
+          <a:off x="0" y="0"/>
+          <a:ext cx="0" cy="0"/>
+          <a:chOff x="0" y="0"/>
+          <a:chExt cx="0" cy="0"/>
+        </a:xfrm>
+      </p:grpSpPr>
+      <p:sp>
+        <p:nvSpPr>
+          <p:cNvPr id="2" name="Marcador de imagen de diapositiva 1">
+            <a:extLst>
+              <a:ext uri="{FF2B5EF4-FFF2-40B4-BE49-F238E27FC236}">
+                <a16:creationId xmlns:a16="http://schemas.microsoft.com/office/drawing/2014/main" id="{FB20F13E-64A0-0647-E9A4-90D5E22D62CF}"/>
+              </a:ext>
+            </a:extLst>
+          </p:cNvPr>
+          <p:cNvSpPr>
+            <a:spLocks noGrp="1" noRot="1" noChangeAspect="1"/>
+          </p:cNvSpPr>
+          <p:nvPr>
+            <p:ph type="sldImg"/>
+          </p:nvPr>
+        </p:nvSpPr>
+        <p:spPr/>
+      </p:sp>
+      <p:sp>
+        <p:nvSpPr>
+          <p:cNvPr id="3" name="Marcador de notas 2">
+            <a:extLst>
+              <a:ext uri="{FF2B5EF4-FFF2-40B4-BE49-F238E27FC236}">
+                <a16:creationId xmlns:a16="http://schemas.microsoft.com/office/drawing/2014/main" id="{1EFAF84A-1D62-9577-DAAF-0B749ABF7BE7}"/>
+              </a:ext>
+            </a:extLst>
+          </p:cNvPr>
+          <p:cNvSpPr>
+            <a:spLocks noGrp="1"/>
+          </p:cNvSpPr>
+          <p:nvPr>
+            <p:ph type="body" idx="1"/>
+          </p:nvPr>
+        </p:nvSpPr>
+        <p:spPr/>
+        <p:txBody>
+          <a:bodyPr/>
+          <a:lstStyle/>
+          <a:p>
+            <a:endParaRPr lang="es-VE" dirty="0"/>
+          </a:p>
+        </p:txBody>
+      </p:sp>
+      <p:sp>
+        <p:nvSpPr>
+          <p:cNvPr id="4" name="Marcador de número de diapositiva 3">
+            <a:extLst>
+              <a:ext uri="{FF2B5EF4-FFF2-40B4-BE49-F238E27FC236}">
+                <a16:creationId xmlns:a16="http://schemas.microsoft.com/office/drawing/2014/main" id="{AB7FEB70-04F8-94CE-C2B0-9E84291E9D32}"/>
+              </a:ext>
+            </a:extLst>
+          </p:cNvPr>
+          <p:cNvSpPr>
+            <a:spLocks noGrp="1"/>
+          </p:cNvSpPr>
+          <p:nvPr>
+            <p:ph type="sldNum" sz="quarter" idx="5"/>
+          </p:nvPr>
+        </p:nvSpPr>
+        <p:spPr/>
+        <p:txBody>
+          <a:bodyPr/>
+          <a:lstStyle/>
+          <a:p>
+            <a:fld id="{A0051FEE-5973-4BB2-90A9-241C6D512812}" type="slidenum">
+              <a:rPr lang="es-VE" smtClean="0"/>
+              <a:t>17</a:t>
+            </a:fld>
+            <a:endParaRPr lang="es-VE"/>
+          </a:p>
+        </p:txBody>
+      </p:sp>
+    </p:spTree>
+    <p:extLst>
+      <p:ext uri="{BB962C8B-B14F-4D97-AF65-F5344CB8AC3E}">
+        <p14:creationId xmlns:p14="http://schemas.microsoft.com/office/powerpoint/2010/main" val="1458426950"/>
+      </p:ext>
+    </p:extLst>
+  </p:cSld>
+  <p:clrMapOvr>
+    <a:masterClrMapping/>
+  </p:clrMapOvr>
+</p:notes>
+</file>
+
+<file path=ppt/notesSlides/notesSlide11.xml><?xml version="1.0" encoding="utf-8"?>
+<p:notes xmlns:a="http://schemas.openxmlformats.org/drawingml/2006/main" xmlns:r="http://schemas.openxmlformats.org/officeDocument/2006/relationships" xmlns:p="http://schemas.openxmlformats.org/presentationml/2006/main">
+  <p:cSld>
+    <p:spTree>
+      <p:nvGrpSpPr>
+        <p:cNvPr id="1" name="">
+          <a:extLst>
+            <a:ext uri="{FF2B5EF4-FFF2-40B4-BE49-F238E27FC236}">
+              <a16:creationId xmlns:a16="http://schemas.microsoft.com/office/drawing/2014/main" id="{6A38F14F-9CEF-95CA-A456-9A781537F4E6}"/>
+            </a:ext>
+          </a:extLst>
+        </p:cNvPr>
+        <p:cNvGrpSpPr/>
+        <p:nvPr/>
+      </p:nvGrpSpPr>
+      <p:grpSpPr>
+        <a:xfrm>
+          <a:off x="0" y="0"/>
+          <a:ext cx="0" cy="0"/>
+          <a:chOff x="0" y="0"/>
+          <a:chExt cx="0" cy="0"/>
+        </a:xfrm>
+      </p:grpSpPr>
+      <p:sp>
+        <p:nvSpPr>
+          <p:cNvPr id="2" name="Marcador de imagen de diapositiva 1">
+            <a:extLst>
+              <a:ext uri="{FF2B5EF4-FFF2-40B4-BE49-F238E27FC236}">
+                <a16:creationId xmlns:a16="http://schemas.microsoft.com/office/drawing/2014/main" id="{624FA75C-C4FD-0682-966A-82F90D44BB03}"/>
+              </a:ext>
+            </a:extLst>
+          </p:cNvPr>
+          <p:cNvSpPr>
+            <a:spLocks noGrp="1" noRot="1" noChangeAspect="1"/>
+          </p:cNvSpPr>
+          <p:nvPr>
+            <p:ph type="sldImg"/>
+          </p:nvPr>
+        </p:nvSpPr>
+        <p:spPr/>
+      </p:sp>
+      <p:sp>
+        <p:nvSpPr>
+          <p:cNvPr id="3" name="Marcador de notas 2">
+            <a:extLst>
+              <a:ext uri="{FF2B5EF4-FFF2-40B4-BE49-F238E27FC236}">
+                <a16:creationId xmlns:a16="http://schemas.microsoft.com/office/drawing/2014/main" id="{765BE50C-6F97-1777-5946-C6EA3007A83E}"/>
+              </a:ext>
+            </a:extLst>
+          </p:cNvPr>
+          <p:cNvSpPr>
+            <a:spLocks noGrp="1"/>
+          </p:cNvSpPr>
+          <p:nvPr>
+            <p:ph type="body" idx="1"/>
+          </p:nvPr>
+        </p:nvSpPr>
+        <p:spPr/>
+        <p:txBody>
+          <a:bodyPr/>
+          <a:lstStyle/>
+          <a:p>
+            <a:endParaRPr lang="es-VE" dirty="0"/>
+          </a:p>
+        </p:txBody>
+      </p:sp>
+      <p:sp>
+        <p:nvSpPr>
+          <p:cNvPr id="4" name="Marcador de número de diapositiva 3">
+            <a:extLst>
+              <a:ext uri="{FF2B5EF4-FFF2-40B4-BE49-F238E27FC236}">
+                <a16:creationId xmlns:a16="http://schemas.microsoft.com/office/drawing/2014/main" id="{BFBD3595-37AA-0B51-807D-C35539746A0D}"/>
+              </a:ext>
+            </a:extLst>
+          </p:cNvPr>
+          <p:cNvSpPr>
+            <a:spLocks noGrp="1"/>
+          </p:cNvSpPr>
+          <p:nvPr>
+            <p:ph type="sldNum" sz="quarter" idx="5"/>
+          </p:nvPr>
+        </p:nvSpPr>
+        <p:spPr/>
+        <p:txBody>
+          <a:bodyPr/>
+          <a:lstStyle/>
+          <a:p>
+            <a:fld id="{A0051FEE-5973-4BB2-90A9-241C6D512812}" type="slidenum">
+              <a:rPr lang="es-VE" smtClean="0"/>
+              <a:t>18</a:t>
+            </a:fld>
+            <a:endParaRPr lang="es-VE"/>
+          </a:p>
+        </p:txBody>
+      </p:sp>
+    </p:spTree>
+    <p:extLst>
+      <p:ext uri="{BB962C8B-B14F-4D97-AF65-F5344CB8AC3E}">
+        <p14:creationId xmlns:p14="http://schemas.microsoft.com/office/powerpoint/2010/main" val="2738421168"/>
+      </p:ext>
+    </p:extLst>
+  </p:cSld>
+  <p:clrMapOvr>
+    <a:masterClrMapping/>
+  </p:clrMapOvr>
+</p:notes>
+</file>
+
 <file path=ppt/notesSlides/notesSlide2.xml><?xml version="1.0" encoding="utf-8"?>
 <p:notes xmlns:a="http://schemas.openxmlformats.org/drawingml/2006/main" xmlns:r="http://schemas.openxmlformats.org/officeDocument/2006/relationships" xmlns:p="http://schemas.openxmlformats.org/presentationml/2006/main">
   <p:cSld>
@@ -819,6 +1039,114 @@
         <p:cNvPr id="1" name="">
           <a:extLst>
             <a:ext uri="{FF2B5EF4-FFF2-40B4-BE49-F238E27FC236}">
+              <a16:creationId xmlns:a16="http://schemas.microsoft.com/office/drawing/2014/main" id="{4DBD5665-B5FF-2F4B-0D65-633578A8E05B}"/>
+            </a:ext>
+          </a:extLst>
+        </p:cNvPr>
+        <p:cNvGrpSpPr/>
+        <p:nvPr/>
+      </p:nvGrpSpPr>
+      <p:grpSpPr>
+        <a:xfrm>
+          <a:off x="0" y="0"/>
+          <a:ext cx="0" cy="0"/>
+          <a:chOff x="0" y="0"/>
+          <a:chExt cx="0" cy="0"/>
+        </a:xfrm>
+      </p:grpSpPr>
+      <p:sp>
+        <p:nvSpPr>
+          <p:cNvPr id="2" name="Marcador de imagen de diapositiva 1">
+            <a:extLst>
+              <a:ext uri="{FF2B5EF4-FFF2-40B4-BE49-F238E27FC236}">
+                <a16:creationId xmlns:a16="http://schemas.microsoft.com/office/drawing/2014/main" id="{3694F361-85BC-1E27-9B96-79AF51BECA50}"/>
+              </a:ext>
+            </a:extLst>
+          </p:cNvPr>
+          <p:cNvSpPr>
+            <a:spLocks noGrp="1" noRot="1" noChangeAspect="1"/>
+          </p:cNvSpPr>
+          <p:nvPr>
+            <p:ph type="sldImg"/>
+          </p:nvPr>
+        </p:nvSpPr>
+        <p:spPr/>
+      </p:sp>
+      <p:sp>
+        <p:nvSpPr>
+          <p:cNvPr id="3" name="Marcador de notas 2">
+            <a:extLst>
+              <a:ext uri="{FF2B5EF4-FFF2-40B4-BE49-F238E27FC236}">
+                <a16:creationId xmlns:a16="http://schemas.microsoft.com/office/drawing/2014/main" id="{03B443A4-7C13-ECF0-DBE7-8524C7777F23}"/>
+              </a:ext>
+            </a:extLst>
+          </p:cNvPr>
+          <p:cNvSpPr>
+            <a:spLocks noGrp="1"/>
+          </p:cNvSpPr>
+          <p:nvPr>
+            <p:ph type="body" idx="1"/>
+          </p:nvPr>
+        </p:nvSpPr>
+        <p:spPr/>
+        <p:txBody>
+          <a:bodyPr/>
+          <a:lstStyle/>
+          <a:p>
+            <a:endParaRPr lang="es-VE" dirty="0"/>
+          </a:p>
+        </p:txBody>
+      </p:sp>
+      <p:sp>
+        <p:nvSpPr>
+          <p:cNvPr id="4" name="Marcador de número de diapositiva 3">
+            <a:extLst>
+              <a:ext uri="{FF2B5EF4-FFF2-40B4-BE49-F238E27FC236}">
+                <a16:creationId xmlns:a16="http://schemas.microsoft.com/office/drawing/2014/main" id="{2DC2E441-7A9B-726B-2226-55F1C9F05703}"/>
+              </a:ext>
+            </a:extLst>
+          </p:cNvPr>
+          <p:cNvSpPr>
+            <a:spLocks noGrp="1"/>
+          </p:cNvSpPr>
+          <p:nvPr>
+            <p:ph type="sldNum" sz="quarter" idx="5"/>
+          </p:nvPr>
+        </p:nvSpPr>
+        <p:spPr/>
+        <p:txBody>
+          <a:bodyPr/>
+          <a:lstStyle/>
+          <a:p>
+            <a:fld id="{A0051FEE-5973-4BB2-90A9-241C6D512812}" type="slidenum">
+              <a:rPr lang="es-VE" smtClean="0"/>
+              <a:t>11</a:t>
+            </a:fld>
+            <a:endParaRPr lang="es-VE"/>
+          </a:p>
+        </p:txBody>
+      </p:sp>
+    </p:spTree>
+    <p:extLst>
+      <p:ext uri="{BB962C8B-B14F-4D97-AF65-F5344CB8AC3E}">
+        <p14:creationId xmlns:p14="http://schemas.microsoft.com/office/powerpoint/2010/main" val="4289294156"/>
+      </p:ext>
+    </p:extLst>
+  </p:cSld>
+  <p:clrMapOvr>
+    <a:masterClrMapping/>
+  </p:clrMapOvr>
+</p:notes>
+</file>
+
+<file path=ppt/notesSlides/notesSlide5.xml><?xml version="1.0" encoding="utf-8"?>
+<p:notes xmlns:a="http://schemas.openxmlformats.org/drawingml/2006/main" xmlns:r="http://schemas.openxmlformats.org/officeDocument/2006/relationships" xmlns:p="http://schemas.openxmlformats.org/presentationml/2006/main">
+  <p:cSld>
+    <p:spTree>
+      <p:nvGrpSpPr>
+        <p:cNvPr id="1" name="">
+          <a:extLst>
+            <a:ext uri="{FF2B5EF4-FFF2-40B4-BE49-F238E27FC236}">
               <a16:creationId xmlns:a16="http://schemas.microsoft.com/office/drawing/2014/main" id="{9DECCE5A-7F32-E993-A70B-A865C8746873}"/>
             </a:ext>
           </a:extLst>
@@ -900,7 +1228,7 @@
           <a:p>
             <a:fld id="{A0051FEE-5973-4BB2-90A9-241C6D512812}" type="slidenum">
               <a:rPr lang="es-VE" smtClean="0"/>
-              <a:t>11</a:t>
+              <a:t>12</a:t>
             </a:fld>
             <a:endParaRPr lang="es-VE"/>
           </a:p>
@@ -919,7 +1247,331 @@
 </p:notes>
 </file>
 
-<file path=ppt/notesSlides/notesSlide5.xml><?xml version="1.0" encoding="utf-8"?>
+<file path=ppt/notesSlides/notesSlide6.xml><?xml version="1.0" encoding="utf-8"?>
+<p:notes xmlns:a="http://schemas.openxmlformats.org/drawingml/2006/main" xmlns:r="http://schemas.openxmlformats.org/officeDocument/2006/relationships" xmlns:p="http://schemas.openxmlformats.org/presentationml/2006/main">
+  <p:cSld>
+    <p:spTree>
+      <p:nvGrpSpPr>
+        <p:cNvPr id="1" name="">
+          <a:extLst>
+            <a:ext uri="{FF2B5EF4-FFF2-40B4-BE49-F238E27FC236}">
+              <a16:creationId xmlns:a16="http://schemas.microsoft.com/office/drawing/2014/main" id="{2C145AF4-84ED-70FF-4FEF-E428B5A8595F}"/>
+            </a:ext>
+          </a:extLst>
+        </p:cNvPr>
+        <p:cNvGrpSpPr/>
+        <p:nvPr/>
+      </p:nvGrpSpPr>
+      <p:grpSpPr>
+        <a:xfrm>
+          <a:off x="0" y="0"/>
+          <a:ext cx="0" cy="0"/>
+          <a:chOff x="0" y="0"/>
+          <a:chExt cx="0" cy="0"/>
+        </a:xfrm>
+      </p:grpSpPr>
+      <p:sp>
+        <p:nvSpPr>
+          <p:cNvPr id="2" name="Marcador de imagen de diapositiva 1">
+            <a:extLst>
+              <a:ext uri="{FF2B5EF4-FFF2-40B4-BE49-F238E27FC236}">
+                <a16:creationId xmlns:a16="http://schemas.microsoft.com/office/drawing/2014/main" id="{15E324B4-566C-D71A-CA1F-D9CC2F76BA56}"/>
+              </a:ext>
+            </a:extLst>
+          </p:cNvPr>
+          <p:cNvSpPr>
+            <a:spLocks noGrp="1" noRot="1" noChangeAspect="1"/>
+          </p:cNvSpPr>
+          <p:nvPr>
+            <p:ph type="sldImg"/>
+          </p:nvPr>
+        </p:nvSpPr>
+        <p:spPr/>
+      </p:sp>
+      <p:sp>
+        <p:nvSpPr>
+          <p:cNvPr id="3" name="Marcador de notas 2">
+            <a:extLst>
+              <a:ext uri="{FF2B5EF4-FFF2-40B4-BE49-F238E27FC236}">
+                <a16:creationId xmlns:a16="http://schemas.microsoft.com/office/drawing/2014/main" id="{61F373EA-F9C6-1D99-7FD0-C20DB82A012D}"/>
+              </a:ext>
+            </a:extLst>
+          </p:cNvPr>
+          <p:cNvSpPr>
+            <a:spLocks noGrp="1"/>
+          </p:cNvSpPr>
+          <p:nvPr>
+            <p:ph type="body" idx="1"/>
+          </p:nvPr>
+        </p:nvSpPr>
+        <p:spPr/>
+        <p:txBody>
+          <a:bodyPr/>
+          <a:lstStyle/>
+          <a:p>
+            <a:endParaRPr lang="es-VE" dirty="0"/>
+          </a:p>
+        </p:txBody>
+      </p:sp>
+      <p:sp>
+        <p:nvSpPr>
+          <p:cNvPr id="4" name="Marcador de número de diapositiva 3">
+            <a:extLst>
+              <a:ext uri="{FF2B5EF4-FFF2-40B4-BE49-F238E27FC236}">
+                <a16:creationId xmlns:a16="http://schemas.microsoft.com/office/drawing/2014/main" id="{24C634A5-004B-FC03-A086-3FD2C56B006C}"/>
+              </a:ext>
+            </a:extLst>
+          </p:cNvPr>
+          <p:cNvSpPr>
+            <a:spLocks noGrp="1"/>
+          </p:cNvSpPr>
+          <p:nvPr>
+            <p:ph type="sldNum" sz="quarter" idx="5"/>
+          </p:nvPr>
+        </p:nvSpPr>
+        <p:spPr/>
+        <p:txBody>
+          <a:bodyPr/>
+          <a:lstStyle/>
+          <a:p>
+            <a:fld id="{A0051FEE-5973-4BB2-90A9-241C6D512812}" type="slidenum">
+              <a:rPr lang="es-VE" smtClean="0"/>
+              <a:t>13</a:t>
+            </a:fld>
+            <a:endParaRPr lang="es-VE"/>
+          </a:p>
+        </p:txBody>
+      </p:sp>
+    </p:spTree>
+    <p:extLst>
+      <p:ext uri="{BB962C8B-B14F-4D97-AF65-F5344CB8AC3E}">
+        <p14:creationId xmlns:p14="http://schemas.microsoft.com/office/powerpoint/2010/main" val="3269211599"/>
+      </p:ext>
+    </p:extLst>
+  </p:cSld>
+  <p:clrMapOvr>
+    <a:masterClrMapping/>
+  </p:clrMapOvr>
+</p:notes>
+</file>
+
+<file path=ppt/notesSlides/notesSlide7.xml><?xml version="1.0" encoding="utf-8"?>
+<p:notes xmlns:a="http://schemas.openxmlformats.org/drawingml/2006/main" xmlns:r="http://schemas.openxmlformats.org/officeDocument/2006/relationships" xmlns:p="http://schemas.openxmlformats.org/presentationml/2006/main">
+  <p:cSld>
+    <p:spTree>
+      <p:nvGrpSpPr>
+        <p:cNvPr id="1" name="">
+          <a:extLst>
+            <a:ext uri="{FF2B5EF4-FFF2-40B4-BE49-F238E27FC236}">
+              <a16:creationId xmlns:a16="http://schemas.microsoft.com/office/drawing/2014/main" id="{9DCCC8DC-6BFA-43D8-E3B6-82C557214D01}"/>
+            </a:ext>
+          </a:extLst>
+        </p:cNvPr>
+        <p:cNvGrpSpPr/>
+        <p:nvPr/>
+      </p:nvGrpSpPr>
+      <p:grpSpPr>
+        <a:xfrm>
+          <a:off x="0" y="0"/>
+          <a:ext cx="0" cy="0"/>
+          <a:chOff x="0" y="0"/>
+          <a:chExt cx="0" cy="0"/>
+        </a:xfrm>
+      </p:grpSpPr>
+      <p:sp>
+        <p:nvSpPr>
+          <p:cNvPr id="2" name="Marcador de imagen de diapositiva 1">
+            <a:extLst>
+              <a:ext uri="{FF2B5EF4-FFF2-40B4-BE49-F238E27FC236}">
+                <a16:creationId xmlns:a16="http://schemas.microsoft.com/office/drawing/2014/main" id="{4F41E51F-05FF-04F9-0357-FAFA0608B1AD}"/>
+              </a:ext>
+            </a:extLst>
+          </p:cNvPr>
+          <p:cNvSpPr>
+            <a:spLocks noGrp="1" noRot="1" noChangeAspect="1"/>
+          </p:cNvSpPr>
+          <p:nvPr>
+            <p:ph type="sldImg"/>
+          </p:nvPr>
+        </p:nvSpPr>
+        <p:spPr/>
+      </p:sp>
+      <p:sp>
+        <p:nvSpPr>
+          <p:cNvPr id="3" name="Marcador de notas 2">
+            <a:extLst>
+              <a:ext uri="{FF2B5EF4-FFF2-40B4-BE49-F238E27FC236}">
+                <a16:creationId xmlns:a16="http://schemas.microsoft.com/office/drawing/2014/main" id="{018F5431-B7B5-DBBF-C482-0725DA29865F}"/>
+              </a:ext>
+            </a:extLst>
+          </p:cNvPr>
+          <p:cNvSpPr>
+            <a:spLocks noGrp="1"/>
+          </p:cNvSpPr>
+          <p:nvPr>
+            <p:ph type="body" idx="1"/>
+          </p:nvPr>
+        </p:nvSpPr>
+        <p:spPr/>
+        <p:txBody>
+          <a:bodyPr/>
+          <a:lstStyle/>
+          <a:p>
+            <a:endParaRPr lang="es-VE" dirty="0"/>
+          </a:p>
+        </p:txBody>
+      </p:sp>
+      <p:sp>
+        <p:nvSpPr>
+          <p:cNvPr id="4" name="Marcador de número de diapositiva 3">
+            <a:extLst>
+              <a:ext uri="{FF2B5EF4-FFF2-40B4-BE49-F238E27FC236}">
+                <a16:creationId xmlns:a16="http://schemas.microsoft.com/office/drawing/2014/main" id="{20F66FEC-3A58-AB27-79FE-E62B6D566D3E}"/>
+              </a:ext>
+            </a:extLst>
+          </p:cNvPr>
+          <p:cNvSpPr>
+            <a:spLocks noGrp="1"/>
+          </p:cNvSpPr>
+          <p:nvPr>
+            <p:ph type="sldNum" sz="quarter" idx="5"/>
+          </p:nvPr>
+        </p:nvSpPr>
+        <p:spPr/>
+        <p:txBody>
+          <a:bodyPr/>
+          <a:lstStyle/>
+          <a:p>
+            <a:fld id="{A0051FEE-5973-4BB2-90A9-241C6D512812}" type="slidenum">
+              <a:rPr lang="es-VE" smtClean="0"/>
+              <a:t>14</a:t>
+            </a:fld>
+            <a:endParaRPr lang="es-VE"/>
+          </a:p>
+        </p:txBody>
+      </p:sp>
+    </p:spTree>
+    <p:extLst>
+      <p:ext uri="{BB962C8B-B14F-4D97-AF65-F5344CB8AC3E}">
+        <p14:creationId xmlns:p14="http://schemas.microsoft.com/office/powerpoint/2010/main" val="2451140797"/>
+      </p:ext>
+    </p:extLst>
+  </p:cSld>
+  <p:clrMapOvr>
+    <a:masterClrMapping/>
+  </p:clrMapOvr>
+</p:notes>
+</file>
+
+<file path=ppt/notesSlides/notesSlide8.xml><?xml version="1.0" encoding="utf-8"?>
+<p:notes xmlns:a="http://schemas.openxmlformats.org/drawingml/2006/main" xmlns:r="http://schemas.openxmlformats.org/officeDocument/2006/relationships" xmlns:p="http://schemas.openxmlformats.org/presentationml/2006/main">
+  <p:cSld>
+    <p:spTree>
+      <p:nvGrpSpPr>
+        <p:cNvPr id="1" name="">
+          <a:extLst>
+            <a:ext uri="{FF2B5EF4-FFF2-40B4-BE49-F238E27FC236}">
+              <a16:creationId xmlns:a16="http://schemas.microsoft.com/office/drawing/2014/main" id="{EADFC34D-37F0-1AE7-F577-12F4D80DCCA8}"/>
+            </a:ext>
+          </a:extLst>
+        </p:cNvPr>
+        <p:cNvGrpSpPr/>
+        <p:nvPr/>
+      </p:nvGrpSpPr>
+      <p:grpSpPr>
+        <a:xfrm>
+          <a:off x="0" y="0"/>
+          <a:ext cx="0" cy="0"/>
+          <a:chOff x="0" y="0"/>
+          <a:chExt cx="0" cy="0"/>
+        </a:xfrm>
+      </p:grpSpPr>
+      <p:sp>
+        <p:nvSpPr>
+          <p:cNvPr id="2" name="Marcador de imagen de diapositiva 1">
+            <a:extLst>
+              <a:ext uri="{FF2B5EF4-FFF2-40B4-BE49-F238E27FC236}">
+                <a16:creationId xmlns:a16="http://schemas.microsoft.com/office/drawing/2014/main" id="{53AA74E6-EBFC-6F89-02D4-F1F2B7800134}"/>
+              </a:ext>
+            </a:extLst>
+          </p:cNvPr>
+          <p:cNvSpPr>
+            <a:spLocks noGrp="1" noRot="1" noChangeAspect="1"/>
+          </p:cNvSpPr>
+          <p:nvPr>
+            <p:ph type="sldImg"/>
+          </p:nvPr>
+        </p:nvSpPr>
+        <p:spPr/>
+      </p:sp>
+      <p:sp>
+        <p:nvSpPr>
+          <p:cNvPr id="3" name="Marcador de notas 2">
+            <a:extLst>
+              <a:ext uri="{FF2B5EF4-FFF2-40B4-BE49-F238E27FC236}">
+                <a16:creationId xmlns:a16="http://schemas.microsoft.com/office/drawing/2014/main" id="{A539A28A-0803-3051-B508-DEF1F8F3D6DC}"/>
+              </a:ext>
+            </a:extLst>
+          </p:cNvPr>
+          <p:cNvSpPr>
+            <a:spLocks noGrp="1"/>
+          </p:cNvSpPr>
+          <p:nvPr>
+            <p:ph type="body" idx="1"/>
+          </p:nvPr>
+        </p:nvSpPr>
+        <p:spPr/>
+        <p:txBody>
+          <a:bodyPr/>
+          <a:lstStyle/>
+          <a:p>
+            <a:endParaRPr lang="es-VE" dirty="0"/>
+          </a:p>
+        </p:txBody>
+      </p:sp>
+      <p:sp>
+        <p:nvSpPr>
+          <p:cNvPr id="4" name="Marcador de número de diapositiva 3">
+            <a:extLst>
+              <a:ext uri="{FF2B5EF4-FFF2-40B4-BE49-F238E27FC236}">
+                <a16:creationId xmlns:a16="http://schemas.microsoft.com/office/drawing/2014/main" id="{C0B3E649-C062-8CD4-D76C-AC9748EAD333}"/>
+              </a:ext>
+            </a:extLst>
+          </p:cNvPr>
+          <p:cNvSpPr>
+            <a:spLocks noGrp="1"/>
+          </p:cNvSpPr>
+          <p:nvPr>
+            <p:ph type="sldNum" sz="quarter" idx="5"/>
+          </p:nvPr>
+        </p:nvSpPr>
+        <p:spPr/>
+        <p:txBody>
+          <a:bodyPr/>
+          <a:lstStyle/>
+          <a:p>
+            <a:fld id="{A0051FEE-5973-4BB2-90A9-241C6D512812}" type="slidenum">
+              <a:rPr lang="es-VE" smtClean="0"/>
+              <a:t>15</a:t>
+            </a:fld>
+            <a:endParaRPr lang="es-VE"/>
+          </a:p>
+        </p:txBody>
+      </p:sp>
+    </p:spTree>
+    <p:extLst>
+      <p:ext uri="{BB962C8B-B14F-4D97-AF65-F5344CB8AC3E}">
+        <p14:creationId xmlns:p14="http://schemas.microsoft.com/office/powerpoint/2010/main" val="578264245"/>
+      </p:ext>
+    </p:extLst>
+  </p:cSld>
+  <p:clrMapOvr>
+    <a:masterClrMapping/>
+  </p:clrMapOvr>
+</p:notes>
+</file>
+
+<file path=ppt/notesSlides/notesSlide9.xml><?xml version="1.0" encoding="utf-8"?>
 <p:notes xmlns:a="http://schemas.openxmlformats.org/drawingml/2006/main" xmlns:r="http://schemas.openxmlformats.org/officeDocument/2006/relationships" xmlns:p="http://schemas.openxmlformats.org/presentationml/2006/main">
   <p:cSld>
     <p:spTree>
@@ -1008,7 +1660,7 @@
           <a:p>
             <a:fld id="{A0051FEE-5973-4BB2-90A9-241C6D512812}" type="slidenum">
               <a:rPr lang="es-VE" smtClean="0"/>
-              <a:t>12</a:t>
+              <a:t>16</a:t>
             </a:fld>
             <a:endParaRPr lang="es-VE"/>
           </a:p>
@@ -1018,222 +1670,6 @@
     <p:extLst>
       <p:ext uri="{BB962C8B-B14F-4D97-AF65-F5344CB8AC3E}">
         <p14:creationId xmlns:p14="http://schemas.microsoft.com/office/powerpoint/2010/main" val="3703203971"/>
-      </p:ext>
-    </p:extLst>
-  </p:cSld>
-  <p:clrMapOvr>
-    <a:masterClrMapping/>
-  </p:clrMapOvr>
-</p:notes>
-</file>
-
-<file path=ppt/notesSlides/notesSlide6.xml><?xml version="1.0" encoding="utf-8"?>
-<p:notes xmlns:a="http://schemas.openxmlformats.org/drawingml/2006/main" xmlns:r="http://schemas.openxmlformats.org/officeDocument/2006/relationships" xmlns:p="http://schemas.openxmlformats.org/presentationml/2006/main">
-  <p:cSld>
-    <p:spTree>
-      <p:nvGrpSpPr>
-        <p:cNvPr id="1" name="">
-          <a:extLst>
-            <a:ext uri="{FF2B5EF4-FFF2-40B4-BE49-F238E27FC236}">
-              <a16:creationId xmlns:a16="http://schemas.microsoft.com/office/drawing/2014/main" id="{38DF6B06-C24A-B1C8-24D0-95F1676F88E9}"/>
-            </a:ext>
-          </a:extLst>
-        </p:cNvPr>
-        <p:cNvGrpSpPr/>
-        <p:nvPr/>
-      </p:nvGrpSpPr>
-      <p:grpSpPr>
-        <a:xfrm>
-          <a:off x="0" y="0"/>
-          <a:ext cx="0" cy="0"/>
-          <a:chOff x="0" y="0"/>
-          <a:chExt cx="0" cy="0"/>
-        </a:xfrm>
-      </p:grpSpPr>
-      <p:sp>
-        <p:nvSpPr>
-          <p:cNvPr id="2" name="Marcador de imagen de diapositiva 1">
-            <a:extLst>
-              <a:ext uri="{FF2B5EF4-FFF2-40B4-BE49-F238E27FC236}">
-                <a16:creationId xmlns:a16="http://schemas.microsoft.com/office/drawing/2014/main" id="{FB20F13E-64A0-0647-E9A4-90D5E22D62CF}"/>
-              </a:ext>
-            </a:extLst>
-          </p:cNvPr>
-          <p:cNvSpPr>
-            <a:spLocks noGrp="1" noRot="1" noChangeAspect="1"/>
-          </p:cNvSpPr>
-          <p:nvPr>
-            <p:ph type="sldImg"/>
-          </p:nvPr>
-        </p:nvSpPr>
-        <p:spPr/>
-      </p:sp>
-      <p:sp>
-        <p:nvSpPr>
-          <p:cNvPr id="3" name="Marcador de notas 2">
-            <a:extLst>
-              <a:ext uri="{FF2B5EF4-FFF2-40B4-BE49-F238E27FC236}">
-                <a16:creationId xmlns:a16="http://schemas.microsoft.com/office/drawing/2014/main" id="{1EFAF84A-1D62-9577-DAAF-0B749ABF7BE7}"/>
-              </a:ext>
-            </a:extLst>
-          </p:cNvPr>
-          <p:cNvSpPr>
-            <a:spLocks noGrp="1"/>
-          </p:cNvSpPr>
-          <p:nvPr>
-            <p:ph type="body" idx="1"/>
-          </p:nvPr>
-        </p:nvSpPr>
-        <p:spPr/>
-        <p:txBody>
-          <a:bodyPr/>
-          <a:lstStyle/>
-          <a:p>
-            <a:endParaRPr lang="es-VE" dirty="0"/>
-          </a:p>
-        </p:txBody>
-      </p:sp>
-      <p:sp>
-        <p:nvSpPr>
-          <p:cNvPr id="4" name="Marcador de número de diapositiva 3">
-            <a:extLst>
-              <a:ext uri="{FF2B5EF4-FFF2-40B4-BE49-F238E27FC236}">
-                <a16:creationId xmlns:a16="http://schemas.microsoft.com/office/drawing/2014/main" id="{AB7FEB70-04F8-94CE-C2B0-9E84291E9D32}"/>
-              </a:ext>
-            </a:extLst>
-          </p:cNvPr>
-          <p:cNvSpPr>
-            <a:spLocks noGrp="1"/>
-          </p:cNvSpPr>
-          <p:nvPr>
-            <p:ph type="sldNum" sz="quarter" idx="5"/>
-          </p:nvPr>
-        </p:nvSpPr>
-        <p:spPr/>
-        <p:txBody>
-          <a:bodyPr/>
-          <a:lstStyle/>
-          <a:p>
-            <a:fld id="{A0051FEE-5973-4BB2-90A9-241C6D512812}" type="slidenum">
-              <a:rPr lang="es-VE" smtClean="0"/>
-              <a:t>13</a:t>
-            </a:fld>
-            <a:endParaRPr lang="es-VE"/>
-          </a:p>
-        </p:txBody>
-      </p:sp>
-    </p:spTree>
-    <p:extLst>
-      <p:ext uri="{BB962C8B-B14F-4D97-AF65-F5344CB8AC3E}">
-        <p14:creationId xmlns:p14="http://schemas.microsoft.com/office/powerpoint/2010/main" val="1458426950"/>
-      </p:ext>
-    </p:extLst>
-  </p:cSld>
-  <p:clrMapOvr>
-    <a:masterClrMapping/>
-  </p:clrMapOvr>
-</p:notes>
-</file>
-
-<file path=ppt/notesSlides/notesSlide7.xml><?xml version="1.0" encoding="utf-8"?>
-<p:notes xmlns:a="http://schemas.openxmlformats.org/drawingml/2006/main" xmlns:r="http://schemas.openxmlformats.org/officeDocument/2006/relationships" xmlns:p="http://schemas.openxmlformats.org/presentationml/2006/main">
-  <p:cSld>
-    <p:spTree>
-      <p:nvGrpSpPr>
-        <p:cNvPr id="1" name="">
-          <a:extLst>
-            <a:ext uri="{FF2B5EF4-FFF2-40B4-BE49-F238E27FC236}">
-              <a16:creationId xmlns:a16="http://schemas.microsoft.com/office/drawing/2014/main" id="{6A38F14F-9CEF-95CA-A456-9A781537F4E6}"/>
-            </a:ext>
-          </a:extLst>
-        </p:cNvPr>
-        <p:cNvGrpSpPr/>
-        <p:nvPr/>
-      </p:nvGrpSpPr>
-      <p:grpSpPr>
-        <a:xfrm>
-          <a:off x="0" y="0"/>
-          <a:ext cx="0" cy="0"/>
-          <a:chOff x="0" y="0"/>
-          <a:chExt cx="0" cy="0"/>
-        </a:xfrm>
-      </p:grpSpPr>
-      <p:sp>
-        <p:nvSpPr>
-          <p:cNvPr id="2" name="Marcador de imagen de diapositiva 1">
-            <a:extLst>
-              <a:ext uri="{FF2B5EF4-FFF2-40B4-BE49-F238E27FC236}">
-                <a16:creationId xmlns:a16="http://schemas.microsoft.com/office/drawing/2014/main" id="{624FA75C-C4FD-0682-966A-82F90D44BB03}"/>
-              </a:ext>
-            </a:extLst>
-          </p:cNvPr>
-          <p:cNvSpPr>
-            <a:spLocks noGrp="1" noRot="1" noChangeAspect="1"/>
-          </p:cNvSpPr>
-          <p:nvPr>
-            <p:ph type="sldImg"/>
-          </p:nvPr>
-        </p:nvSpPr>
-        <p:spPr/>
-      </p:sp>
-      <p:sp>
-        <p:nvSpPr>
-          <p:cNvPr id="3" name="Marcador de notas 2">
-            <a:extLst>
-              <a:ext uri="{FF2B5EF4-FFF2-40B4-BE49-F238E27FC236}">
-                <a16:creationId xmlns:a16="http://schemas.microsoft.com/office/drawing/2014/main" id="{765BE50C-6F97-1777-5946-C6EA3007A83E}"/>
-              </a:ext>
-            </a:extLst>
-          </p:cNvPr>
-          <p:cNvSpPr>
-            <a:spLocks noGrp="1"/>
-          </p:cNvSpPr>
-          <p:nvPr>
-            <p:ph type="body" idx="1"/>
-          </p:nvPr>
-        </p:nvSpPr>
-        <p:spPr/>
-        <p:txBody>
-          <a:bodyPr/>
-          <a:lstStyle/>
-          <a:p>
-            <a:endParaRPr lang="es-VE" dirty="0"/>
-          </a:p>
-        </p:txBody>
-      </p:sp>
-      <p:sp>
-        <p:nvSpPr>
-          <p:cNvPr id="4" name="Marcador de número de diapositiva 3">
-            <a:extLst>
-              <a:ext uri="{FF2B5EF4-FFF2-40B4-BE49-F238E27FC236}">
-                <a16:creationId xmlns:a16="http://schemas.microsoft.com/office/drawing/2014/main" id="{BFBD3595-37AA-0B51-807D-C35539746A0D}"/>
-              </a:ext>
-            </a:extLst>
-          </p:cNvPr>
-          <p:cNvSpPr>
-            <a:spLocks noGrp="1"/>
-          </p:cNvSpPr>
-          <p:nvPr>
-            <p:ph type="sldNum" sz="quarter" idx="5"/>
-          </p:nvPr>
-        </p:nvSpPr>
-        <p:spPr/>
-        <p:txBody>
-          <a:bodyPr/>
-          <a:lstStyle/>
-          <a:p>
-            <a:fld id="{A0051FEE-5973-4BB2-90A9-241C6D512812}" type="slidenum">
-              <a:rPr lang="es-VE" smtClean="0"/>
-              <a:t>14</a:t>
-            </a:fld>
-            <a:endParaRPr lang="es-VE"/>
-          </a:p>
-        </p:txBody>
-      </p:sp>
-    </p:spTree>
-    <p:extLst>
-      <p:ext uri="{BB962C8B-B14F-4D97-AF65-F5344CB8AC3E}">
-        <p14:creationId xmlns:p14="http://schemas.microsoft.com/office/powerpoint/2010/main" val="2738421168"/>
       </p:ext>
     </p:extLst>
   </p:cSld>
@@ -1423,7 +1859,7 @@
             <a:fld id="{1D8BD707-D9CF-40AE-B4C6-C98DA3205C09}" type="datetimeFigureOut">
               <a:rPr lang="en-US" smtClean="0"/>
               <a:pPr/>
-              <a:t>7/24/2025</a:t>
+              <a:t>7/25/2025</a:t>
             </a:fld>
             <a:endParaRPr lang="en-US"/>
           </a:p>
@@ -1466,7 +1902,7 @@
             <a:fld id="{B6F15528-21DE-4FAA-801E-634DDDAF4B2B}" type="slidenum">
               <a:rPr lang="en-US" smtClean="0"/>
               <a:pPr/>
-              <a:t>‹Nº›</a:t>
+              <a:t>‹#›</a:t>
             </a:fld>
             <a:endParaRPr lang="en-US"/>
           </a:p>
@@ -1588,7 +2024,7 @@
             <a:fld id="{1D8BD707-D9CF-40AE-B4C6-C98DA3205C09}" type="datetimeFigureOut">
               <a:rPr lang="en-US" smtClean="0"/>
               <a:pPr/>
-              <a:t>7/24/2025</a:t>
+              <a:t>7/25/2025</a:t>
             </a:fld>
             <a:endParaRPr lang="en-US"/>
           </a:p>
@@ -1631,7 +2067,7 @@
             <a:fld id="{B6F15528-21DE-4FAA-801E-634DDDAF4B2B}" type="slidenum">
               <a:rPr lang="en-US" smtClean="0"/>
               <a:pPr/>
-              <a:t>‹Nº›</a:t>
+              <a:t>‹#›</a:t>
             </a:fld>
             <a:endParaRPr lang="en-US"/>
           </a:p>
@@ -1763,7 +2199,7 @@
             <a:fld id="{1D8BD707-D9CF-40AE-B4C6-C98DA3205C09}" type="datetimeFigureOut">
               <a:rPr lang="en-US" smtClean="0"/>
               <a:pPr/>
-              <a:t>7/24/2025</a:t>
+              <a:t>7/25/2025</a:t>
             </a:fld>
             <a:endParaRPr lang="en-US"/>
           </a:p>
@@ -1806,7 +2242,7 @@
             <a:fld id="{B6F15528-21DE-4FAA-801E-634DDDAF4B2B}" type="slidenum">
               <a:rPr lang="en-US" smtClean="0"/>
               <a:pPr/>
-              <a:t>‹Nº›</a:t>
+              <a:t>‹#›</a:t>
             </a:fld>
             <a:endParaRPr lang="en-US"/>
           </a:p>
@@ -1928,7 +2364,7 @@
             <a:fld id="{1D8BD707-D9CF-40AE-B4C6-C98DA3205C09}" type="datetimeFigureOut">
               <a:rPr lang="en-US" smtClean="0"/>
               <a:pPr/>
-              <a:t>7/24/2025</a:t>
+              <a:t>7/25/2025</a:t>
             </a:fld>
             <a:endParaRPr lang="en-US"/>
           </a:p>
@@ -1971,7 +2407,7 @@
             <a:fld id="{B6F15528-21DE-4FAA-801E-634DDDAF4B2B}" type="slidenum">
               <a:rPr lang="en-US" smtClean="0"/>
               <a:pPr/>
-              <a:t>‹Nº›</a:t>
+              <a:t>‹#›</a:t>
             </a:fld>
             <a:endParaRPr lang="en-US"/>
           </a:p>
@@ -2170,7 +2606,7 @@
             <a:fld id="{1D8BD707-D9CF-40AE-B4C6-C98DA3205C09}" type="datetimeFigureOut">
               <a:rPr lang="en-US" smtClean="0"/>
               <a:pPr/>
-              <a:t>7/24/2025</a:t>
+              <a:t>7/25/2025</a:t>
             </a:fld>
             <a:endParaRPr lang="en-US"/>
           </a:p>
@@ -2213,7 +2649,7 @@
             <a:fld id="{B6F15528-21DE-4FAA-801E-634DDDAF4B2B}" type="slidenum">
               <a:rPr lang="en-US" smtClean="0"/>
               <a:pPr/>
-              <a:t>‹Nº›</a:t>
+              <a:t>‹#›</a:t>
             </a:fld>
             <a:endParaRPr lang="en-US"/>
           </a:p>
@@ -2452,7 +2888,7 @@
             <a:fld id="{1D8BD707-D9CF-40AE-B4C6-C98DA3205C09}" type="datetimeFigureOut">
               <a:rPr lang="en-US" smtClean="0"/>
               <a:pPr/>
-              <a:t>7/24/2025</a:t>
+              <a:t>7/25/2025</a:t>
             </a:fld>
             <a:endParaRPr lang="en-US"/>
           </a:p>
@@ -2495,7 +2931,7 @@
             <a:fld id="{B6F15528-21DE-4FAA-801E-634DDDAF4B2B}" type="slidenum">
               <a:rPr lang="en-US" smtClean="0"/>
               <a:pPr/>
-              <a:t>‹Nº›</a:t>
+              <a:t>‹#›</a:t>
             </a:fld>
             <a:endParaRPr lang="en-US"/>
           </a:p>
@@ -2868,7 +3304,7 @@
             <a:fld id="{1D8BD707-D9CF-40AE-B4C6-C98DA3205C09}" type="datetimeFigureOut">
               <a:rPr lang="en-US" smtClean="0"/>
               <a:pPr/>
-              <a:t>7/24/2025</a:t>
+              <a:t>7/25/2025</a:t>
             </a:fld>
             <a:endParaRPr lang="en-US"/>
           </a:p>
@@ -2911,7 +3347,7 @@
             <a:fld id="{B6F15528-21DE-4FAA-801E-634DDDAF4B2B}" type="slidenum">
               <a:rPr lang="en-US" smtClean="0"/>
               <a:pPr/>
-              <a:t>‹Nº›</a:t>
+              <a:t>‹#›</a:t>
             </a:fld>
             <a:endParaRPr lang="en-US"/>
           </a:p>
@@ -2982,7 +3418,7 @@
             <a:fld id="{1D8BD707-D9CF-40AE-B4C6-C98DA3205C09}" type="datetimeFigureOut">
               <a:rPr lang="en-US" smtClean="0"/>
               <a:pPr/>
-              <a:t>7/24/2025</a:t>
+              <a:t>7/25/2025</a:t>
             </a:fld>
             <a:endParaRPr lang="en-US"/>
           </a:p>
@@ -3025,7 +3461,7 @@
             <a:fld id="{B6F15528-21DE-4FAA-801E-634DDDAF4B2B}" type="slidenum">
               <a:rPr lang="en-US" smtClean="0"/>
               <a:pPr/>
-              <a:t>‹Nº›</a:t>
+              <a:t>‹#›</a:t>
             </a:fld>
             <a:endParaRPr lang="en-US"/>
           </a:p>
@@ -3074,7 +3510,7 @@
             <a:fld id="{1D8BD707-D9CF-40AE-B4C6-C98DA3205C09}" type="datetimeFigureOut">
               <a:rPr lang="en-US" smtClean="0"/>
               <a:pPr/>
-              <a:t>7/24/2025</a:t>
+              <a:t>7/25/2025</a:t>
             </a:fld>
             <a:endParaRPr lang="en-US"/>
           </a:p>
@@ -3117,7 +3553,7 @@
             <a:fld id="{B6F15528-21DE-4FAA-801E-634DDDAF4B2B}" type="slidenum">
               <a:rPr lang="en-US" smtClean="0"/>
               <a:pPr/>
-              <a:t>‹Nº›</a:t>
+              <a:t>‹#›</a:t>
             </a:fld>
             <a:endParaRPr lang="en-US"/>
           </a:p>
@@ -3346,7 +3782,7 @@
             <a:fld id="{1D8BD707-D9CF-40AE-B4C6-C98DA3205C09}" type="datetimeFigureOut">
               <a:rPr lang="en-US" smtClean="0"/>
               <a:pPr/>
-              <a:t>7/24/2025</a:t>
+              <a:t>7/25/2025</a:t>
             </a:fld>
             <a:endParaRPr lang="en-US"/>
           </a:p>
@@ -3389,7 +3825,7 @@
             <a:fld id="{B6F15528-21DE-4FAA-801E-634DDDAF4B2B}" type="slidenum">
               <a:rPr lang="en-US" smtClean="0"/>
               <a:pPr/>
-              <a:t>‹Nº›</a:t>
+              <a:t>‹#›</a:t>
             </a:fld>
             <a:endParaRPr lang="en-US"/>
           </a:p>
@@ -3595,7 +4031,7 @@
             <a:fld id="{1D8BD707-D9CF-40AE-B4C6-C98DA3205C09}" type="datetimeFigureOut">
               <a:rPr lang="en-US" smtClean="0"/>
               <a:pPr/>
-              <a:t>7/24/2025</a:t>
+              <a:t>7/25/2025</a:t>
             </a:fld>
             <a:endParaRPr lang="en-US"/>
           </a:p>
@@ -3638,7 +4074,7 @@
             <a:fld id="{B6F15528-21DE-4FAA-801E-634DDDAF4B2B}" type="slidenum">
               <a:rPr lang="en-US" smtClean="0"/>
               <a:pPr/>
-              <a:t>‹Nº›</a:t>
+              <a:t>‹#›</a:t>
             </a:fld>
             <a:endParaRPr lang="en-US"/>
           </a:p>
@@ -3803,7 +4239,7 @@
             <a:fld id="{1D8BD707-D9CF-40AE-B4C6-C98DA3205C09}" type="datetimeFigureOut">
               <a:rPr lang="en-US" smtClean="0"/>
               <a:pPr/>
-              <a:t>7/24/2025</a:t>
+              <a:t>7/25/2025</a:t>
             </a:fld>
             <a:endParaRPr lang="en-US"/>
           </a:p>
@@ -3882,7 +4318,7 @@
             <a:fld id="{B6F15528-21DE-4FAA-801E-634DDDAF4B2B}" type="slidenum">
               <a:rPr lang="en-US" smtClean="0"/>
               <a:pPr/>
-              <a:t>‹Nº›</a:t>
+              <a:t>‹#›</a:t>
             </a:fld>
             <a:endParaRPr lang="en-US"/>
           </a:p>
@@ -5034,7 +5470,7 @@
           <a:noFill/>
           <a:ln>
             <a:solidFill>
-              <a:srgbClr val="FFC000"/>
+              <a:srgbClr val="FF0000"/>
             </a:solidFill>
           </a:ln>
         </p:spPr>
@@ -5701,7 +6137,7 @@
                   <a:schemeClr val="tx1"/>
                 </a:solidFill>
               </a:rPr>
-              <a:t> debe presionar el botón ya antes mencionado el cuál apertura un formulario  </a:t>
+              <a:t> debe presionar el botón ya antes mencionado el cuál apertura un formulario.  </a:t>
             </a:r>
           </a:p>
         </p:txBody>
@@ -5932,8 +6368,8 @@
         </p:nvSpPr>
         <p:spPr>
           <a:xfrm>
-            <a:off x="752500" y="9224792"/>
-            <a:ext cx="5605780" cy="738664"/>
+            <a:off x="974101" y="9319339"/>
+            <a:ext cx="5605780" cy="492443"/>
           </a:xfrm>
           <a:prstGeom prst="rect">
             <a:avLst/>
@@ -5949,7 +6385,11 @@
             <a:pPr algn="just"/>
             <a:r>
               <a:rPr lang="es-VE" sz="1400" b="1" dirty="0"/>
-              <a:t>Nota: Para los demás equipos el proceso es similar, los cambios se aplican en los formularios, ya que para los distintos equipos los tipos de  datos  varían. </a:t>
+              <a:t>Nota: </a:t>
+            </a:r>
+            <a:r>
+              <a:rPr lang="es-VE" sz="1200" b="1" dirty="0"/>
+              <a:t>Para los demás equipos el proceso es similar, los cambios se aplican en los formularios, ya que para los distintos equipos los tipos de  datos  varían. </a:t>
             </a:r>
           </a:p>
         </p:txBody>
@@ -6043,6 +6483,1028 @@
 </file>
 
 <file path=ppt/slides/slide11.xml><?xml version="1.0" encoding="utf-8"?>
+<p:sld xmlns:a="http://schemas.openxmlformats.org/drawingml/2006/main" xmlns:r="http://schemas.openxmlformats.org/officeDocument/2006/relationships" xmlns:p="http://schemas.openxmlformats.org/presentationml/2006/main">
+  <p:cSld>
+    <p:bg>
+      <p:bgPr>
+        <a:solidFill>
+          <a:srgbClr val="F7F5F2"/>
+        </a:solidFill>
+        <a:effectLst/>
+      </p:bgPr>
+    </p:bg>
+    <p:spTree>
+      <p:nvGrpSpPr>
+        <p:cNvPr id="1" name="">
+          <a:extLst>
+            <a:ext uri="{FF2B5EF4-FFF2-40B4-BE49-F238E27FC236}">
+              <a16:creationId xmlns:a16="http://schemas.microsoft.com/office/drawing/2014/main" id="{475B3789-8CBE-4CFB-DABA-4C699F68D6F0}"/>
+            </a:ext>
+          </a:extLst>
+        </p:cNvPr>
+        <p:cNvGrpSpPr/>
+        <p:nvPr/>
+      </p:nvGrpSpPr>
+      <p:grpSpPr>
+        <a:xfrm>
+          <a:off x="0" y="0"/>
+          <a:ext cx="0" cy="0"/>
+          <a:chOff x="0" y="0"/>
+          <a:chExt cx="0" cy="0"/>
+        </a:xfrm>
+      </p:grpSpPr>
+      <p:sp>
+        <p:nvSpPr>
+          <p:cNvPr id="7" name="Freeform 7">
+            <a:extLst>
+              <a:ext uri="{FF2B5EF4-FFF2-40B4-BE49-F238E27FC236}">
+                <a16:creationId xmlns:a16="http://schemas.microsoft.com/office/drawing/2014/main" id="{0A1112B1-E1C7-C2A2-FEC0-4A86C9CBA8F0}"/>
+              </a:ext>
+            </a:extLst>
+          </p:cNvPr>
+          <p:cNvSpPr/>
+          <p:nvPr/>
+        </p:nvSpPr>
+        <p:spPr>
+          <a:xfrm rot="5400000">
+            <a:off x="5789382" y="-1598340"/>
+            <a:ext cx="2362194" cy="3049781"/>
+          </a:xfrm>
+          <a:custGeom>
+            <a:avLst/>
+            <a:gdLst/>
+            <a:ahLst/>
+            <a:cxnLst/>
+            <a:rect l="l" t="t" r="r" b="b"/>
+            <a:pathLst>
+              <a:path w="2362194" h="3049781">
+                <a:moveTo>
+                  <a:pt x="0" y="0"/>
+                </a:moveTo>
+                <a:lnTo>
+                  <a:pt x="2362194" y="0"/>
+                </a:lnTo>
+                <a:lnTo>
+                  <a:pt x="2362194" y="3049782"/>
+                </a:lnTo>
+                <a:lnTo>
+                  <a:pt x="0" y="3049782"/>
+                </a:lnTo>
+                <a:lnTo>
+                  <a:pt x="0" y="0"/>
+                </a:lnTo>
+                <a:close/>
+              </a:path>
+            </a:pathLst>
+          </a:custGeom>
+          <a:blipFill>
+            <a:blip r:embed="rId3">
+              <a:extLst>
+                <a:ext uri="{96DAC541-7B7A-43D3-8B79-37D633B846F1}">
+                  <asvg:svgBlip xmlns:asvg="http://schemas.microsoft.com/office/drawing/2016/SVG/main" r:embed="rId4"/>
+                </a:ext>
+              </a:extLst>
+            </a:blip>
+            <a:stretch>
+              <a:fillRect/>
+            </a:stretch>
+          </a:blipFill>
+        </p:spPr>
+      </p:sp>
+      <p:sp>
+        <p:nvSpPr>
+          <p:cNvPr id="8" name="Freeform 8">
+            <a:extLst>
+              <a:ext uri="{FF2B5EF4-FFF2-40B4-BE49-F238E27FC236}">
+                <a16:creationId xmlns:a16="http://schemas.microsoft.com/office/drawing/2014/main" id="{188AD99D-9A30-754E-0667-E2B7FE292FBE}"/>
+              </a:ext>
+            </a:extLst>
+          </p:cNvPr>
+          <p:cNvSpPr/>
+          <p:nvPr/>
+        </p:nvSpPr>
+        <p:spPr>
+          <a:xfrm rot="5400000">
+            <a:off x="2595895" y="-1598340"/>
+            <a:ext cx="2362194" cy="3049781"/>
+          </a:xfrm>
+          <a:custGeom>
+            <a:avLst/>
+            <a:gdLst/>
+            <a:ahLst/>
+            <a:cxnLst/>
+            <a:rect l="l" t="t" r="r" b="b"/>
+            <a:pathLst>
+              <a:path w="2362194" h="3049781">
+                <a:moveTo>
+                  <a:pt x="0" y="0"/>
+                </a:moveTo>
+                <a:lnTo>
+                  <a:pt x="2362194" y="0"/>
+                </a:lnTo>
+                <a:lnTo>
+                  <a:pt x="2362194" y="3049782"/>
+                </a:lnTo>
+                <a:lnTo>
+                  <a:pt x="0" y="3049782"/>
+                </a:lnTo>
+                <a:lnTo>
+                  <a:pt x="0" y="0"/>
+                </a:lnTo>
+                <a:close/>
+              </a:path>
+            </a:pathLst>
+          </a:custGeom>
+          <a:blipFill>
+            <a:blip r:embed="rId3">
+              <a:extLst>
+                <a:ext uri="{96DAC541-7B7A-43D3-8B79-37D633B846F1}">
+                  <asvg:svgBlip xmlns:asvg="http://schemas.microsoft.com/office/drawing/2016/SVG/main" r:embed="rId4"/>
+                </a:ext>
+              </a:extLst>
+            </a:blip>
+            <a:stretch>
+              <a:fillRect/>
+            </a:stretch>
+          </a:blipFill>
+        </p:spPr>
+      </p:sp>
+      <p:sp>
+        <p:nvSpPr>
+          <p:cNvPr id="9" name="Freeform 9">
+            <a:extLst>
+              <a:ext uri="{FF2B5EF4-FFF2-40B4-BE49-F238E27FC236}">
+                <a16:creationId xmlns:a16="http://schemas.microsoft.com/office/drawing/2014/main" id="{41CDDD4E-C66A-93B5-9606-6AD3D5865F66}"/>
+              </a:ext>
+            </a:extLst>
+          </p:cNvPr>
+          <p:cNvSpPr/>
+          <p:nvPr/>
+        </p:nvSpPr>
+        <p:spPr>
+          <a:xfrm rot="5400000">
+            <a:off x="-591576" y="-1598340"/>
+            <a:ext cx="2362194" cy="3049781"/>
+          </a:xfrm>
+          <a:custGeom>
+            <a:avLst/>
+            <a:gdLst/>
+            <a:ahLst/>
+            <a:cxnLst/>
+            <a:rect l="l" t="t" r="r" b="b"/>
+            <a:pathLst>
+              <a:path w="2362194" h="3049781">
+                <a:moveTo>
+                  <a:pt x="0" y="0"/>
+                </a:moveTo>
+                <a:lnTo>
+                  <a:pt x="2362194" y="0"/>
+                </a:lnTo>
+                <a:lnTo>
+                  <a:pt x="2362194" y="3049782"/>
+                </a:lnTo>
+                <a:lnTo>
+                  <a:pt x="0" y="3049782"/>
+                </a:lnTo>
+                <a:lnTo>
+                  <a:pt x="0" y="0"/>
+                </a:lnTo>
+                <a:close/>
+              </a:path>
+            </a:pathLst>
+          </a:custGeom>
+          <a:blipFill>
+            <a:blip r:embed="rId3">
+              <a:extLst>
+                <a:ext uri="{96DAC541-7B7A-43D3-8B79-37D633B846F1}">
+                  <asvg:svgBlip xmlns:asvg="http://schemas.microsoft.com/office/drawing/2016/SVG/main" r:embed="rId4"/>
+                </a:ext>
+              </a:extLst>
+            </a:blip>
+            <a:stretch>
+              <a:fillRect/>
+            </a:stretch>
+          </a:blipFill>
+        </p:spPr>
+      </p:sp>
+      <p:sp>
+        <p:nvSpPr>
+          <p:cNvPr id="10" name="AutoShape 10">
+            <a:extLst>
+              <a:ext uri="{FF2B5EF4-FFF2-40B4-BE49-F238E27FC236}">
+                <a16:creationId xmlns:a16="http://schemas.microsoft.com/office/drawing/2014/main" id="{FBFCCCE8-0655-D6C8-314B-9E17BFF13961}"/>
+              </a:ext>
+            </a:extLst>
+          </p:cNvPr>
+          <p:cNvSpPr/>
+          <p:nvPr/>
+        </p:nvSpPr>
+        <p:spPr>
+          <a:xfrm>
+            <a:off x="756000" y="9931238"/>
+            <a:ext cx="6048000" cy="0"/>
+          </a:xfrm>
+          <a:prstGeom prst="line">
+            <a:avLst/>
+          </a:prstGeom>
+          <a:ln w="9525" cap="flat">
+            <a:solidFill>
+              <a:srgbClr val="000000"/>
+            </a:solidFill>
+            <a:prstDash val="solid"/>
+            <a:headEnd type="none" w="sm" len="sm"/>
+            <a:tailEnd type="none" w="sm" len="sm"/>
+          </a:ln>
+        </p:spPr>
+      </p:sp>
+      <p:sp>
+        <p:nvSpPr>
+          <p:cNvPr id="12" name="TextBox 12">
+            <a:extLst>
+              <a:ext uri="{FF2B5EF4-FFF2-40B4-BE49-F238E27FC236}">
+                <a16:creationId xmlns:a16="http://schemas.microsoft.com/office/drawing/2014/main" id="{86F4AD7F-89CE-003B-0058-AFB4660B7FD0}"/>
+              </a:ext>
+            </a:extLst>
+          </p:cNvPr>
+          <p:cNvSpPr txBox="1"/>
+          <p:nvPr/>
+        </p:nvSpPr>
+        <p:spPr>
+          <a:xfrm>
+            <a:off x="756000" y="10084923"/>
+            <a:ext cx="1742330" cy="187325"/>
+          </a:xfrm>
+          <a:prstGeom prst="rect">
+            <a:avLst/>
+          </a:prstGeom>
+        </p:spPr>
+        <p:txBody>
+          <a:bodyPr lIns="0" tIns="0" rIns="0" bIns="0" rtlCol="0" anchor="t">
+            <a:spAutoFit/>
+          </a:bodyPr>
+          <a:lstStyle/>
+          <a:p>
+            <a:pPr algn="l">
+              <a:lnSpc>
+                <a:spcPts val="1599"/>
+              </a:lnSpc>
+            </a:pPr>
+            <a:r>
+              <a:rPr lang="en-US" sz="999" dirty="0" err="1">
+                <a:solidFill>
+                  <a:srgbClr val="222525"/>
+                </a:solidFill>
+                <a:latin typeface="Montserrat"/>
+                <a:ea typeface="Montserrat"/>
+                <a:cs typeface="Montserrat"/>
+                <a:sym typeface="Montserrat"/>
+              </a:rPr>
+              <a:t>Descripción</a:t>
+            </a:r>
+            <a:r>
+              <a:rPr lang="en-US" sz="999" dirty="0">
+                <a:solidFill>
+                  <a:srgbClr val="222525"/>
+                </a:solidFill>
+                <a:latin typeface="Montserrat"/>
+                <a:ea typeface="Montserrat"/>
+                <a:cs typeface="Montserrat"/>
+                <a:sym typeface="Montserrat"/>
+              </a:rPr>
+              <a:t> del Sistema</a:t>
+            </a:r>
+          </a:p>
+        </p:txBody>
+      </p:sp>
+      <p:sp>
+        <p:nvSpPr>
+          <p:cNvPr id="13" name="TextBox 13">
+            <a:extLst>
+              <a:ext uri="{FF2B5EF4-FFF2-40B4-BE49-F238E27FC236}">
+                <a16:creationId xmlns:a16="http://schemas.microsoft.com/office/drawing/2014/main" id="{B98B9475-F826-B5EF-1363-F3EEED218251}"/>
+              </a:ext>
+            </a:extLst>
+          </p:cNvPr>
+          <p:cNvSpPr txBox="1"/>
+          <p:nvPr/>
+        </p:nvSpPr>
+        <p:spPr>
+          <a:xfrm>
+            <a:off x="5061670" y="10084923"/>
+            <a:ext cx="1742330" cy="187325"/>
+          </a:xfrm>
+          <a:prstGeom prst="rect">
+            <a:avLst/>
+          </a:prstGeom>
+        </p:spPr>
+        <p:txBody>
+          <a:bodyPr lIns="0" tIns="0" rIns="0" bIns="0" rtlCol="0" anchor="t">
+            <a:spAutoFit/>
+          </a:bodyPr>
+          <a:lstStyle/>
+          <a:p>
+            <a:pPr algn="r">
+              <a:lnSpc>
+                <a:spcPts val="1599"/>
+              </a:lnSpc>
+            </a:pPr>
+            <a:r>
+              <a:rPr lang="en-US" sz="999">
+                <a:solidFill>
+                  <a:srgbClr val="222525"/>
+                </a:solidFill>
+                <a:latin typeface="Montserrat"/>
+                <a:ea typeface="Montserrat"/>
+                <a:cs typeface="Montserrat"/>
+                <a:sym typeface="Montserrat"/>
+              </a:rPr>
+              <a:t>01</a:t>
+            </a:r>
+          </a:p>
+        </p:txBody>
+      </p:sp>
+      <p:sp>
+        <p:nvSpPr>
+          <p:cNvPr id="82" name="CuadroTexto 81">
+            <a:extLst>
+              <a:ext uri="{FF2B5EF4-FFF2-40B4-BE49-F238E27FC236}">
+                <a16:creationId xmlns:a16="http://schemas.microsoft.com/office/drawing/2014/main" id="{9CE30924-314C-731D-29B3-BFFE96551107}"/>
+              </a:ext>
+            </a:extLst>
+          </p:cNvPr>
+          <p:cNvSpPr txBox="1"/>
+          <p:nvPr/>
+        </p:nvSpPr>
+        <p:spPr>
+          <a:xfrm>
+            <a:off x="1541247" y="9409496"/>
+            <a:ext cx="4471487" cy="307777"/>
+          </a:xfrm>
+          <a:prstGeom prst="rect">
+            <a:avLst/>
+          </a:prstGeom>
+          <a:noFill/>
+        </p:spPr>
+        <p:txBody>
+          <a:bodyPr wrap="square" rtlCol="0">
+            <a:spAutoFit/>
+          </a:bodyPr>
+          <a:lstStyle/>
+          <a:p>
+            <a:pPr algn="just"/>
+            <a:r>
+              <a:rPr lang="es-VE" sz="1400" b="1" dirty="0"/>
+              <a:t>Nota: </a:t>
+            </a:r>
+            <a:r>
+              <a:rPr lang="es-VE" sz="1200" b="1" dirty="0"/>
+              <a:t>Los registros de Cámaras en stock no son editables.</a:t>
+            </a:r>
+          </a:p>
+        </p:txBody>
+      </p:sp>
+      <p:sp>
+        <p:nvSpPr>
+          <p:cNvPr id="83" name="CuadroTexto 82">
+            <a:extLst>
+              <a:ext uri="{FF2B5EF4-FFF2-40B4-BE49-F238E27FC236}">
+                <a16:creationId xmlns:a16="http://schemas.microsoft.com/office/drawing/2014/main" id="{A127953F-5CF5-6933-6C00-493A3C312DC9}"/>
+              </a:ext>
+            </a:extLst>
+          </p:cNvPr>
+          <p:cNvSpPr txBox="1"/>
+          <p:nvPr/>
+        </p:nvSpPr>
+        <p:spPr>
+          <a:xfrm>
+            <a:off x="253771" y="1197189"/>
+            <a:ext cx="1697627" cy="461665"/>
+          </a:xfrm>
+          <a:prstGeom prst="rect">
+            <a:avLst/>
+          </a:prstGeom>
+          <a:noFill/>
+        </p:spPr>
+        <p:txBody>
+          <a:bodyPr wrap="square" rtlCol="0">
+            <a:spAutoFit/>
+          </a:bodyPr>
+          <a:lstStyle/>
+          <a:p>
+            <a:r>
+              <a:rPr lang="es-VE" sz="2400" dirty="0"/>
+              <a:t>3.2 Equipos </a:t>
+            </a:r>
+          </a:p>
+        </p:txBody>
+      </p:sp>
+      <p:sp>
+        <p:nvSpPr>
+          <p:cNvPr id="2" name="TextBox 1">
+            <a:extLst>
+              <a:ext uri="{FF2B5EF4-FFF2-40B4-BE49-F238E27FC236}">
+                <a16:creationId xmlns:a16="http://schemas.microsoft.com/office/drawing/2014/main" id="{B7607C38-0E33-2E9E-7548-A3803527EED2}"/>
+              </a:ext>
+            </a:extLst>
+          </p:cNvPr>
+          <p:cNvSpPr txBox="1"/>
+          <p:nvPr/>
+        </p:nvSpPr>
+        <p:spPr>
+          <a:xfrm>
+            <a:off x="974101" y="2383388"/>
+            <a:ext cx="5605780" cy="954107"/>
+          </a:xfrm>
+          <a:prstGeom prst="rect">
+            <a:avLst/>
+          </a:prstGeom>
+          <a:solidFill>
+            <a:srgbClr val="FF0000"/>
+          </a:solidFill>
+          <a:ln>
+            <a:solidFill>
+              <a:srgbClr val="C00000"/>
+            </a:solidFill>
+          </a:ln>
+        </p:spPr>
+        <p:txBody>
+          <a:bodyPr wrap="square" rtlCol="0">
+            <a:spAutoFit/>
+          </a:bodyPr>
+          <a:lstStyle/>
+          <a:p>
+            <a:pPr algn="just"/>
+            <a:r>
+              <a:rPr lang="es-MX" sz="1400" dirty="0">
+                <a:solidFill>
+                  <a:schemeClr val="bg1"/>
+                </a:solidFill>
+              </a:rPr>
+              <a:t>Ya que la vista de cada de equipo son similares entre si no se mostrarán gráficos, pero a continuación se mostrará una tabla  con los datos que </a:t>
+            </a:r>
+            <a:r>
+              <a:rPr lang="es-MX" sz="1400" b="1" dirty="0">
+                <a:solidFill>
+                  <a:schemeClr val="bg1"/>
+                </a:solidFill>
+              </a:rPr>
+              <a:t>no son editables </a:t>
+            </a:r>
+            <a:r>
+              <a:rPr lang="es-MX" sz="1400" dirty="0">
+                <a:solidFill>
+                  <a:schemeClr val="bg1"/>
+                </a:solidFill>
+              </a:rPr>
+              <a:t>para cada equipo. Esto ayudará a evitar errores en datos importantes de los equipos.</a:t>
+            </a:r>
+            <a:endParaRPr lang="es-VE" sz="1400" dirty="0">
+              <a:solidFill>
+                <a:schemeClr val="bg1"/>
+              </a:solidFill>
+            </a:endParaRPr>
+          </a:p>
+        </p:txBody>
+      </p:sp>
+      <p:graphicFrame>
+        <p:nvGraphicFramePr>
+          <p:cNvPr id="3" name="Table 2">
+            <a:extLst>
+              <a:ext uri="{FF2B5EF4-FFF2-40B4-BE49-F238E27FC236}">
+                <a16:creationId xmlns:a16="http://schemas.microsoft.com/office/drawing/2014/main" id="{0EE05497-E2C0-B258-40FC-08E84E3CF39B}"/>
+              </a:ext>
+            </a:extLst>
+          </p:cNvPr>
+          <p:cNvGraphicFramePr>
+            <a:graphicFrameLocks noGrp="1"/>
+          </p:cNvGraphicFramePr>
+          <p:nvPr>
+            <p:extLst>
+              <p:ext uri="{D42A27DB-BD31-4B8C-83A1-F6EECF244321}">
+                <p14:modId xmlns:p14="http://schemas.microsoft.com/office/powerpoint/2010/main" val="2688186047"/>
+              </p:ext>
+            </p:extLst>
+          </p:nvPr>
+        </p:nvGraphicFramePr>
+        <p:xfrm>
+          <a:off x="640266" y="4369626"/>
+          <a:ext cx="6273450" cy="2329098"/>
+        </p:xfrm>
+        <a:graphic>
+          <a:graphicData uri="http://schemas.openxmlformats.org/drawingml/2006/table">
+            <a:tbl>
+              <a:tblPr firstRow="1" bandRow="1">
+                <a:tableStyleId>{18603FDC-E32A-4AB5-989C-0864C3EAD2B8}</a:tableStyleId>
+              </a:tblPr>
+              <a:tblGrid>
+                <a:gridCol w="1254690">
+                  <a:extLst>
+                    <a:ext uri="{9D8B030D-6E8A-4147-A177-3AD203B41FA5}">
+                      <a16:colId xmlns:a16="http://schemas.microsoft.com/office/drawing/2014/main" val="40208442"/>
+                    </a:ext>
+                  </a:extLst>
+                </a:gridCol>
+                <a:gridCol w="1254690">
+                  <a:extLst>
+                    <a:ext uri="{9D8B030D-6E8A-4147-A177-3AD203B41FA5}">
+                      <a16:colId xmlns:a16="http://schemas.microsoft.com/office/drawing/2014/main" val="3183219932"/>
+                    </a:ext>
+                  </a:extLst>
+                </a:gridCol>
+                <a:gridCol w="1254690">
+                  <a:extLst>
+                    <a:ext uri="{9D8B030D-6E8A-4147-A177-3AD203B41FA5}">
+                      <a16:colId xmlns:a16="http://schemas.microsoft.com/office/drawing/2014/main" val="1968675591"/>
+                    </a:ext>
+                  </a:extLst>
+                </a:gridCol>
+                <a:gridCol w="1254690">
+                  <a:extLst>
+                    <a:ext uri="{9D8B030D-6E8A-4147-A177-3AD203B41FA5}">
+                      <a16:colId xmlns:a16="http://schemas.microsoft.com/office/drawing/2014/main" val="4294004676"/>
+                    </a:ext>
+                  </a:extLst>
+                </a:gridCol>
+                <a:gridCol w="1254690">
+                  <a:extLst>
+                    <a:ext uri="{9D8B030D-6E8A-4147-A177-3AD203B41FA5}">
+                      <a16:colId xmlns:a16="http://schemas.microsoft.com/office/drawing/2014/main" val="2340319115"/>
+                    </a:ext>
+                  </a:extLst>
+                </a:gridCol>
+              </a:tblGrid>
+              <a:tr h="142076">
+                <a:tc>
+                  <a:txBody>
+                    <a:bodyPr/>
+                    <a:lstStyle/>
+                    <a:p>
+                      <a:pPr algn="ctr"/>
+                      <a:r>
+                        <a:rPr lang="es-MX" sz="1400" dirty="0">
+                          <a:solidFill>
+                            <a:schemeClr val="bg1"/>
+                          </a:solidFill>
+                        </a:rPr>
+                        <a:t>Equipo</a:t>
+                      </a:r>
+                      <a:endParaRPr lang="es-VE" sz="1400" dirty="0">
+                        <a:solidFill>
+                          <a:schemeClr val="bg1"/>
+                        </a:solidFill>
+                      </a:endParaRPr>
+                    </a:p>
+                  </a:txBody>
+                  <a:tcPr/>
+                </a:tc>
+                <a:tc>
+                  <a:txBody>
+                    <a:bodyPr/>
+                    <a:lstStyle/>
+                    <a:p>
+                      <a:pPr algn="ctr"/>
+                      <a:endParaRPr lang="es-VE" sz="1400" dirty="0">
+                        <a:solidFill>
+                          <a:schemeClr val="bg1"/>
+                        </a:solidFill>
+                      </a:endParaRPr>
+                    </a:p>
+                  </a:txBody>
+                  <a:tcPr/>
+                </a:tc>
+                <a:tc>
+                  <a:txBody>
+                    <a:bodyPr/>
+                    <a:lstStyle/>
+                    <a:p>
+                      <a:pPr algn="ctr"/>
+                      <a:endParaRPr lang="es-VE" sz="1400" dirty="0">
+                        <a:solidFill>
+                          <a:schemeClr val="bg1"/>
+                        </a:solidFill>
+                      </a:endParaRPr>
+                    </a:p>
+                  </a:txBody>
+                  <a:tcPr/>
+                </a:tc>
+                <a:tc>
+                  <a:txBody>
+                    <a:bodyPr/>
+                    <a:lstStyle/>
+                    <a:p>
+                      <a:pPr algn="ctr"/>
+                      <a:endParaRPr lang="es-VE" sz="1400">
+                        <a:solidFill>
+                          <a:schemeClr val="bg1"/>
+                        </a:solidFill>
+                      </a:endParaRPr>
+                    </a:p>
+                  </a:txBody>
+                  <a:tcPr/>
+                </a:tc>
+                <a:tc>
+                  <a:txBody>
+                    <a:bodyPr/>
+                    <a:lstStyle/>
+                    <a:p>
+                      <a:pPr algn="ctr"/>
+                      <a:endParaRPr lang="es-VE" sz="1400">
+                        <a:solidFill>
+                          <a:schemeClr val="bg1"/>
+                        </a:solidFill>
+                      </a:endParaRPr>
+                    </a:p>
+                  </a:txBody>
+                  <a:tcPr/>
+                </a:tc>
+                <a:extLst>
+                  <a:ext uri="{0D108BD9-81ED-4DB2-BD59-A6C34878D82A}">
+                    <a16:rowId xmlns:a16="http://schemas.microsoft.com/office/drawing/2014/main" val="3512210468"/>
+                  </a:ext>
+                </a:extLst>
+              </a:tr>
+              <a:tr h="430926">
+                <a:tc>
+                  <a:txBody>
+                    <a:bodyPr/>
+                    <a:lstStyle/>
+                    <a:p>
+                      <a:pPr algn="ctr"/>
+                      <a:r>
+                        <a:rPr lang="es-MX" sz="1400" dirty="0" err="1">
+                          <a:solidFill>
+                            <a:schemeClr val="bg1"/>
+                          </a:solidFill>
+                        </a:rPr>
+                        <a:t>Nvr</a:t>
+                      </a:r>
+                      <a:endParaRPr lang="es-VE" sz="1400" dirty="0">
+                        <a:solidFill>
+                          <a:schemeClr val="bg1"/>
+                        </a:solidFill>
+                      </a:endParaRPr>
+                    </a:p>
+                  </a:txBody>
+                  <a:tcPr/>
+                </a:tc>
+                <a:tc>
+                  <a:txBody>
+                    <a:bodyPr/>
+                    <a:lstStyle/>
+                    <a:p>
+                      <a:pPr algn="ctr"/>
+                      <a:r>
+                        <a:rPr lang="es-MX" sz="1400" dirty="0">
+                          <a:solidFill>
+                            <a:schemeClr val="bg1"/>
+                          </a:solidFill>
+                        </a:rPr>
+                        <a:t>Mac</a:t>
+                      </a:r>
+                      <a:endParaRPr lang="es-VE" sz="1400" dirty="0">
+                        <a:solidFill>
+                          <a:schemeClr val="bg1"/>
+                        </a:solidFill>
+                      </a:endParaRPr>
+                    </a:p>
+                  </a:txBody>
+                  <a:tcPr/>
+                </a:tc>
+                <a:tc>
+                  <a:txBody>
+                    <a:bodyPr/>
+                    <a:lstStyle/>
+                    <a:p>
+                      <a:pPr algn="ctr"/>
+                      <a:r>
+                        <a:rPr lang="es-MX" sz="1400" dirty="0">
+                          <a:solidFill>
+                            <a:schemeClr val="bg1"/>
+                          </a:solidFill>
+                        </a:rPr>
+                        <a:t>Nombre</a:t>
+                      </a:r>
+                      <a:endParaRPr lang="es-VE" sz="1400" dirty="0">
+                        <a:solidFill>
+                          <a:schemeClr val="bg1"/>
+                        </a:solidFill>
+                      </a:endParaRPr>
+                    </a:p>
+                  </a:txBody>
+                  <a:tcPr/>
+                </a:tc>
+                <a:tc>
+                  <a:txBody>
+                    <a:bodyPr/>
+                    <a:lstStyle/>
+                    <a:p>
+                      <a:pPr algn="ctr"/>
+                      <a:r>
+                        <a:rPr lang="es-MX" sz="1400" dirty="0" err="1">
+                          <a:solidFill>
+                            <a:schemeClr val="bg1"/>
+                          </a:solidFill>
+                        </a:rPr>
+                        <a:t>N°</a:t>
+                      </a:r>
+                      <a:r>
+                        <a:rPr lang="es-MX" sz="1400" dirty="0">
+                          <a:solidFill>
+                            <a:schemeClr val="bg1"/>
+                          </a:solidFill>
+                        </a:rPr>
+                        <a:t> Volumen</a:t>
+                      </a:r>
+                      <a:endParaRPr lang="es-VE" sz="1400" dirty="0">
+                        <a:solidFill>
+                          <a:schemeClr val="bg1"/>
+                        </a:solidFill>
+                      </a:endParaRPr>
+                    </a:p>
+                  </a:txBody>
+                  <a:tcPr/>
+                </a:tc>
+                <a:tc>
+                  <a:txBody>
+                    <a:bodyPr/>
+                    <a:lstStyle/>
+                    <a:p>
+                      <a:pPr algn="ctr"/>
+                      <a:r>
+                        <a:rPr lang="es-MX" sz="1400" dirty="0">
+                          <a:solidFill>
+                            <a:schemeClr val="bg1"/>
+                          </a:solidFill>
+                        </a:rPr>
+                        <a:t>Capacidad Max. /volumen (TB)</a:t>
+                      </a:r>
+                      <a:endParaRPr lang="es-VE" sz="1400" dirty="0">
+                        <a:solidFill>
+                          <a:schemeClr val="bg1"/>
+                        </a:solidFill>
+                      </a:endParaRPr>
+                    </a:p>
+                  </a:txBody>
+                  <a:tcPr/>
+                </a:tc>
+                <a:extLst>
+                  <a:ext uri="{0D108BD9-81ED-4DB2-BD59-A6C34878D82A}">
+                    <a16:rowId xmlns:a16="http://schemas.microsoft.com/office/drawing/2014/main" val="2070954327"/>
+                  </a:ext>
+                </a:extLst>
+              </a:tr>
+              <a:tr h="430926">
+                <a:tc>
+                  <a:txBody>
+                    <a:bodyPr/>
+                    <a:lstStyle/>
+                    <a:p>
+                      <a:pPr algn="ctr"/>
+                      <a:r>
+                        <a:rPr lang="es-MX" sz="1400" dirty="0">
+                          <a:solidFill>
+                            <a:schemeClr val="bg1"/>
+                          </a:solidFill>
+                        </a:rPr>
+                        <a:t>Cámara</a:t>
+                      </a:r>
+                      <a:endParaRPr lang="es-VE" sz="1400" dirty="0">
+                        <a:solidFill>
+                          <a:schemeClr val="bg1"/>
+                        </a:solidFill>
+                      </a:endParaRPr>
+                    </a:p>
+                  </a:txBody>
+                  <a:tcPr/>
+                </a:tc>
+                <a:tc>
+                  <a:txBody>
+                    <a:bodyPr/>
+                    <a:lstStyle/>
+                    <a:p>
+                      <a:pPr algn="ctr"/>
+                      <a:r>
+                        <a:rPr lang="es-MX" sz="1400" dirty="0"/>
+                        <a:t>Mac</a:t>
+                      </a:r>
+                      <a:endParaRPr lang="es-VE" sz="1400" dirty="0"/>
+                    </a:p>
+                  </a:txBody>
+                  <a:tcPr/>
+                </a:tc>
+                <a:tc>
+                  <a:txBody>
+                    <a:bodyPr/>
+                    <a:lstStyle/>
+                    <a:p>
+                      <a:pPr algn="ctr"/>
+                      <a:endParaRPr lang="es-VE" sz="1400"/>
+                    </a:p>
+                  </a:txBody>
+                  <a:tcPr/>
+                </a:tc>
+                <a:tc>
+                  <a:txBody>
+                    <a:bodyPr/>
+                    <a:lstStyle/>
+                    <a:p>
+                      <a:pPr algn="ctr"/>
+                      <a:endParaRPr lang="es-VE" sz="1400" dirty="0"/>
+                    </a:p>
+                  </a:txBody>
+                  <a:tcPr/>
+                </a:tc>
+                <a:tc>
+                  <a:txBody>
+                    <a:bodyPr/>
+                    <a:lstStyle/>
+                    <a:p>
+                      <a:pPr algn="ctr"/>
+                      <a:endParaRPr lang="es-VE" sz="1400"/>
+                    </a:p>
+                  </a:txBody>
+                  <a:tcPr/>
+                </a:tc>
+                <a:extLst>
+                  <a:ext uri="{0D108BD9-81ED-4DB2-BD59-A6C34878D82A}">
+                    <a16:rowId xmlns:a16="http://schemas.microsoft.com/office/drawing/2014/main" val="1493922226"/>
+                  </a:ext>
+                </a:extLst>
+              </a:tr>
+              <a:tr h="430926">
+                <a:tc>
+                  <a:txBody>
+                    <a:bodyPr/>
+                    <a:lstStyle/>
+                    <a:p>
+                      <a:pPr algn="ctr"/>
+                      <a:r>
+                        <a:rPr lang="es-MX" sz="1400" dirty="0">
+                          <a:solidFill>
+                            <a:schemeClr val="bg1"/>
+                          </a:solidFill>
+                        </a:rPr>
+                        <a:t>Enlace</a:t>
+                      </a:r>
+                      <a:endParaRPr lang="es-VE" sz="1400" dirty="0">
+                        <a:solidFill>
+                          <a:schemeClr val="bg1"/>
+                        </a:solidFill>
+                      </a:endParaRPr>
+                    </a:p>
+                  </a:txBody>
+                  <a:tcPr/>
+                </a:tc>
+                <a:tc>
+                  <a:txBody>
+                    <a:bodyPr/>
+                    <a:lstStyle/>
+                    <a:p>
+                      <a:pPr algn="ctr"/>
+                      <a:r>
+                        <a:rPr lang="es-MX" sz="1400" dirty="0"/>
+                        <a:t>Mac</a:t>
+                      </a:r>
+                      <a:endParaRPr lang="es-VE" sz="1400" dirty="0"/>
+                    </a:p>
+                  </a:txBody>
+                  <a:tcPr/>
+                </a:tc>
+                <a:tc>
+                  <a:txBody>
+                    <a:bodyPr/>
+                    <a:lstStyle/>
+                    <a:p>
+                      <a:pPr algn="ctr"/>
+                      <a:endParaRPr lang="es-VE" sz="1400"/>
+                    </a:p>
+                  </a:txBody>
+                  <a:tcPr/>
+                </a:tc>
+                <a:tc>
+                  <a:txBody>
+                    <a:bodyPr/>
+                    <a:lstStyle/>
+                    <a:p>
+                      <a:pPr algn="ctr"/>
+                      <a:endParaRPr lang="es-VE" sz="1400" dirty="0"/>
+                    </a:p>
+                  </a:txBody>
+                  <a:tcPr/>
+                </a:tc>
+                <a:tc>
+                  <a:txBody>
+                    <a:bodyPr/>
+                    <a:lstStyle/>
+                    <a:p>
+                      <a:pPr algn="ctr"/>
+                      <a:endParaRPr lang="es-VE" sz="1400"/>
+                    </a:p>
+                  </a:txBody>
+                  <a:tcPr/>
+                </a:tc>
+                <a:extLst>
+                  <a:ext uri="{0D108BD9-81ED-4DB2-BD59-A6C34878D82A}">
+                    <a16:rowId xmlns:a16="http://schemas.microsoft.com/office/drawing/2014/main" val="1109967948"/>
+                  </a:ext>
+                </a:extLst>
+              </a:tr>
+              <a:tr h="430926">
+                <a:tc>
+                  <a:txBody>
+                    <a:bodyPr/>
+                    <a:lstStyle/>
+                    <a:p>
+                      <a:pPr algn="ctr"/>
+                      <a:r>
+                        <a:rPr lang="es-MX" sz="1400" dirty="0">
+                          <a:solidFill>
+                            <a:schemeClr val="bg1"/>
+                          </a:solidFill>
+                        </a:rPr>
+                        <a:t>Switch</a:t>
+                      </a:r>
+                      <a:endParaRPr lang="es-VE" sz="1400" dirty="0">
+                        <a:solidFill>
+                          <a:schemeClr val="bg1"/>
+                        </a:solidFill>
+                      </a:endParaRPr>
+                    </a:p>
+                  </a:txBody>
+                  <a:tcPr/>
+                </a:tc>
+                <a:tc>
+                  <a:txBody>
+                    <a:bodyPr/>
+                    <a:lstStyle/>
+                    <a:p>
+                      <a:pPr algn="ctr"/>
+                      <a:r>
+                        <a:rPr lang="es-MX" sz="1400" dirty="0"/>
+                        <a:t>Serial</a:t>
+                      </a:r>
+                      <a:endParaRPr lang="es-VE" sz="1400" dirty="0"/>
+                    </a:p>
+                  </a:txBody>
+                  <a:tcPr/>
+                </a:tc>
+                <a:tc>
+                  <a:txBody>
+                    <a:bodyPr/>
+                    <a:lstStyle/>
+                    <a:p>
+                      <a:pPr algn="ctr"/>
+                      <a:endParaRPr lang="es-VE" sz="1400"/>
+                    </a:p>
+                  </a:txBody>
+                  <a:tcPr/>
+                </a:tc>
+                <a:tc>
+                  <a:txBody>
+                    <a:bodyPr/>
+                    <a:lstStyle/>
+                    <a:p>
+                      <a:pPr algn="ctr"/>
+                      <a:endParaRPr lang="es-VE" sz="1400" dirty="0"/>
+                    </a:p>
+                  </a:txBody>
+                  <a:tcPr/>
+                </a:tc>
+                <a:tc>
+                  <a:txBody>
+                    <a:bodyPr/>
+                    <a:lstStyle/>
+                    <a:p>
+                      <a:pPr algn="ctr"/>
+                      <a:endParaRPr lang="es-VE" sz="1400" dirty="0"/>
+                    </a:p>
+                  </a:txBody>
+                  <a:tcPr/>
+                </a:tc>
+                <a:extLst>
+                  <a:ext uri="{0D108BD9-81ED-4DB2-BD59-A6C34878D82A}">
+                    <a16:rowId xmlns:a16="http://schemas.microsoft.com/office/drawing/2014/main" val="1168842133"/>
+                  </a:ext>
+                </a:extLst>
+              </a:tr>
+            </a:tbl>
+          </a:graphicData>
+        </a:graphic>
+      </p:graphicFrame>
+    </p:spTree>
+    <p:extLst>
+      <p:ext uri="{BB962C8B-B14F-4D97-AF65-F5344CB8AC3E}">
+        <p14:creationId xmlns:p14="http://schemas.microsoft.com/office/powerpoint/2010/main" val="1559086896"/>
+      </p:ext>
+    </p:extLst>
+  </p:cSld>
+  <p:clrMapOvr>
+    <a:masterClrMapping/>
+  </p:clrMapOvr>
+</p:sld>
+</file>
+
+<file path=ppt/slides/slide12.xml><?xml version="1.0" encoding="utf-8"?>
 <p:sld xmlns:a="http://schemas.openxmlformats.org/drawingml/2006/main" xmlns:r="http://schemas.openxmlformats.org/officeDocument/2006/relationships" xmlns:p="http://schemas.openxmlformats.org/presentationml/2006/main">
   <p:cSld>
     <p:bg>
@@ -6963,7 +8425,7 @@
           <a:noFill/>
           <a:ln>
             <a:solidFill>
-              <a:srgbClr val="FFC000"/>
+              <a:srgbClr val="C00000"/>
             </a:solidFill>
           </a:ln>
         </p:spPr>
@@ -7277,7 +8739,7 @@
 </p:sld>
 </file>
 
-<file path=ppt/slides/slide12.xml><?xml version="1.0" encoding="utf-8"?>
+<file path=ppt/slides/slide13.xml><?xml version="1.0" encoding="utf-8"?>
 <p:sld xmlns:a="http://schemas.openxmlformats.org/drawingml/2006/main" xmlns:r="http://schemas.openxmlformats.org/officeDocument/2006/relationships" xmlns:p="http://schemas.openxmlformats.org/presentationml/2006/main">
   <p:cSld>
     <p:bg>
@@ -7293,7 +8755,1685 @@
         <p:cNvPr id="1" name="">
           <a:extLst>
             <a:ext uri="{FF2B5EF4-FFF2-40B4-BE49-F238E27FC236}">
-              <a16:creationId xmlns:a16="http://schemas.microsoft.com/office/drawing/2014/main" id="{8E203837-8FB5-B0B6-37DD-952F1EF29830}"/>
+              <a16:creationId xmlns:a16="http://schemas.microsoft.com/office/drawing/2014/main" id="{AFBF4B4A-EBCE-1577-D5F1-67B1A0742D63}"/>
+            </a:ext>
+          </a:extLst>
+        </p:cNvPr>
+        <p:cNvGrpSpPr/>
+        <p:nvPr/>
+      </p:nvGrpSpPr>
+      <p:grpSpPr>
+        <a:xfrm>
+          <a:off x="0" y="0"/>
+          <a:ext cx="0" cy="0"/>
+          <a:chOff x="0" y="0"/>
+          <a:chExt cx="0" cy="0"/>
+        </a:xfrm>
+      </p:grpSpPr>
+      <p:sp>
+        <p:nvSpPr>
+          <p:cNvPr id="7" name="Freeform 7">
+            <a:extLst>
+              <a:ext uri="{FF2B5EF4-FFF2-40B4-BE49-F238E27FC236}">
+                <a16:creationId xmlns:a16="http://schemas.microsoft.com/office/drawing/2014/main" id="{31ECDF47-DA5C-ADB7-1EF0-CE5BC3BA5F98}"/>
+              </a:ext>
+            </a:extLst>
+          </p:cNvPr>
+          <p:cNvSpPr/>
+          <p:nvPr/>
+        </p:nvSpPr>
+        <p:spPr>
+          <a:xfrm rot="5400000">
+            <a:off x="5789382" y="-1598340"/>
+            <a:ext cx="2362194" cy="3049781"/>
+          </a:xfrm>
+          <a:custGeom>
+            <a:avLst/>
+            <a:gdLst/>
+            <a:ahLst/>
+            <a:cxnLst/>
+            <a:rect l="l" t="t" r="r" b="b"/>
+            <a:pathLst>
+              <a:path w="2362194" h="3049781">
+                <a:moveTo>
+                  <a:pt x="0" y="0"/>
+                </a:moveTo>
+                <a:lnTo>
+                  <a:pt x="2362194" y="0"/>
+                </a:lnTo>
+                <a:lnTo>
+                  <a:pt x="2362194" y="3049782"/>
+                </a:lnTo>
+                <a:lnTo>
+                  <a:pt x="0" y="3049782"/>
+                </a:lnTo>
+                <a:lnTo>
+                  <a:pt x="0" y="0"/>
+                </a:lnTo>
+                <a:close/>
+              </a:path>
+            </a:pathLst>
+          </a:custGeom>
+          <a:blipFill>
+            <a:blip r:embed="rId3">
+              <a:extLst>
+                <a:ext uri="{96DAC541-7B7A-43D3-8B79-37D633B846F1}">
+                  <asvg:svgBlip xmlns:asvg="http://schemas.microsoft.com/office/drawing/2016/SVG/main" r:embed="rId4"/>
+                </a:ext>
+              </a:extLst>
+            </a:blip>
+            <a:stretch>
+              <a:fillRect/>
+            </a:stretch>
+          </a:blipFill>
+        </p:spPr>
+      </p:sp>
+      <p:sp>
+        <p:nvSpPr>
+          <p:cNvPr id="8" name="Freeform 8">
+            <a:extLst>
+              <a:ext uri="{FF2B5EF4-FFF2-40B4-BE49-F238E27FC236}">
+                <a16:creationId xmlns:a16="http://schemas.microsoft.com/office/drawing/2014/main" id="{E9173E55-C833-5CD3-8FF2-C9465AA1ACC4}"/>
+              </a:ext>
+            </a:extLst>
+          </p:cNvPr>
+          <p:cNvSpPr/>
+          <p:nvPr/>
+        </p:nvSpPr>
+        <p:spPr>
+          <a:xfrm rot="5400000">
+            <a:off x="2595895" y="-1598340"/>
+            <a:ext cx="2362194" cy="3049781"/>
+          </a:xfrm>
+          <a:custGeom>
+            <a:avLst/>
+            <a:gdLst/>
+            <a:ahLst/>
+            <a:cxnLst/>
+            <a:rect l="l" t="t" r="r" b="b"/>
+            <a:pathLst>
+              <a:path w="2362194" h="3049781">
+                <a:moveTo>
+                  <a:pt x="0" y="0"/>
+                </a:moveTo>
+                <a:lnTo>
+                  <a:pt x="2362194" y="0"/>
+                </a:lnTo>
+                <a:lnTo>
+                  <a:pt x="2362194" y="3049782"/>
+                </a:lnTo>
+                <a:lnTo>
+                  <a:pt x="0" y="3049782"/>
+                </a:lnTo>
+                <a:lnTo>
+                  <a:pt x="0" y="0"/>
+                </a:lnTo>
+                <a:close/>
+              </a:path>
+            </a:pathLst>
+          </a:custGeom>
+          <a:blipFill>
+            <a:blip r:embed="rId3">
+              <a:extLst>
+                <a:ext uri="{96DAC541-7B7A-43D3-8B79-37D633B846F1}">
+                  <asvg:svgBlip xmlns:asvg="http://schemas.microsoft.com/office/drawing/2016/SVG/main" r:embed="rId4"/>
+                </a:ext>
+              </a:extLst>
+            </a:blip>
+            <a:stretch>
+              <a:fillRect/>
+            </a:stretch>
+          </a:blipFill>
+        </p:spPr>
+      </p:sp>
+      <p:sp>
+        <p:nvSpPr>
+          <p:cNvPr id="9" name="Freeform 9">
+            <a:extLst>
+              <a:ext uri="{FF2B5EF4-FFF2-40B4-BE49-F238E27FC236}">
+                <a16:creationId xmlns:a16="http://schemas.microsoft.com/office/drawing/2014/main" id="{D004B35F-86FB-5467-DBBF-8DC99F8DB950}"/>
+              </a:ext>
+            </a:extLst>
+          </p:cNvPr>
+          <p:cNvSpPr/>
+          <p:nvPr/>
+        </p:nvSpPr>
+        <p:spPr>
+          <a:xfrm rot="5400000">
+            <a:off x="-591576" y="-1598340"/>
+            <a:ext cx="2362194" cy="3049781"/>
+          </a:xfrm>
+          <a:custGeom>
+            <a:avLst/>
+            <a:gdLst/>
+            <a:ahLst/>
+            <a:cxnLst/>
+            <a:rect l="l" t="t" r="r" b="b"/>
+            <a:pathLst>
+              <a:path w="2362194" h="3049781">
+                <a:moveTo>
+                  <a:pt x="0" y="0"/>
+                </a:moveTo>
+                <a:lnTo>
+                  <a:pt x="2362194" y="0"/>
+                </a:lnTo>
+                <a:lnTo>
+                  <a:pt x="2362194" y="3049782"/>
+                </a:lnTo>
+                <a:lnTo>
+                  <a:pt x="0" y="3049782"/>
+                </a:lnTo>
+                <a:lnTo>
+                  <a:pt x="0" y="0"/>
+                </a:lnTo>
+                <a:close/>
+              </a:path>
+            </a:pathLst>
+          </a:custGeom>
+          <a:blipFill>
+            <a:blip r:embed="rId3">
+              <a:extLst>
+                <a:ext uri="{96DAC541-7B7A-43D3-8B79-37D633B846F1}">
+                  <asvg:svgBlip xmlns:asvg="http://schemas.microsoft.com/office/drawing/2016/SVG/main" r:embed="rId4"/>
+                </a:ext>
+              </a:extLst>
+            </a:blip>
+            <a:stretch>
+              <a:fillRect/>
+            </a:stretch>
+          </a:blipFill>
+        </p:spPr>
+      </p:sp>
+      <p:sp>
+        <p:nvSpPr>
+          <p:cNvPr id="10" name="AutoShape 10">
+            <a:extLst>
+              <a:ext uri="{FF2B5EF4-FFF2-40B4-BE49-F238E27FC236}">
+                <a16:creationId xmlns:a16="http://schemas.microsoft.com/office/drawing/2014/main" id="{FC6ADC99-DE45-FB2E-651C-5DB07E6FAE10}"/>
+              </a:ext>
+            </a:extLst>
+          </p:cNvPr>
+          <p:cNvSpPr/>
+          <p:nvPr/>
+        </p:nvSpPr>
+        <p:spPr>
+          <a:xfrm>
+            <a:off x="756000" y="9931238"/>
+            <a:ext cx="6048000" cy="0"/>
+          </a:xfrm>
+          <a:prstGeom prst="line">
+            <a:avLst/>
+          </a:prstGeom>
+          <a:ln w="9525" cap="flat">
+            <a:solidFill>
+              <a:srgbClr val="000000"/>
+            </a:solidFill>
+            <a:prstDash val="solid"/>
+            <a:headEnd type="none" w="sm" len="sm"/>
+            <a:tailEnd type="none" w="sm" len="sm"/>
+          </a:ln>
+        </p:spPr>
+      </p:sp>
+      <p:sp>
+        <p:nvSpPr>
+          <p:cNvPr id="12" name="TextBox 12">
+            <a:extLst>
+              <a:ext uri="{FF2B5EF4-FFF2-40B4-BE49-F238E27FC236}">
+                <a16:creationId xmlns:a16="http://schemas.microsoft.com/office/drawing/2014/main" id="{5B543A38-8EB6-AF33-2135-ABCFF904D940}"/>
+              </a:ext>
+            </a:extLst>
+          </p:cNvPr>
+          <p:cNvSpPr txBox="1"/>
+          <p:nvPr/>
+        </p:nvSpPr>
+        <p:spPr>
+          <a:xfrm>
+            <a:off x="756000" y="10084923"/>
+            <a:ext cx="1742330" cy="187325"/>
+          </a:xfrm>
+          <a:prstGeom prst="rect">
+            <a:avLst/>
+          </a:prstGeom>
+        </p:spPr>
+        <p:txBody>
+          <a:bodyPr lIns="0" tIns="0" rIns="0" bIns="0" rtlCol="0" anchor="t">
+            <a:spAutoFit/>
+          </a:bodyPr>
+          <a:lstStyle/>
+          <a:p>
+            <a:pPr algn="l">
+              <a:lnSpc>
+                <a:spcPts val="1599"/>
+              </a:lnSpc>
+            </a:pPr>
+            <a:r>
+              <a:rPr lang="en-US" sz="999" dirty="0" err="1">
+                <a:solidFill>
+                  <a:srgbClr val="222525"/>
+                </a:solidFill>
+                <a:latin typeface="Montserrat"/>
+                <a:ea typeface="Montserrat"/>
+                <a:cs typeface="Montserrat"/>
+                <a:sym typeface="Montserrat"/>
+              </a:rPr>
+              <a:t>Descripción</a:t>
+            </a:r>
+            <a:r>
+              <a:rPr lang="en-US" sz="999" dirty="0">
+                <a:solidFill>
+                  <a:srgbClr val="222525"/>
+                </a:solidFill>
+                <a:latin typeface="Montserrat"/>
+                <a:ea typeface="Montserrat"/>
+                <a:cs typeface="Montserrat"/>
+                <a:sym typeface="Montserrat"/>
+              </a:rPr>
+              <a:t> del Sistema</a:t>
+            </a:r>
+          </a:p>
+        </p:txBody>
+      </p:sp>
+      <p:sp>
+        <p:nvSpPr>
+          <p:cNvPr id="13" name="TextBox 13">
+            <a:extLst>
+              <a:ext uri="{FF2B5EF4-FFF2-40B4-BE49-F238E27FC236}">
+                <a16:creationId xmlns:a16="http://schemas.microsoft.com/office/drawing/2014/main" id="{ABD9FB9E-27EB-2E18-8782-584459BB678C}"/>
+              </a:ext>
+            </a:extLst>
+          </p:cNvPr>
+          <p:cNvSpPr txBox="1"/>
+          <p:nvPr/>
+        </p:nvSpPr>
+        <p:spPr>
+          <a:xfrm>
+            <a:off x="5061670" y="10084923"/>
+            <a:ext cx="1742330" cy="187325"/>
+          </a:xfrm>
+          <a:prstGeom prst="rect">
+            <a:avLst/>
+          </a:prstGeom>
+        </p:spPr>
+        <p:txBody>
+          <a:bodyPr lIns="0" tIns="0" rIns="0" bIns="0" rtlCol="0" anchor="t">
+            <a:spAutoFit/>
+          </a:bodyPr>
+          <a:lstStyle/>
+          <a:p>
+            <a:pPr algn="r">
+              <a:lnSpc>
+                <a:spcPts val="1599"/>
+              </a:lnSpc>
+            </a:pPr>
+            <a:r>
+              <a:rPr lang="en-US" sz="999">
+                <a:solidFill>
+                  <a:srgbClr val="222525"/>
+                </a:solidFill>
+                <a:latin typeface="Montserrat"/>
+                <a:ea typeface="Montserrat"/>
+                <a:cs typeface="Montserrat"/>
+                <a:sym typeface="Montserrat"/>
+              </a:rPr>
+              <a:t>01</a:t>
+            </a:r>
+          </a:p>
+        </p:txBody>
+      </p:sp>
+      <p:sp>
+        <p:nvSpPr>
+          <p:cNvPr id="83" name="CuadroTexto 82">
+            <a:extLst>
+              <a:ext uri="{FF2B5EF4-FFF2-40B4-BE49-F238E27FC236}">
+                <a16:creationId xmlns:a16="http://schemas.microsoft.com/office/drawing/2014/main" id="{2754989C-618F-BE47-34F0-3D3308876CD7}"/>
+              </a:ext>
+            </a:extLst>
+          </p:cNvPr>
+          <p:cNvSpPr txBox="1"/>
+          <p:nvPr/>
+        </p:nvSpPr>
+        <p:spPr>
+          <a:xfrm>
+            <a:off x="253771" y="1197189"/>
+            <a:ext cx="3524479" cy="461665"/>
+          </a:xfrm>
+          <a:prstGeom prst="rect">
+            <a:avLst/>
+          </a:prstGeom>
+          <a:noFill/>
+        </p:spPr>
+        <p:txBody>
+          <a:bodyPr wrap="square" rtlCol="0">
+            <a:spAutoFit/>
+          </a:bodyPr>
+          <a:lstStyle/>
+          <a:p>
+            <a:r>
+              <a:rPr lang="es-VE" sz="2400" dirty="0"/>
+              <a:t>3.3 Condición de Atención  </a:t>
+            </a:r>
+          </a:p>
+        </p:txBody>
+      </p:sp>
+      <p:sp>
+        <p:nvSpPr>
+          <p:cNvPr id="2" name="TextBox 1">
+            <a:extLst>
+              <a:ext uri="{FF2B5EF4-FFF2-40B4-BE49-F238E27FC236}">
+                <a16:creationId xmlns:a16="http://schemas.microsoft.com/office/drawing/2014/main" id="{02675915-9CD5-7305-6143-0A1B0069908B}"/>
+              </a:ext>
+            </a:extLst>
+          </p:cNvPr>
+          <p:cNvSpPr txBox="1"/>
+          <p:nvPr/>
+        </p:nvSpPr>
+        <p:spPr>
+          <a:xfrm>
+            <a:off x="362976" y="1957996"/>
+            <a:ext cx="3778250" cy="738664"/>
+          </a:xfrm>
+          <a:prstGeom prst="rect">
+            <a:avLst/>
+          </a:prstGeom>
+          <a:solidFill>
+            <a:srgbClr val="FFC000"/>
+          </a:solidFill>
+          <a:ln>
+            <a:solidFill>
+              <a:srgbClr val="FFC000"/>
+            </a:solidFill>
+          </a:ln>
+        </p:spPr>
+        <p:txBody>
+          <a:bodyPr wrap="square" rtlCol="0">
+            <a:spAutoFit/>
+          </a:bodyPr>
+          <a:lstStyle/>
+          <a:p>
+            <a:pPr algn="just"/>
+            <a:r>
+              <a:rPr lang="es-MX" sz="1400" dirty="0"/>
+              <a:t>En el apartado de condición de atención se lleva el </a:t>
+            </a:r>
+            <a:r>
+              <a:rPr lang="es-MX" sz="1400" b="1" dirty="0"/>
+              <a:t>control de la condición</a:t>
+            </a:r>
+            <a:r>
+              <a:rPr lang="es-MX" sz="1400" dirty="0"/>
+              <a:t>, como se muestra en las siguientes gráficas. </a:t>
+            </a:r>
+            <a:endParaRPr lang="es-VE" sz="1400" dirty="0"/>
+          </a:p>
+        </p:txBody>
+      </p:sp>
+      <p:pic>
+        <p:nvPicPr>
+          <p:cNvPr id="4" name="Picture 3">
+            <a:extLst>
+              <a:ext uri="{FF2B5EF4-FFF2-40B4-BE49-F238E27FC236}">
+                <a16:creationId xmlns:a16="http://schemas.microsoft.com/office/drawing/2014/main" id="{6F0D1926-91C5-9907-A420-E7EA857D0934}"/>
+              </a:ext>
+            </a:extLst>
+          </p:cNvPr>
+          <p:cNvPicPr>
+            <a:picLocks noChangeAspect="1"/>
+          </p:cNvPicPr>
+          <p:nvPr/>
+        </p:nvPicPr>
+        <p:blipFill>
+          <a:blip r:embed="rId5"/>
+          <a:stretch>
+            <a:fillRect/>
+          </a:stretch>
+        </p:blipFill>
+        <p:spPr>
+          <a:xfrm>
+            <a:off x="1544967" y="2935608"/>
+            <a:ext cx="4464050" cy="1166835"/>
+          </a:xfrm>
+          <a:prstGeom prst="rect">
+            <a:avLst/>
+          </a:prstGeom>
+        </p:spPr>
+      </p:pic>
+      <p:sp>
+        <p:nvSpPr>
+          <p:cNvPr id="11" name="TextBox 10">
+            <a:extLst>
+              <a:ext uri="{FF2B5EF4-FFF2-40B4-BE49-F238E27FC236}">
+                <a16:creationId xmlns:a16="http://schemas.microsoft.com/office/drawing/2014/main" id="{C7FDEE64-9FE5-78BD-7617-58F75D126EF4}"/>
+              </a:ext>
+            </a:extLst>
+          </p:cNvPr>
+          <p:cNvSpPr txBox="1"/>
+          <p:nvPr/>
+        </p:nvSpPr>
+        <p:spPr>
+          <a:xfrm>
+            <a:off x="5298049" y="4411447"/>
+            <a:ext cx="1905000" cy="1384995"/>
+          </a:xfrm>
+          <a:prstGeom prst="rect">
+            <a:avLst/>
+          </a:prstGeom>
+          <a:noFill/>
+          <a:ln>
+            <a:solidFill>
+              <a:srgbClr val="FFC000"/>
+            </a:solidFill>
+          </a:ln>
+        </p:spPr>
+        <p:txBody>
+          <a:bodyPr wrap="square" rtlCol="0">
+            <a:spAutoFit/>
+          </a:bodyPr>
+          <a:lstStyle/>
+          <a:p>
+            <a:pPr algn="just"/>
+            <a:r>
+              <a:rPr lang="es-MX" sz="1400" dirty="0"/>
+              <a:t>Después de haber creado una condición de atención se presiona el botón                     , se mostrará el siguiente formulario.</a:t>
+            </a:r>
+            <a:endParaRPr lang="es-VE" sz="1400" dirty="0"/>
+          </a:p>
+        </p:txBody>
+      </p:sp>
+      <p:sp>
+        <p:nvSpPr>
+          <p:cNvPr id="15" name="Rectangle: Rounded Corners 14">
+            <a:extLst>
+              <a:ext uri="{FF2B5EF4-FFF2-40B4-BE49-F238E27FC236}">
+                <a16:creationId xmlns:a16="http://schemas.microsoft.com/office/drawing/2014/main" id="{50E6E35D-3C17-699B-BCB3-CC37F5026264}"/>
+              </a:ext>
+            </a:extLst>
+          </p:cNvPr>
+          <p:cNvSpPr/>
+          <p:nvPr/>
+        </p:nvSpPr>
+        <p:spPr>
+          <a:xfrm>
+            <a:off x="6086913" y="5118100"/>
+            <a:ext cx="694862" cy="169242"/>
+          </a:xfrm>
+          <a:prstGeom prst="roundRect">
+            <a:avLst/>
+          </a:prstGeom>
+          <a:solidFill>
+            <a:srgbClr val="FFC000"/>
+          </a:solidFill>
+          <a:ln>
+            <a:solidFill>
+              <a:srgbClr val="FFC000"/>
+            </a:solidFill>
+          </a:ln>
+        </p:spPr>
+        <p:style>
+          <a:lnRef idx="2">
+            <a:schemeClr val="accent1">
+              <a:shade val="15000"/>
+            </a:schemeClr>
+          </a:lnRef>
+          <a:fillRef idx="1">
+            <a:schemeClr val="accent1"/>
+          </a:fillRef>
+          <a:effectRef idx="0">
+            <a:schemeClr val="accent1"/>
+          </a:effectRef>
+          <a:fontRef idx="minor">
+            <a:schemeClr val="lt1"/>
+          </a:fontRef>
+        </p:style>
+        <p:txBody>
+          <a:bodyPr rtlCol="0" anchor="ctr"/>
+          <a:lstStyle/>
+          <a:p>
+            <a:pPr algn="ctr"/>
+            <a:r>
+              <a:rPr lang="es-MX" sz="1200" b="1" dirty="0"/>
+              <a:t>Editar</a:t>
+            </a:r>
+            <a:endParaRPr lang="es-VE" sz="1200" b="1" dirty="0"/>
+          </a:p>
+        </p:txBody>
+      </p:sp>
+      <p:pic>
+        <p:nvPicPr>
+          <p:cNvPr id="17" name="Picture 16">
+            <a:extLst>
+              <a:ext uri="{FF2B5EF4-FFF2-40B4-BE49-F238E27FC236}">
+                <a16:creationId xmlns:a16="http://schemas.microsoft.com/office/drawing/2014/main" id="{E274A687-62DD-DD35-E706-66570C1331C2}"/>
+              </a:ext>
+            </a:extLst>
+          </p:cNvPr>
+          <p:cNvPicPr>
+            <a:picLocks noChangeAspect="1"/>
+          </p:cNvPicPr>
+          <p:nvPr/>
+        </p:nvPicPr>
+        <p:blipFill>
+          <a:blip r:embed="rId6"/>
+          <a:stretch>
+            <a:fillRect/>
+          </a:stretch>
+        </p:blipFill>
+        <p:spPr>
+          <a:xfrm>
+            <a:off x="362976" y="4775160"/>
+            <a:ext cx="4159250" cy="1155650"/>
+          </a:xfrm>
+          <a:prstGeom prst="rect">
+            <a:avLst/>
+          </a:prstGeom>
+        </p:spPr>
+      </p:pic>
+      <p:cxnSp>
+        <p:nvCxnSpPr>
+          <p:cNvPr id="21" name="Straight Arrow Connector 20">
+            <a:extLst>
+              <a:ext uri="{FF2B5EF4-FFF2-40B4-BE49-F238E27FC236}">
+                <a16:creationId xmlns:a16="http://schemas.microsoft.com/office/drawing/2014/main" id="{2B865EDD-2228-304A-377D-D6F53938306A}"/>
+              </a:ext>
+            </a:extLst>
+          </p:cNvPr>
+          <p:cNvCxnSpPr>
+            <a:cxnSpLocks/>
+            <a:stCxn id="11" idx="1"/>
+            <a:endCxn id="17" idx="3"/>
+          </p:cNvCxnSpPr>
+          <p:nvPr/>
+        </p:nvCxnSpPr>
+        <p:spPr>
+          <a:xfrm flipH="1">
+            <a:off x="4522226" y="5103945"/>
+            <a:ext cx="775823" cy="249040"/>
+          </a:xfrm>
+          <a:prstGeom prst="straightConnector1">
+            <a:avLst/>
+          </a:prstGeom>
+          <a:ln>
+            <a:tailEnd type="triangle"/>
+          </a:ln>
+        </p:spPr>
+        <p:style>
+          <a:lnRef idx="2">
+            <a:schemeClr val="dk1"/>
+          </a:lnRef>
+          <a:fillRef idx="0">
+            <a:schemeClr val="dk1"/>
+          </a:fillRef>
+          <a:effectRef idx="1">
+            <a:schemeClr val="dk1"/>
+          </a:effectRef>
+          <a:fontRef idx="minor">
+            <a:schemeClr val="tx1"/>
+          </a:fontRef>
+        </p:style>
+      </p:cxnSp>
+      <p:pic>
+        <p:nvPicPr>
+          <p:cNvPr id="27" name="Picture 26">
+            <a:extLst>
+              <a:ext uri="{FF2B5EF4-FFF2-40B4-BE49-F238E27FC236}">
+                <a16:creationId xmlns:a16="http://schemas.microsoft.com/office/drawing/2014/main" id="{DC15F1C2-0A10-CEC5-5910-98CB67644BD6}"/>
+              </a:ext>
+            </a:extLst>
+          </p:cNvPr>
+          <p:cNvPicPr>
+            <a:picLocks noChangeAspect="1"/>
+          </p:cNvPicPr>
+          <p:nvPr/>
+        </p:nvPicPr>
+        <p:blipFill>
+          <a:blip r:embed="rId7"/>
+          <a:stretch>
+            <a:fillRect/>
+          </a:stretch>
+        </p:blipFill>
+        <p:spPr>
+          <a:xfrm>
+            <a:off x="557771" y="6726433"/>
+            <a:ext cx="4708528" cy="817877"/>
+          </a:xfrm>
+          <a:prstGeom prst="rect">
+            <a:avLst/>
+          </a:prstGeom>
+        </p:spPr>
+      </p:pic>
+      <p:sp>
+        <p:nvSpPr>
+          <p:cNvPr id="29" name="Rectangle: Rounded Corners 28">
+            <a:extLst>
+              <a:ext uri="{FF2B5EF4-FFF2-40B4-BE49-F238E27FC236}">
+                <a16:creationId xmlns:a16="http://schemas.microsoft.com/office/drawing/2014/main" id="{497B0A9A-DF7C-EBD8-FDCC-A947D25E0791}"/>
+              </a:ext>
+            </a:extLst>
+          </p:cNvPr>
+          <p:cNvSpPr/>
+          <p:nvPr/>
+        </p:nvSpPr>
+        <p:spPr>
+          <a:xfrm>
+            <a:off x="526021" y="8089900"/>
+            <a:ext cx="2480702" cy="914400"/>
+          </a:xfrm>
+          <a:prstGeom prst="roundRect">
+            <a:avLst/>
+          </a:prstGeom>
+          <a:noFill/>
+          <a:ln>
+            <a:solidFill>
+              <a:srgbClr val="FFC000"/>
+            </a:solidFill>
+          </a:ln>
+        </p:spPr>
+        <p:style>
+          <a:lnRef idx="2">
+            <a:schemeClr val="accent1">
+              <a:shade val="15000"/>
+            </a:schemeClr>
+          </a:lnRef>
+          <a:fillRef idx="1">
+            <a:schemeClr val="accent1"/>
+          </a:fillRef>
+          <a:effectRef idx="0">
+            <a:schemeClr val="accent1"/>
+          </a:effectRef>
+          <a:fontRef idx="minor">
+            <a:schemeClr val="lt1"/>
+          </a:fontRef>
+        </p:style>
+        <p:txBody>
+          <a:bodyPr rtlCol="0" anchor="ctr"/>
+          <a:lstStyle/>
+          <a:p>
+            <a:pPr algn="just"/>
+            <a:r>
+              <a:rPr lang="es-MX" sz="1400" dirty="0">
+                <a:solidFill>
+                  <a:schemeClr val="tx1"/>
+                </a:solidFill>
+              </a:rPr>
+              <a:t>El texto en amarillo indica que no se ha generado ninguna descripción para el control de la condición.</a:t>
+            </a:r>
+            <a:endParaRPr lang="es-VE" sz="1400" dirty="0">
+              <a:solidFill>
+                <a:schemeClr val="tx1"/>
+              </a:solidFill>
+            </a:endParaRPr>
+          </a:p>
+        </p:txBody>
+      </p:sp>
+      <p:cxnSp>
+        <p:nvCxnSpPr>
+          <p:cNvPr id="31" name="Straight Arrow Connector 30">
+            <a:extLst>
+              <a:ext uri="{FF2B5EF4-FFF2-40B4-BE49-F238E27FC236}">
+                <a16:creationId xmlns:a16="http://schemas.microsoft.com/office/drawing/2014/main" id="{CB4E1F7F-7349-197B-6E4F-D054ABF46019}"/>
+              </a:ext>
+            </a:extLst>
+          </p:cNvPr>
+          <p:cNvCxnSpPr>
+            <a:stCxn id="29" idx="0"/>
+          </p:cNvCxnSpPr>
+          <p:nvPr/>
+        </p:nvCxnSpPr>
+        <p:spPr>
+          <a:xfrm flipV="1">
+            <a:off x="1766372" y="7544310"/>
+            <a:ext cx="0" cy="545590"/>
+          </a:xfrm>
+          <a:prstGeom prst="straightConnector1">
+            <a:avLst/>
+          </a:prstGeom>
+          <a:ln>
+            <a:tailEnd type="triangle"/>
+          </a:ln>
+        </p:spPr>
+        <p:style>
+          <a:lnRef idx="2">
+            <a:schemeClr val="dk1"/>
+          </a:lnRef>
+          <a:fillRef idx="0">
+            <a:schemeClr val="dk1"/>
+          </a:fillRef>
+          <a:effectRef idx="1">
+            <a:schemeClr val="dk1"/>
+          </a:effectRef>
+          <a:fontRef idx="minor">
+            <a:schemeClr val="tx1"/>
+          </a:fontRef>
+        </p:style>
+      </p:cxnSp>
+      <p:sp>
+        <p:nvSpPr>
+          <p:cNvPr id="33" name="TextBox 32">
+            <a:extLst>
+              <a:ext uri="{FF2B5EF4-FFF2-40B4-BE49-F238E27FC236}">
+                <a16:creationId xmlns:a16="http://schemas.microsoft.com/office/drawing/2014/main" id="{349C6084-6149-46F6-F4EC-F47B98447F72}"/>
+              </a:ext>
+            </a:extLst>
+          </p:cNvPr>
+          <p:cNvSpPr txBox="1"/>
+          <p:nvPr/>
+        </p:nvSpPr>
+        <p:spPr>
+          <a:xfrm>
+            <a:off x="3625850" y="7808436"/>
+            <a:ext cx="3505199" cy="738664"/>
+          </a:xfrm>
+          <a:prstGeom prst="rect">
+            <a:avLst/>
+          </a:prstGeom>
+          <a:solidFill>
+            <a:srgbClr val="FFC000"/>
+          </a:solidFill>
+          <a:ln>
+            <a:solidFill>
+              <a:srgbClr val="FFC000"/>
+            </a:solidFill>
+          </a:ln>
+        </p:spPr>
+        <p:txBody>
+          <a:bodyPr wrap="square" rtlCol="0">
+            <a:spAutoFit/>
+          </a:bodyPr>
+          <a:lstStyle/>
+          <a:p>
+            <a:pPr algn="just"/>
+            <a:r>
+              <a:rPr lang="es-MX" sz="1400" dirty="0"/>
+              <a:t>Si se desea registrar una descripción para el control de la condición solo debe escribir en el campo de texto y presionar </a:t>
+            </a:r>
+            <a:endParaRPr lang="es-VE" sz="1400" dirty="0"/>
+          </a:p>
+        </p:txBody>
+      </p:sp>
+      <p:sp>
+        <p:nvSpPr>
+          <p:cNvPr id="34" name="Rectangle: Rounded Corners 33">
+            <a:extLst>
+              <a:ext uri="{FF2B5EF4-FFF2-40B4-BE49-F238E27FC236}">
+                <a16:creationId xmlns:a16="http://schemas.microsoft.com/office/drawing/2014/main" id="{2AE3CA29-98F0-FB21-AD06-C721BB5A5F3A}"/>
+              </a:ext>
+            </a:extLst>
+          </p:cNvPr>
+          <p:cNvSpPr/>
+          <p:nvPr/>
+        </p:nvSpPr>
+        <p:spPr>
+          <a:xfrm>
+            <a:off x="5932835" y="8329131"/>
+            <a:ext cx="1339849" cy="175043"/>
+          </a:xfrm>
+          <a:prstGeom prst="roundRect">
+            <a:avLst/>
+          </a:prstGeom>
+          <a:solidFill>
+            <a:srgbClr val="00B050"/>
+          </a:solidFill>
+          <a:ln>
+            <a:solidFill>
+              <a:srgbClr val="00B050"/>
+            </a:solidFill>
+          </a:ln>
+        </p:spPr>
+        <p:style>
+          <a:lnRef idx="2">
+            <a:schemeClr val="accent1">
+              <a:shade val="15000"/>
+            </a:schemeClr>
+          </a:lnRef>
+          <a:fillRef idx="1">
+            <a:schemeClr val="accent1"/>
+          </a:fillRef>
+          <a:effectRef idx="0">
+            <a:schemeClr val="accent1"/>
+          </a:effectRef>
+          <a:fontRef idx="minor">
+            <a:schemeClr val="lt1"/>
+          </a:fontRef>
+        </p:style>
+        <p:txBody>
+          <a:bodyPr rtlCol="0" anchor="ctr"/>
+          <a:lstStyle/>
+          <a:p>
+            <a:pPr algn="ctr"/>
+            <a:r>
+              <a:rPr lang="es-MX" sz="1200" dirty="0"/>
+              <a:t>Guardar condición</a:t>
+            </a:r>
+            <a:endParaRPr lang="es-VE" sz="1200" dirty="0"/>
+          </a:p>
+        </p:txBody>
+      </p:sp>
+    </p:spTree>
+    <p:extLst>
+      <p:ext uri="{BB962C8B-B14F-4D97-AF65-F5344CB8AC3E}">
+        <p14:creationId xmlns:p14="http://schemas.microsoft.com/office/powerpoint/2010/main" val="267885236"/>
+      </p:ext>
+    </p:extLst>
+  </p:cSld>
+  <p:clrMapOvr>
+    <a:masterClrMapping/>
+  </p:clrMapOvr>
+</p:sld>
+</file>
+
+<file path=ppt/slides/slide14.xml><?xml version="1.0" encoding="utf-8"?>
+<p:sld xmlns:a="http://schemas.openxmlformats.org/drawingml/2006/main" xmlns:r="http://schemas.openxmlformats.org/officeDocument/2006/relationships" xmlns:p="http://schemas.openxmlformats.org/presentationml/2006/main">
+  <p:cSld>
+    <p:bg>
+      <p:bgPr>
+        <a:solidFill>
+          <a:srgbClr val="F7F5F2"/>
+        </a:solidFill>
+        <a:effectLst/>
+      </p:bgPr>
+    </p:bg>
+    <p:spTree>
+      <p:nvGrpSpPr>
+        <p:cNvPr id="1" name="">
+          <a:extLst>
+            <a:ext uri="{FF2B5EF4-FFF2-40B4-BE49-F238E27FC236}">
+              <a16:creationId xmlns:a16="http://schemas.microsoft.com/office/drawing/2014/main" id="{462A99AC-7525-AB84-5AA9-68E066D36C9D}"/>
+            </a:ext>
+          </a:extLst>
+        </p:cNvPr>
+        <p:cNvGrpSpPr/>
+        <p:nvPr/>
+      </p:nvGrpSpPr>
+      <p:grpSpPr>
+        <a:xfrm>
+          <a:off x="0" y="0"/>
+          <a:ext cx="0" cy="0"/>
+          <a:chOff x="0" y="0"/>
+          <a:chExt cx="0" cy="0"/>
+        </a:xfrm>
+      </p:grpSpPr>
+      <p:sp>
+        <p:nvSpPr>
+          <p:cNvPr id="7" name="Freeform 7">
+            <a:extLst>
+              <a:ext uri="{FF2B5EF4-FFF2-40B4-BE49-F238E27FC236}">
+                <a16:creationId xmlns:a16="http://schemas.microsoft.com/office/drawing/2014/main" id="{BE1A2A4F-DB34-122C-2124-3A58956121F6}"/>
+              </a:ext>
+            </a:extLst>
+          </p:cNvPr>
+          <p:cNvSpPr/>
+          <p:nvPr/>
+        </p:nvSpPr>
+        <p:spPr>
+          <a:xfrm rot="5400000">
+            <a:off x="5789382" y="-1598340"/>
+            <a:ext cx="2362194" cy="3049781"/>
+          </a:xfrm>
+          <a:custGeom>
+            <a:avLst/>
+            <a:gdLst/>
+            <a:ahLst/>
+            <a:cxnLst/>
+            <a:rect l="l" t="t" r="r" b="b"/>
+            <a:pathLst>
+              <a:path w="2362194" h="3049781">
+                <a:moveTo>
+                  <a:pt x="0" y="0"/>
+                </a:moveTo>
+                <a:lnTo>
+                  <a:pt x="2362194" y="0"/>
+                </a:lnTo>
+                <a:lnTo>
+                  <a:pt x="2362194" y="3049782"/>
+                </a:lnTo>
+                <a:lnTo>
+                  <a:pt x="0" y="3049782"/>
+                </a:lnTo>
+                <a:lnTo>
+                  <a:pt x="0" y="0"/>
+                </a:lnTo>
+                <a:close/>
+              </a:path>
+            </a:pathLst>
+          </a:custGeom>
+          <a:blipFill>
+            <a:blip r:embed="rId3">
+              <a:extLst>
+                <a:ext uri="{96DAC541-7B7A-43D3-8B79-37D633B846F1}">
+                  <asvg:svgBlip xmlns:asvg="http://schemas.microsoft.com/office/drawing/2016/SVG/main" r:embed="rId4"/>
+                </a:ext>
+              </a:extLst>
+            </a:blip>
+            <a:stretch>
+              <a:fillRect/>
+            </a:stretch>
+          </a:blipFill>
+        </p:spPr>
+      </p:sp>
+      <p:sp>
+        <p:nvSpPr>
+          <p:cNvPr id="8" name="Freeform 8">
+            <a:extLst>
+              <a:ext uri="{FF2B5EF4-FFF2-40B4-BE49-F238E27FC236}">
+                <a16:creationId xmlns:a16="http://schemas.microsoft.com/office/drawing/2014/main" id="{6FD8C101-9F5C-67DB-1B8E-1DAE24FA061B}"/>
+              </a:ext>
+            </a:extLst>
+          </p:cNvPr>
+          <p:cNvSpPr/>
+          <p:nvPr/>
+        </p:nvSpPr>
+        <p:spPr>
+          <a:xfrm rot="5400000">
+            <a:off x="2595895" y="-1598340"/>
+            <a:ext cx="2362194" cy="3049781"/>
+          </a:xfrm>
+          <a:custGeom>
+            <a:avLst/>
+            <a:gdLst/>
+            <a:ahLst/>
+            <a:cxnLst/>
+            <a:rect l="l" t="t" r="r" b="b"/>
+            <a:pathLst>
+              <a:path w="2362194" h="3049781">
+                <a:moveTo>
+                  <a:pt x="0" y="0"/>
+                </a:moveTo>
+                <a:lnTo>
+                  <a:pt x="2362194" y="0"/>
+                </a:lnTo>
+                <a:lnTo>
+                  <a:pt x="2362194" y="3049782"/>
+                </a:lnTo>
+                <a:lnTo>
+                  <a:pt x="0" y="3049782"/>
+                </a:lnTo>
+                <a:lnTo>
+                  <a:pt x="0" y="0"/>
+                </a:lnTo>
+                <a:close/>
+              </a:path>
+            </a:pathLst>
+          </a:custGeom>
+          <a:blipFill>
+            <a:blip r:embed="rId3">
+              <a:extLst>
+                <a:ext uri="{96DAC541-7B7A-43D3-8B79-37D633B846F1}">
+                  <asvg:svgBlip xmlns:asvg="http://schemas.microsoft.com/office/drawing/2016/SVG/main" r:embed="rId4"/>
+                </a:ext>
+              </a:extLst>
+            </a:blip>
+            <a:stretch>
+              <a:fillRect/>
+            </a:stretch>
+          </a:blipFill>
+        </p:spPr>
+      </p:sp>
+      <p:sp>
+        <p:nvSpPr>
+          <p:cNvPr id="9" name="Freeform 9">
+            <a:extLst>
+              <a:ext uri="{FF2B5EF4-FFF2-40B4-BE49-F238E27FC236}">
+                <a16:creationId xmlns:a16="http://schemas.microsoft.com/office/drawing/2014/main" id="{1E78E217-6593-28E6-CF73-A640C20E8432}"/>
+              </a:ext>
+            </a:extLst>
+          </p:cNvPr>
+          <p:cNvSpPr/>
+          <p:nvPr/>
+        </p:nvSpPr>
+        <p:spPr>
+          <a:xfrm rot="5400000">
+            <a:off x="-591576" y="-1598340"/>
+            <a:ext cx="2362194" cy="3049781"/>
+          </a:xfrm>
+          <a:custGeom>
+            <a:avLst/>
+            <a:gdLst/>
+            <a:ahLst/>
+            <a:cxnLst/>
+            <a:rect l="l" t="t" r="r" b="b"/>
+            <a:pathLst>
+              <a:path w="2362194" h="3049781">
+                <a:moveTo>
+                  <a:pt x="0" y="0"/>
+                </a:moveTo>
+                <a:lnTo>
+                  <a:pt x="2362194" y="0"/>
+                </a:lnTo>
+                <a:lnTo>
+                  <a:pt x="2362194" y="3049782"/>
+                </a:lnTo>
+                <a:lnTo>
+                  <a:pt x="0" y="3049782"/>
+                </a:lnTo>
+                <a:lnTo>
+                  <a:pt x="0" y="0"/>
+                </a:lnTo>
+                <a:close/>
+              </a:path>
+            </a:pathLst>
+          </a:custGeom>
+          <a:blipFill>
+            <a:blip r:embed="rId3">
+              <a:extLst>
+                <a:ext uri="{96DAC541-7B7A-43D3-8B79-37D633B846F1}">
+                  <asvg:svgBlip xmlns:asvg="http://schemas.microsoft.com/office/drawing/2016/SVG/main" r:embed="rId4"/>
+                </a:ext>
+              </a:extLst>
+            </a:blip>
+            <a:stretch>
+              <a:fillRect/>
+            </a:stretch>
+          </a:blipFill>
+        </p:spPr>
+      </p:sp>
+      <p:sp>
+        <p:nvSpPr>
+          <p:cNvPr id="10" name="AutoShape 10">
+            <a:extLst>
+              <a:ext uri="{FF2B5EF4-FFF2-40B4-BE49-F238E27FC236}">
+                <a16:creationId xmlns:a16="http://schemas.microsoft.com/office/drawing/2014/main" id="{D24573D9-B9A6-49BA-F382-53B2DECEB2DA}"/>
+              </a:ext>
+            </a:extLst>
+          </p:cNvPr>
+          <p:cNvSpPr/>
+          <p:nvPr/>
+        </p:nvSpPr>
+        <p:spPr>
+          <a:xfrm>
+            <a:off x="756000" y="9931238"/>
+            <a:ext cx="6048000" cy="0"/>
+          </a:xfrm>
+          <a:prstGeom prst="line">
+            <a:avLst/>
+          </a:prstGeom>
+          <a:ln w="9525" cap="flat">
+            <a:solidFill>
+              <a:srgbClr val="000000"/>
+            </a:solidFill>
+            <a:prstDash val="solid"/>
+            <a:headEnd type="none" w="sm" len="sm"/>
+            <a:tailEnd type="none" w="sm" len="sm"/>
+          </a:ln>
+        </p:spPr>
+      </p:sp>
+      <p:sp>
+        <p:nvSpPr>
+          <p:cNvPr id="12" name="TextBox 12">
+            <a:extLst>
+              <a:ext uri="{FF2B5EF4-FFF2-40B4-BE49-F238E27FC236}">
+                <a16:creationId xmlns:a16="http://schemas.microsoft.com/office/drawing/2014/main" id="{9ADABC52-F819-4AEA-546A-022FCCC04CC8}"/>
+              </a:ext>
+            </a:extLst>
+          </p:cNvPr>
+          <p:cNvSpPr txBox="1"/>
+          <p:nvPr/>
+        </p:nvSpPr>
+        <p:spPr>
+          <a:xfrm>
+            <a:off x="756000" y="10084923"/>
+            <a:ext cx="1742330" cy="187325"/>
+          </a:xfrm>
+          <a:prstGeom prst="rect">
+            <a:avLst/>
+          </a:prstGeom>
+        </p:spPr>
+        <p:txBody>
+          <a:bodyPr lIns="0" tIns="0" rIns="0" bIns="0" rtlCol="0" anchor="t">
+            <a:spAutoFit/>
+          </a:bodyPr>
+          <a:lstStyle/>
+          <a:p>
+            <a:pPr algn="l">
+              <a:lnSpc>
+                <a:spcPts val="1599"/>
+              </a:lnSpc>
+            </a:pPr>
+            <a:r>
+              <a:rPr lang="en-US" sz="999" dirty="0" err="1">
+                <a:solidFill>
+                  <a:srgbClr val="222525"/>
+                </a:solidFill>
+                <a:latin typeface="Montserrat"/>
+                <a:ea typeface="Montserrat"/>
+                <a:cs typeface="Montserrat"/>
+                <a:sym typeface="Montserrat"/>
+              </a:rPr>
+              <a:t>Descripción</a:t>
+            </a:r>
+            <a:r>
+              <a:rPr lang="en-US" sz="999" dirty="0">
+                <a:solidFill>
+                  <a:srgbClr val="222525"/>
+                </a:solidFill>
+                <a:latin typeface="Montserrat"/>
+                <a:ea typeface="Montserrat"/>
+                <a:cs typeface="Montserrat"/>
+                <a:sym typeface="Montserrat"/>
+              </a:rPr>
+              <a:t> del Sistema</a:t>
+            </a:r>
+          </a:p>
+        </p:txBody>
+      </p:sp>
+      <p:sp>
+        <p:nvSpPr>
+          <p:cNvPr id="13" name="TextBox 13">
+            <a:extLst>
+              <a:ext uri="{FF2B5EF4-FFF2-40B4-BE49-F238E27FC236}">
+                <a16:creationId xmlns:a16="http://schemas.microsoft.com/office/drawing/2014/main" id="{7F28C55F-68C7-59A0-2AE0-D6072EAB02FC}"/>
+              </a:ext>
+            </a:extLst>
+          </p:cNvPr>
+          <p:cNvSpPr txBox="1"/>
+          <p:nvPr/>
+        </p:nvSpPr>
+        <p:spPr>
+          <a:xfrm>
+            <a:off x="5061670" y="10084923"/>
+            <a:ext cx="1742330" cy="187325"/>
+          </a:xfrm>
+          <a:prstGeom prst="rect">
+            <a:avLst/>
+          </a:prstGeom>
+        </p:spPr>
+        <p:txBody>
+          <a:bodyPr lIns="0" tIns="0" rIns="0" bIns="0" rtlCol="0" anchor="t">
+            <a:spAutoFit/>
+          </a:bodyPr>
+          <a:lstStyle/>
+          <a:p>
+            <a:pPr algn="r">
+              <a:lnSpc>
+                <a:spcPts val="1599"/>
+              </a:lnSpc>
+            </a:pPr>
+            <a:r>
+              <a:rPr lang="en-US" sz="999">
+                <a:solidFill>
+                  <a:srgbClr val="222525"/>
+                </a:solidFill>
+                <a:latin typeface="Montserrat"/>
+                <a:ea typeface="Montserrat"/>
+                <a:cs typeface="Montserrat"/>
+                <a:sym typeface="Montserrat"/>
+              </a:rPr>
+              <a:t>01</a:t>
+            </a:r>
+          </a:p>
+        </p:txBody>
+      </p:sp>
+      <p:sp>
+        <p:nvSpPr>
+          <p:cNvPr id="83" name="CuadroTexto 82">
+            <a:extLst>
+              <a:ext uri="{FF2B5EF4-FFF2-40B4-BE49-F238E27FC236}">
+                <a16:creationId xmlns:a16="http://schemas.microsoft.com/office/drawing/2014/main" id="{DACDAB7E-D920-9983-834C-3DFB8C2A2945}"/>
+              </a:ext>
+            </a:extLst>
+          </p:cNvPr>
+          <p:cNvSpPr txBox="1"/>
+          <p:nvPr/>
+        </p:nvSpPr>
+        <p:spPr>
+          <a:xfrm>
+            <a:off x="253771" y="1197189"/>
+            <a:ext cx="3524479" cy="461665"/>
+          </a:xfrm>
+          <a:prstGeom prst="rect">
+            <a:avLst/>
+          </a:prstGeom>
+          <a:noFill/>
+        </p:spPr>
+        <p:txBody>
+          <a:bodyPr wrap="square" rtlCol="0">
+            <a:spAutoFit/>
+          </a:bodyPr>
+          <a:lstStyle/>
+          <a:p>
+            <a:r>
+              <a:rPr lang="es-VE" sz="2400" dirty="0"/>
+              <a:t>3.3 Condición de Atención  </a:t>
+            </a:r>
+          </a:p>
+        </p:txBody>
+      </p:sp>
+      <p:sp>
+        <p:nvSpPr>
+          <p:cNvPr id="2" name="TextBox 1">
+            <a:extLst>
+              <a:ext uri="{FF2B5EF4-FFF2-40B4-BE49-F238E27FC236}">
+                <a16:creationId xmlns:a16="http://schemas.microsoft.com/office/drawing/2014/main" id="{7C4E824F-93D0-857A-DDFF-A49305D788A7}"/>
+              </a:ext>
+            </a:extLst>
+          </p:cNvPr>
+          <p:cNvSpPr txBox="1"/>
+          <p:nvPr/>
+        </p:nvSpPr>
+        <p:spPr>
+          <a:xfrm>
+            <a:off x="362976" y="1957996"/>
+            <a:ext cx="3778250" cy="523220"/>
+          </a:xfrm>
+          <a:prstGeom prst="rect">
+            <a:avLst/>
+          </a:prstGeom>
+          <a:solidFill>
+            <a:srgbClr val="FFC000"/>
+          </a:solidFill>
+          <a:ln>
+            <a:solidFill>
+              <a:srgbClr val="FFC000"/>
+            </a:solidFill>
+          </a:ln>
+        </p:spPr>
+        <p:txBody>
+          <a:bodyPr wrap="square" rtlCol="0">
+            <a:spAutoFit/>
+          </a:bodyPr>
+          <a:lstStyle/>
+          <a:p>
+            <a:pPr algn="just"/>
+            <a:r>
+              <a:rPr lang="es-MX" sz="1400" dirty="0"/>
+              <a:t>Una vez registrada la descripción, al presionar nuevamente </a:t>
+            </a:r>
+            <a:r>
+              <a:rPr lang="es-MX" sz="1400" b="1" dirty="0">
+                <a:solidFill>
+                  <a:schemeClr val="bg1"/>
+                </a:solidFill>
+              </a:rPr>
+              <a:t>Editar</a:t>
+            </a:r>
+            <a:r>
+              <a:rPr lang="es-MX" sz="1400" dirty="0"/>
+              <a:t>  </a:t>
+            </a:r>
+            <a:endParaRPr lang="es-VE" sz="1400" dirty="0"/>
+          </a:p>
+        </p:txBody>
+      </p:sp>
+      <p:sp>
+        <p:nvSpPr>
+          <p:cNvPr id="11" name="TextBox 10">
+            <a:extLst>
+              <a:ext uri="{FF2B5EF4-FFF2-40B4-BE49-F238E27FC236}">
+                <a16:creationId xmlns:a16="http://schemas.microsoft.com/office/drawing/2014/main" id="{0DB2E502-0D9E-A3CA-2D7A-198EFA982B72}"/>
+              </a:ext>
+            </a:extLst>
+          </p:cNvPr>
+          <p:cNvSpPr txBox="1"/>
+          <p:nvPr/>
+        </p:nvSpPr>
+        <p:spPr>
+          <a:xfrm>
+            <a:off x="5530850" y="3231313"/>
+            <a:ext cx="1905000" cy="954107"/>
+          </a:xfrm>
+          <a:prstGeom prst="rect">
+            <a:avLst/>
+          </a:prstGeom>
+          <a:noFill/>
+          <a:ln>
+            <a:solidFill>
+              <a:srgbClr val="FF0000"/>
+            </a:solidFill>
+          </a:ln>
+        </p:spPr>
+        <p:txBody>
+          <a:bodyPr wrap="square" rtlCol="0">
+            <a:spAutoFit/>
+          </a:bodyPr>
+          <a:lstStyle/>
+          <a:p>
+            <a:pPr algn="just"/>
+            <a:r>
+              <a:rPr lang="es-MX" sz="1400" dirty="0"/>
+              <a:t>Se muestra el mismo formulario pero con un mensaje de aviso en verde.</a:t>
+            </a:r>
+            <a:endParaRPr lang="es-VE" sz="1400" dirty="0"/>
+          </a:p>
+        </p:txBody>
+      </p:sp>
+      <p:cxnSp>
+        <p:nvCxnSpPr>
+          <p:cNvPr id="21" name="Straight Arrow Connector 20">
+            <a:extLst>
+              <a:ext uri="{FF2B5EF4-FFF2-40B4-BE49-F238E27FC236}">
+                <a16:creationId xmlns:a16="http://schemas.microsoft.com/office/drawing/2014/main" id="{BB898CD2-A650-B9A1-E146-A3104C2B2C5E}"/>
+              </a:ext>
+            </a:extLst>
+          </p:cNvPr>
+          <p:cNvCxnSpPr>
+            <a:cxnSpLocks/>
+            <a:stCxn id="11" idx="1"/>
+            <a:endCxn id="5" idx="3"/>
+          </p:cNvCxnSpPr>
+          <p:nvPr/>
+        </p:nvCxnSpPr>
+        <p:spPr>
+          <a:xfrm flipH="1">
+            <a:off x="4868985" y="3708367"/>
+            <a:ext cx="661865" cy="35894"/>
+          </a:xfrm>
+          <a:prstGeom prst="straightConnector1">
+            <a:avLst/>
+          </a:prstGeom>
+          <a:ln>
+            <a:tailEnd type="triangle"/>
+          </a:ln>
+        </p:spPr>
+        <p:style>
+          <a:lnRef idx="2">
+            <a:schemeClr val="dk1"/>
+          </a:lnRef>
+          <a:fillRef idx="0">
+            <a:schemeClr val="dk1"/>
+          </a:fillRef>
+          <a:effectRef idx="1">
+            <a:schemeClr val="dk1"/>
+          </a:effectRef>
+          <a:fontRef idx="minor">
+            <a:schemeClr val="tx1"/>
+          </a:fontRef>
+        </p:style>
+      </p:cxnSp>
+      <p:sp>
+        <p:nvSpPr>
+          <p:cNvPr id="29" name="Rectangle: Rounded Corners 28">
+            <a:extLst>
+              <a:ext uri="{FF2B5EF4-FFF2-40B4-BE49-F238E27FC236}">
+                <a16:creationId xmlns:a16="http://schemas.microsoft.com/office/drawing/2014/main" id="{2125B597-54D8-AF94-75EA-FB610E4D674B}"/>
+              </a:ext>
+            </a:extLst>
+          </p:cNvPr>
+          <p:cNvSpPr/>
+          <p:nvPr/>
+        </p:nvSpPr>
+        <p:spPr>
+          <a:xfrm>
+            <a:off x="722101" y="6877694"/>
+            <a:ext cx="2480702" cy="914400"/>
+          </a:xfrm>
+          <a:prstGeom prst="roundRect">
+            <a:avLst/>
+          </a:prstGeom>
+          <a:noFill/>
+          <a:ln>
+            <a:solidFill>
+              <a:srgbClr val="FFC000"/>
+            </a:solidFill>
+          </a:ln>
+        </p:spPr>
+        <p:style>
+          <a:lnRef idx="2">
+            <a:schemeClr val="accent1">
+              <a:shade val="15000"/>
+            </a:schemeClr>
+          </a:lnRef>
+          <a:fillRef idx="1">
+            <a:schemeClr val="accent1"/>
+          </a:fillRef>
+          <a:effectRef idx="0">
+            <a:schemeClr val="accent1"/>
+          </a:effectRef>
+          <a:fontRef idx="minor">
+            <a:schemeClr val="lt1"/>
+          </a:fontRef>
+        </p:style>
+        <p:txBody>
+          <a:bodyPr rtlCol="0" anchor="ctr"/>
+          <a:lstStyle/>
+          <a:p>
+            <a:pPr algn="just"/>
+            <a:r>
+              <a:rPr lang="es-MX" sz="1400" dirty="0">
+                <a:solidFill>
+                  <a:schemeClr val="tx1"/>
+                </a:solidFill>
+              </a:rPr>
+              <a:t>El mensaje indica la fecha y hora de la última descripción agregada al control de la condición.</a:t>
+            </a:r>
+            <a:endParaRPr lang="es-VE" sz="1400" dirty="0">
+              <a:solidFill>
+                <a:schemeClr val="tx1"/>
+              </a:solidFill>
+            </a:endParaRPr>
+          </a:p>
+        </p:txBody>
+      </p:sp>
+      <p:cxnSp>
+        <p:nvCxnSpPr>
+          <p:cNvPr id="31" name="Straight Arrow Connector 30">
+            <a:extLst>
+              <a:ext uri="{FF2B5EF4-FFF2-40B4-BE49-F238E27FC236}">
+                <a16:creationId xmlns:a16="http://schemas.microsoft.com/office/drawing/2014/main" id="{78DE00D4-FDD4-7E4D-87F5-EC45BC6F8A6F}"/>
+              </a:ext>
+            </a:extLst>
+          </p:cNvPr>
+          <p:cNvCxnSpPr>
+            <a:stCxn id="29" idx="0"/>
+          </p:cNvCxnSpPr>
+          <p:nvPr/>
+        </p:nvCxnSpPr>
+        <p:spPr>
+          <a:xfrm flipV="1">
+            <a:off x="1962452" y="6332104"/>
+            <a:ext cx="0" cy="545590"/>
+          </a:xfrm>
+          <a:prstGeom prst="straightConnector1">
+            <a:avLst/>
+          </a:prstGeom>
+          <a:ln>
+            <a:tailEnd type="triangle"/>
+          </a:ln>
+        </p:spPr>
+        <p:style>
+          <a:lnRef idx="2">
+            <a:schemeClr val="dk1"/>
+          </a:lnRef>
+          <a:fillRef idx="0">
+            <a:schemeClr val="dk1"/>
+          </a:fillRef>
+          <a:effectRef idx="1">
+            <a:schemeClr val="dk1"/>
+          </a:effectRef>
+          <a:fontRef idx="minor">
+            <a:schemeClr val="tx1"/>
+          </a:fontRef>
+        </p:style>
+      </p:cxnSp>
+      <p:sp>
+        <p:nvSpPr>
+          <p:cNvPr id="33" name="TextBox 32">
+            <a:extLst>
+              <a:ext uri="{FF2B5EF4-FFF2-40B4-BE49-F238E27FC236}">
+                <a16:creationId xmlns:a16="http://schemas.microsoft.com/office/drawing/2014/main" id="{B9310752-4FEB-00A1-56CD-8AC28FD3783C}"/>
+              </a:ext>
+            </a:extLst>
+          </p:cNvPr>
+          <p:cNvSpPr txBox="1"/>
+          <p:nvPr/>
+        </p:nvSpPr>
+        <p:spPr>
+          <a:xfrm>
+            <a:off x="3692988" y="7323305"/>
+            <a:ext cx="3505199" cy="954107"/>
+          </a:xfrm>
+          <a:prstGeom prst="rect">
+            <a:avLst/>
+          </a:prstGeom>
+          <a:solidFill>
+            <a:srgbClr val="FFC000"/>
+          </a:solidFill>
+          <a:ln>
+            <a:solidFill>
+              <a:srgbClr val="FFC000"/>
+            </a:solidFill>
+          </a:ln>
+        </p:spPr>
+        <p:txBody>
+          <a:bodyPr wrap="square" rtlCol="0">
+            <a:spAutoFit/>
+          </a:bodyPr>
+          <a:lstStyle/>
+          <a:p>
+            <a:pPr algn="just"/>
+            <a:r>
+              <a:rPr lang="es-MX" sz="1400" dirty="0"/>
+              <a:t>Para seguir agregando descripciones al control de la condición repita el mismo proceso, escribir en el campo de texto y presionar </a:t>
+            </a:r>
+            <a:endParaRPr lang="es-VE" sz="1400" dirty="0"/>
+          </a:p>
+        </p:txBody>
+      </p:sp>
+      <p:pic>
+        <p:nvPicPr>
+          <p:cNvPr id="5" name="Picture 4">
+            <a:extLst>
+              <a:ext uri="{FF2B5EF4-FFF2-40B4-BE49-F238E27FC236}">
+                <a16:creationId xmlns:a16="http://schemas.microsoft.com/office/drawing/2014/main" id="{F321D17E-1CEF-757C-8445-1865338648CB}"/>
+              </a:ext>
+            </a:extLst>
+          </p:cNvPr>
+          <p:cNvPicPr>
+            <a:picLocks noChangeAspect="1"/>
+          </p:cNvPicPr>
+          <p:nvPr/>
+        </p:nvPicPr>
+        <p:blipFill>
+          <a:blip r:embed="rId5"/>
+          <a:stretch>
+            <a:fillRect/>
+          </a:stretch>
+        </p:blipFill>
+        <p:spPr>
+          <a:xfrm>
+            <a:off x="359801" y="3152265"/>
+            <a:ext cx="4509184" cy="1183992"/>
+          </a:xfrm>
+          <a:prstGeom prst="rect">
+            <a:avLst/>
+          </a:prstGeom>
+        </p:spPr>
+      </p:pic>
+      <p:pic>
+        <p:nvPicPr>
+          <p:cNvPr id="18" name="Picture 17">
+            <a:extLst>
+              <a:ext uri="{FF2B5EF4-FFF2-40B4-BE49-F238E27FC236}">
+                <a16:creationId xmlns:a16="http://schemas.microsoft.com/office/drawing/2014/main" id="{8D9E7C5D-54B9-1ADE-47C7-F372AD83BE8D}"/>
+              </a:ext>
+            </a:extLst>
+          </p:cNvPr>
+          <p:cNvPicPr>
+            <a:picLocks noChangeAspect="1"/>
+          </p:cNvPicPr>
+          <p:nvPr/>
+        </p:nvPicPr>
+        <p:blipFill>
+          <a:blip r:embed="rId6"/>
+          <a:stretch>
+            <a:fillRect/>
+          </a:stretch>
+        </p:blipFill>
+        <p:spPr>
+          <a:xfrm>
+            <a:off x="589521" y="5223821"/>
+            <a:ext cx="5515745" cy="1105054"/>
+          </a:xfrm>
+          <a:prstGeom prst="rect">
+            <a:avLst/>
+          </a:prstGeom>
+        </p:spPr>
+      </p:pic>
+      <p:sp>
+        <p:nvSpPr>
+          <p:cNvPr id="22" name="Rectangle: Rounded Corners 21">
+            <a:extLst>
+              <a:ext uri="{FF2B5EF4-FFF2-40B4-BE49-F238E27FC236}">
+                <a16:creationId xmlns:a16="http://schemas.microsoft.com/office/drawing/2014/main" id="{5557052A-E856-916A-4744-FA1DFB590723}"/>
+              </a:ext>
+            </a:extLst>
+          </p:cNvPr>
+          <p:cNvSpPr/>
+          <p:nvPr/>
+        </p:nvSpPr>
+        <p:spPr>
+          <a:xfrm>
+            <a:off x="4592986" y="8045406"/>
+            <a:ext cx="1339849" cy="175043"/>
+          </a:xfrm>
+          <a:prstGeom prst="roundRect">
+            <a:avLst/>
+          </a:prstGeom>
+          <a:solidFill>
+            <a:srgbClr val="00B050"/>
+          </a:solidFill>
+          <a:ln>
+            <a:solidFill>
+              <a:srgbClr val="00B050"/>
+            </a:solidFill>
+          </a:ln>
+        </p:spPr>
+        <p:style>
+          <a:lnRef idx="2">
+            <a:schemeClr val="accent1">
+              <a:shade val="15000"/>
+            </a:schemeClr>
+          </a:lnRef>
+          <a:fillRef idx="1">
+            <a:schemeClr val="accent1"/>
+          </a:fillRef>
+          <a:effectRef idx="0">
+            <a:schemeClr val="accent1"/>
+          </a:effectRef>
+          <a:fontRef idx="minor">
+            <a:schemeClr val="lt1"/>
+          </a:fontRef>
+        </p:style>
+        <p:txBody>
+          <a:bodyPr rtlCol="0" anchor="ctr"/>
+          <a:lstStyle/>
+          <a:p>
+            <a:pPr algn="ctr"/>
+            <a:r>
+              <a:rPr lang="es-MX" sz="1200" dirty="0"/>
+              <a:t>Guardar condición</a:t>
+            </a:r>
+            <a:endParaRPr lang="es-VE" sz="1200" dirty="0"/>
+          </a:p>
+        </p:txBody>
+      </p:sp>
+    </p:spTree>
+    <p:extLst>
+      <p:ext uri="{BB962C8B-B14F-4D97-AF65-F5344CB8AC3E}">
+        <p14:creationId xmlns:p14="http://schemas.microsoft.com/office/powerpoint/2010/main" val="1627034305"/>
+      </p:ext>
+    </p:extLst>
+  </p:cSld>
+  <p:clrMapOvr>
+    <a:masterClrMapping/>
+  </p:clrMapOvr>
+</p:sld>
+</file>
+
+<file path=ppt/slides/slide15.xml><?xml version="1.0" encoding="utf-8"?>
+<p:sld xmlns:a="http://schemas.openxmlformats.org/drawingml/2006/main" xmlns:r="http://schemas.openxmlformats.org/officeDocument/2006/relationships" xmlns:p="http://schemas.openxmlformats.org/presentationml/2006/main">
+  <p:cSld>
+    <p:bg>
+      <p:bgPr>
+        <a:solidFill>
+          <a:srgbClr val="F7F5F2"/>
+        </a:solidFill>
+        <a:effectLst/>
+      </p:bgPr>
+    </p:bg>
+    <p:spTree>
+      <p:nvGrpSpPr>
+        <p:cNvPr id="1" name="">
+          <a:extLst>
+            <a:ext uri="{FF2B5EF4-FFF2-40B4-BE49-F238E27FC236}">
+              <a16:creationId xmlns:a16="http://schemas.microsoft.com/office/drawing/2014/main" id="{BBA9EB6E-C700-9E85-7548-9C5B6FBD7192}"/>
             </a:ext>
           </a:extLst>
         </p:cNvPr>
@@ -7310,10 +10450,10 @@
       </p:grpSpPr>
       <p:pic>
         <p:nvPicPr>
-          <p:cNvPr id="3" name="Imagen 2">
-            <a:extLst>
-              <a:ext uri="{FF2B5EF4-FFF2-40B4-BE49-F238E27FC236}">
-                <a16:creationId xmlns:a16="http://schemas.microsoft.com/office/drawing/2014/main" id="{8C19E529-18CA-CEBC-C1D9-E179F771A559}"/>
+          <p:cNvPr id="6" name="Picture 5">
+            <a:extLst>
+              <a:ext uri="{FF2B5EF4-FFF2-40B4-BE49-F238E27FC236}">
+                <a16:creationId xmlns:a16="http://schemas.microsoft.com/office/drawing/2014/main" id="{7ADE9F4C-22F4-12F0-10BA-A8ADC57017B9}"/>
               </a:ext>
             </a:extLst>
           </p:cNvPr>
@@ -7330,8 +10470,8 @@
         </p:blipFill>
         <p:spPr>
           <a:xfrm>
-            <a:off x="2885156" y="2389935"/>
-            <a:ext cx="4353028" cy="1122479"/>
+            <a:off x="233880" y="3363255"/>
+            <a:ext cx="5056880" cy="2646159"/>
           </a:xfrm>
           <a:prstGeom prst="rect">
             <a:avLst/>
@@ -7343,7 +10483,7 @@
           <p:cNvPr id="7" name="Freeform 7">
             <a:extLst>
               <a:ext uri="{FF2B5EF4-FFF2-40B4-BE49-F238E27FC236}">
-                <a16:creationId xmlns:a16="http://schemas.microsoft.com/office/drawing/2014/main" id="{CD3526D4-E760-45EC-40CF-DC6880A7B436}"/>
+                <a16:creationId xmlns:a16="http://schemas.microsoft.com/office/drawing/2014/main" id="{0067D71C-1DD5-776C-704A-A1566BC8AD03}"/>
               </a:ext>
             </a:extLst>
           </p:cNvPr>
@@ -7401,7 +10541,7 @@
           <p:cNvPr id="8" name="Freeform 8">
             <a:extLst>
               <a:ext uri="{FF2B5EF4-FFF2-40B4-BE49-F238E27FC236}">
-                <a16:creationId xmlns:a16="http://schemas.microsoft.com/office/drawing/2014/main" id="{12D50903-C3A8-C735-D5F4-28196DD6705A}"/>
+                <a16:creationId xmlns:a16="http://schemas.microsoft.com/office/drawing/2014/main" id="{FDDE912B-9FCB-DEC1-1EE3-B5FF83EA91FD}"/>
               </a:ext>
             </a:extLst>
           </p:cNvPr>
@@ -7459,7 +10599,7 @@
           <p:cNvPr id="9" name="Freeform 9">
             <a:extLst>
               <a:ext uri="{FF2B5EF4-FFF2-40B4-BE49-F238E27FC236}">
-                <a16:creationId xmlns:a16="http://schemas.microsoft.com/office/drawing/2014/main" id="{4ACB45C9-77A5-9D88-D331-AC0B1CD0D138}"/>
+                <a16:creationId xmlns:a16="http://schemas.microsoft.com/office/drawing/2014/main" id="{6BDF0788-4FD3-C1A0-990E-7AA47CDA48E1}"/>
               </a:ext>
             </a:extLst>
           </p:cNvPr>
@@ -7517,7 +10657,7 @@
           <p:cNvPr id="10" name="AutoShape 10">
             <a:extLst>
               <a:ext uri="{FF2B5EF4-FFF2-40B4-BE49-F238E27FC236}">
-                <a16:creationId xmlns:a16="http://schemas.microsoft.com/office/drawing/2014/main" id="{C012E2B4-1D48-B719-A600-9EFCFAAA75D4}"/>
+                <a16:creationId xmlns:a16="http://schemas.microsoft.com/office/drawing/2014/main" id="{08FEF104-4CC9-5826-1295-2BCB2F782A5E}"/>
               </a:ext>
             </a:extLst>
           </p:cNvPr>
@@ -7547,7 +10687,7 @@
           <p:cNvPr id="12" name="TextBox 12">
             <a:extLst>
               <a:ext uri="{FF2B5EF4-FFF2-40B4-BE49-F238E27FC236}">
-                <a16:creationId xmlns:a16="http://schemas.microsoft.com/office/drawing/2014/main" id="{6AAF4403-C948-E27E-B59B-D5AF293E07C5}"/>
+                <a16:creationId xmlns:a16="http://schemas.microsoft.com/office/drawing/2014/main" id="{FD84E9B8-ED59-D763-CF74-183F3503DDB3}"/>
               </a:ext>
             </a:extLst>
           </p:cNvPr>
@@ -7606,7 +10746,7 @@
           <p:cNvPr id="13" name="TextBox 13">
             <a:extLst>
               <a:ext uri="{FF2B5EF4-FFF2-40B4-BE49-F238E27FC236}">
-                <a16:creationId xmlns:a16="http://schemas.microsoft.com/office/drawing/2014/main" id="{7793E54D-7AE1-D31D-3EAA-B1567B884721}"/>
+                <a16:creationId xmlns:a16="http://schemas.microsoft.com/office/drawing/2014/main" id="{1E7842A9-4885-373E-98A3-0C01DF883624}"/>
               </a:ext>
             </a:extLst>
           </p:cNvPr>
@@ -7650,28 +10790,191 @@
       </p:sp>
       <p:sp>
         <p:nvSpPr>
-          <p:cNvPr id="5" name="Rectángulo: esquinas redondeadas 4">
-            <a:extLst>
-              <a:ext uri="{FF2B5EF4-FFF2-40B4-BE49-F238E27FC236}">
-                <a16:creationId xmlns:a16="http://schemas.microsoft.com/office/drawing/2014/main" id="{D7E519AA-98FF-D964-F756-DB2FB3B53180}"/>
-              </a:ext>
-            </a:extLst>
-          </p:cNvPr>
-          <p:cNvSpPr/>
-          <p:nvPr/>
-        </p:nvSpPr>
-        <p:spPr>
-          <a:xfrm>
-            <a:off x="169693" y="2049970"/>
-            <a:ext cx="2087381" cy="1802409"/>
-          </a:xfrm>
-          <a:prstGeom prst="roundRect">
+          <p:cNvPr id="83" name="CuadroTexto 82">
+            <a:extLst>
+              <a:ext uri="{FF2B5EF4-FFF2-40B4-BE49-F238E27FC236}">
+                <a16:creationId xmlns:a16="http://schemas.microsoft.com/office/drawing/2014/main" id="{84E5CCE9-C374-B89F-7ACB-A3EBDE04D3E8}"/>
+              </a:ext>
+            </a:extLst>
+          </p:cNvPr>
+          <p:cNvSpPr txBox="1"/>
+          <p:nvPr/>
+        </p:nvSpPr>
+        <p:spPr>
+          <a:xfrm>
+            <a:off x="253771" y="1197189"/>
+            <a:ext cx="3524479" cy="461665"/>
+          </a:xfrm>
+          <a:prstGeom prst="rect">
+            <a:avLst/>
+          </a:prstGeom>
+          <a:noFill/>
+        </p:spPr>
+        <p:txBody>
+          <a:bodyPr wrap="square" rtlCol="0">
+            <a:spAutoFit/>
+          </a:bodyPr>
+          <a:lstStyle/>
+          <a:p>
+            <a:r>
+              <a:rPr lang="es-VE" sz="2400" dirty="0"/>
+              <a:t>3.3 Condición de Atención  </a:t>
+            </a:r>
+          </a:p>
+        </p:txBody>
+      </p:sp>
+      <p:sp>
+        <p:nvSpPr>
+          <p:cNvPr id="2" name="TextBox 1">
+            <a:extLst>
+              <a:ext uri="{FF2B5EF4-FFF2-40B4-BE49-F238E27FC236}">
+                <a16:creationId xmlns:a16="http://schemas.microsoft.com/office/drawing/2014/main" id="{61780717-5E2D-2628-D898-78ED8649F6DC}"/>
+              </a:ext>
+            </a:extLst>
+          </p:cNvPr>
+          <p:cNvSpPr txBox="1"/>
+          <p:nvPr/>
+        </p:nvSpPr>
+        <p:spPr>
+          <a:xfrm>
+            <a:off x="362976" y="1957996"/>
+            <a:ext cx="3778250" cy="738664"/>
+          </a:xfrm>
+          <a:prstGeom prst="rect">
+            <a:avLst/>
+          </a:prstGeom>
+          <a:solidFill>
+            <a:srgbClr val="FFC000"/>
+          </a:solidFill>
+          <a:ln>
+            <a:solidFill>
+              <a:srgbClr val="FFC000"/>
+            </a:solidFill>
+          </a:ln>
+        </p:spPr>
+        <p:txBody>
+          <a:bodyPr wrap="square" rtlCol="0">
+            <a:spAutoFit/>
+          </a:bodyPr>
+          <a:lstStyle/>
+          <a:p>
+            <a:pPr algn="just"/>
+            <a:r>
+              <a:rPr lang="es-MX" sz="1400" dirty="0"/>
+              <a:t>Para ver las descripciones agregadas a un control de condición solo debe presionar       a la condición de atención deseada. </a:t>
+            </a:r>
+            <a:endParaRPr lang="es-VE" sz="1400" dirty="0"/>
+          </a:p>
+        </p:txBody>
+      </p:sp>
+      <p:sp>
+        <p:nvSpPr>
+          <p:cNvPr id="11" name="TextBox 10">
+            <a:extLst>
+              <a:ext uri="{FF2B5EF4-FFF2-40B4-BE49-F238E27FC236}">
+                <a16:creationId xmlns:a16="http://schemas.microsoft.com/office/drawing/2014/main" id="{859DF013-9E4C-1E40-14B7-051788F95921}"/>
+              </a:ext>
+            </a:extLst>
+          </p:cNvPr>
+          <p:cNvSpPr txBox="1"/>
+          <p:nvPr/>
+        </p:nvSpPr>
+        <p:spPr>
+          <a:xfrm>
+            <a:off x="5558085" y="2249278"/>
+            <a:ext cx="1905000" cy="1600438"/>
+          </a:xfrm>
+          <a:prstGeom prst="rect">
             <a:avLst/>
           </a:prstGeom>
           <a:noFill/>
           <a:ln>
             <a:solidFill>
-              <a:srgbClr val="FFC000"/>
+              <a:srgbClr val="FF0000"/>
+            </a:solidFill>
+          </a:ln>
+        </p:spPr>
+        <p:txBody>
+          <a:bodyPr wrap="square" rtlCol="0">
+            <a:spAutoFit/>
+          </a:bodyPr>
+          <a:lstStyle/>
+          <a:p>
+            <a:pPr algn="just"/>
+            <a:r>
+              <a:rPr lang="es-MX" sz="1400" dirty="0"/>
+              <a:t>Se abrirá una tarjeta sobre la información de la condición de atención y debajo de esta una tabla con los registros de control de condición asociados.</a:t>
+            </a:r>
+            <a:endParaRPr lang="es-VE" sz="1400" dirty="0"/>
+          </a:p>
+        </p:txBody>
+      </p:sp>
+      <p:cxnSp>
+        <p:nvCxnSpPr>
+          <p:cNvPr id="21" name="Straight Arrow Connector 20">
+            <a:extLst>
+              <a:ext uri="{FF2B5EF4-FFF2-40B4-BE49-F238E27FC236}">
+                <a16:creationId xmlns:a16="http://schemas.microsoft.com/office/drawing/2014/main" id="{43C18CB7-DE8A-420C-ADE3-D6D5F7242479}"/>
+              </a:ext>
+            </a:extLst>
+          </p:cNvPr>
+          <p:cNvCxnSpPr>
+            <a:cxnSpLocks/>
+            <a:stCxn id="11" idx="1"/>
+          </p:cNvCxnSpPr>
+          <p:nvPr/>
+        </p:nvCxnSpPr>
+        <p:spPr>
+          <a:xfrm flipH="1">
+            <a:off x="5149850" y="3049497"/>
+            <a:ext cx="408235" cy="313758"/>
+          </a:xfrm>
+          <a:prstGeom prst="straightConnector1">
+            <a:avLst/>
+          </a:prstGeom>
+          <a:ln>
+            <a:tailEnd type="triangle"/>
+          </a:ln>
+        </p:spPr>
+        <p:style>
+          <a:lnRef idx="2">
+            <a:schemeClr val="dk1"/>
+          </a:lnRef>
+          <a:fillRef idx="0">
+            <a:schemeClr val="dk1"/>
+          </a:fillRef>
+          <a:effectRef idx="1">
+            <a:schemeClr val="dk1"/>
+          </a:effectRef>
+          <a:fontRef idx="minor">
+            <a:schemeClr val="tx1"/>
+          </a:fontRef>
+        </p:style>
+      </p:cxnSp>
+      <p:sp>
+        <p:nvSpPr>
+          <p:cNvPr id="29" name="Rectangle: Rounded Corners 28">
+            <a:extLst>
+              <a:ext uri="{FF2B5EF4-FFF2-40B4-BE49-F238E27FC236}">
+                <a16:creationId xmlns:a16="http://schemas.microsoft.com/office/drawing/2014/main" id="{403BBDAB-5D8F-EA97-97DF-BC2879E58188}"/>
+              </a:ext>
+            </a:extLst>
+          </p:cNvPr>
+          <p:cNvSpPr/>
+          <p:nvPr/>
+        </p:nvSpPr>
+        <p:spPr>
+          <a:xfrm>
+            <a:off x="233880" y="6449328"/>
+            <a:ext cx="1776229" cy="338312"/>
+          </a:xfrm>
+          <a:prstGeom prst="roundRect">
+            <a:avLst/>
+          </a:prstGeom>
+          <a:noFill/>
+          <a:ln>
+            <a:solidFill>
+              <a:srgbClr val="FF0000"/>
             </a:solidFill>
           </a:ln>
         </p:spPr>
@@ -7697,56 +11000,60 @@
           <a:p>
             <a:pPr algn="just"/>
             <a:r>
-              <a:rPr lang="es-VE" sz="1400" dirty="0">
+              <a:rPr lang="es-MX" sz="1400" dirty="0">
                 <a:solidFill>
                   <a:schemeClr val="tx1"/>
                 </a:solidFill>
               </a:rPr>
-              <a:t>En historial Eliminados se muestra una tabla con los datos y acciones que se pueden hacer sobre esos registros, como: Ver y eliminar.</a:t>
-            </a:r>
+              <a:t>Control de condición</a:t>
+            </a:r>
+            <a:endParaRPr lang="es-VE" sz="1400" dirty="0">
+              <a:solidFill>
+                <a:schemeClr val="tx1"/>
+              </a:solidFill>
+            </a:endParaRPr>
           </a:p>
         </p:txBody>
       </p:sp>
       <p:cxnSp>
         <p:nvCxnSpPr>
-          <p:cNvPr id="14" name="Conector recto de flecha 13">
-            <a:extLst>
-              <a:ext uri="{FF2B5EF4-FFF2-40B4-BE49-F238E27FC236}">
-                <a16:creationId xmlns:a16="http://schemas.microsoft.com/office/drawing/2014/main" id="{1AC333CD-A2BA-2707-B9A8-D73D3EC2B365}"/>
+          <p:cNvPr id="31" name="Straight Arrow Connector 30">
+            <a:extLst>
+              <a:ext uri="{FF2B5EF4-FFF2-40B4-BE49-F238E27FC236}">
+                <a16:creationId xmlns:a16="http://schemas.microsoft.com/office/drawing/2014/main" id="{5A201161-B492-8D12-9D28-D743E48B0FD8}"/>
               </a:ext>
             </a:extLst>
           </p:cNvPr>
           <p:cNvCxnSpPr>
             <a:cxnSpLocks/>
-            <a:stCxn id="5" idx="3"/>
-            <a:endCxn id="3" idx="1"/>
+            <a:stCxn id="29" idx="0"/>
           </p:cNvCxnSpPr>
           <p:nvPr/>
         </p:nvCxnSpPr>
         <p:spPr>
-          <a:xfrm>
-            <a:off x="2257074" y="2951175"/>
-            <a:ext cx="628082" cy="0"/>
+          <a:xfrm flipH="1" flipV="1">
+            <a:off x="654050" y="5544815"/>
+            <a:ext cx="467945" cy="904513"/>
           </a:xfrm>
           <a:prstGeom prst="straightConnector1">
             <a:avLst/>
           </a:prstGeom>
           <a:ln>
             <a:solidFill>
-              <a:schemeClr val="tx1"/>
+              <a:srgbClr val="FF0000"/>
             </a:solidFill>
             <a:tailEnd type="triangle"/>
           </a:ln>
         </p:spPr>
         <p:style>
           <a:lnRef idx="2">
-            <a:schemeClr val="accent2"/>
+            <a:schemeClr val="dk1"/>
           </a:lnRef>
           <a:fillRef idx="0">
-            <a:schemeClr val="accent2"/>
+            <a:schemeClr val="dk1"/>
           </a:fillRef>
           <a:effectRef idx="1">
-            <a:schemeClr val="accent2"/>
+            <a:schemeClr val="dk1"/>
           </a:effectRef>
           <a:fontRef idx="minor">
             <a:schemeClr val="tx1"/>
@@ -7755,10 +11062,10 @@
       </p:cxnSp>
       <p:sp>
         <p:nvSpPr>
-          <p:cNvPr id="19" name="Rectángulo: esquinas redondeadas 18">
-            <a:extLst>
-              <a:ext uri="{FF2B5EF4-FFF2-40B4-BE49-F238E27FC236}">
-                <a16:creationId xmlns:a16="http://schemas.microsoft.com/office/drawing/2014/main" id="{2B1B82AF-3C4F-7E6D-554D-56B6B6DC1484}"/>
+          <p:cNvPr id="3" name="Rectangle: Rounded Corners 2">
+            <a:extLst>
+              <a:ext uri="{FF2B5EF4-FFF2-40B4-BE49-F238E27FC236}">
+                <a16:creationId xmlns:a16="http://schemas.microsoft.com/office/drawing/2014/main" id="{0714C51C-B670-D649-7040-1561C0D8290D}"/>
               </a:ext>
             </a:extLst>
           </p:cNvPr>
@@ -7767,16 +11074,18 @@
         </p:nvSpPr>
         <p:spPr>
           <a:xfrm>
-            <a:off x="6235107" y="3886484"/>
-            <a:ext cx="983813" cy="271715"/>
+            <a:off x="3180573" y="2249278"/>
+            <a:ext cx="512415" cy="152149"/>
           </a:xfrm>
           <a:prstGeom prst="roundRect">
             <a:avLst/>
           </a:prstGeom>
-          <a:noFill/>
+          <a:solidFill>
+            <a:srgbClr val="0070C0"/>
+          </a:solidFill>
           <a:ln>
             <a:solidFill>
-              <a:srgbClr val="FF0000"/>
+              <a:srgbClr val="0070C0"/>
             </a:solidFill>
           </a:ln>
         </p:spPr>
@@ -7802,22 +11111,452 @@
           <a:p>
             <a:pPr algn="ctr"/>
             <a:r>
-              <a:rPr lang="es-VE" sz="1400" dirty="0">
+              <a:rPr lang="es-MX" sz="1400" dirty="0"/>
+              <a:t>Ver</a:t>
+            </a:r>
+            <a:endParaRPr lang="es-VE" sz="1400" dirty="0"/>
+          </a:p>
+        </p:txBody>
+      </p:sp>
+      <p:sp>
+        <p:nvSpPr>
+          <p:cNvPr id="25" name="TextBox 24">
+            <a:extLst>
+              <a:ext uri="{FF2B5EF4-FFF2-40B4-BE49-F238E27FC236}">
+                <a16:creationId xmlns:a16="http://schemas.microsoft.com/office/drawing/2014/main" id="{FB7B69BE-DD3D-46E5-9BF6-7763E06FA705}"/>
+              </a:ext>
+            </a:extLst>
+          </p:cNvPr>
+          <p:cNvSpPr txBox="1"/>
+          <p:nvPr/>
+        </p:nvSpPr>
+        <p:spPr>
+          <a:xfrm>
+            <a:off x="927756" y="8992419"/>
+            <a:ext cx="5698471" cy="677108"/>
+          </a:xfrm>
+          <a:prstGeom prst="rect">
+            <a:avLst/>
+          </a:prstGeom>
+          <a:noFill/>
+        </p:spPr>
+        <p:txBody>
+          <a:bodyPr wrap="square" rtlCol="0">
+            <a:spAutoFit/>
+          </a:bodyPr>
+          <a:lstStyle/>
+          <a:p>
+            <a:pPr algn="just"/>
+            <a:r>
+              <a:rPr lang="es-MX" sz="1400" b="1" dirty="0"/>
+              <a:t>Nota: </a:t>
+            </a:r>
+            <a:r>
+              <a:rPr lang="es-MX" sz="1200" b="1" dirty="0"/>
+              <a:t>Para las tarjetas de información para </a:t>
+            </a:r>
+            <a:r>
+              <a:rPr lang="es-MX" sz="1200" b="1" dirty="0" err="1"/>
+              <a:t>Nvr</a:t>
+            </a:r>
+            <a:r>
+              <a:rPr lang="es-MX" sz="1200" b="1" dirty="0"/>
+              <a:t> se muestra una tabla con las cámaras enlazadas y para Cámara se muestra una tabla con las condición de atención aplicadas a la cámara.</a:t>
+            </a:r>
+            <a:endParaRPr lang="es-VE" sz="1200" b="1" dirty="0"/>
+          </a:p>
+        </p:txBody>
+      </p:sp>
+    </p:spTree>
+    <p:extLst>
+      <p:ext uri="{BB962C8B-B14F-4D97-AF65-F5344CB8AC3E}">
+        <p14:creationId xmlns:p14="http://schemas.microsoft.com/office/powerpoint/2010/main" val="54824426"/>
+      </p:ext>
+    </p:extLst>
+  </p:cSld>
+  <p:clrMapOvr>
+    <a:masterClrMapping/>
+  </p:clrMapOvr>
+</p:sld>
+</file>
+
+<file path=ppt/slides/slide16.xml><?xml version="1.0" encoding="utf-8"?>
+<p:sld xmlns:a="http://schemas.openxmlformats.org/drawingml/2006/main" xmlns:r="http://schemas.openxmlformats.org/officeDocument/2006/relationships" xmlns:p="http://schemas.openxmlformats.org/presentationml/2006/main">
+  <p:cSld>
+    <p:bg>
+      <p:bgPr>
+        <a:solidFill>
+          <a:srgbClr val="F7F5F2"/>
+        </a:solidFill>
+        <a:effectLst/>
+      </p:bgPr>
+    </p:bg>
+    <p:spTree>
+      <p:nvGrpSpPr>
+        <p:cNvPr id="1" name="">
+          <a:extLst>
+            <a:ext uri="{FF2B5EF4-FFF2-40B4-BE49-F238E27FC236}">
+              <a16:creationId xmlns:a16="http://schemas.microsoft.com/office/drawing/2014/main" id="{8E203837-8FB5-B0B6-37DD-952F1EF29830}"/>
+            </a:ext>
+          </a:extLst>
+        </p:cNvPr>
+        <p:cNvGrpSpPr/>
+        <p:nvPr/>
+      </p:nvGrpSpPr>
+      <p:grpSpPr>
+        <a:xfrm>
+          <a:off x="0" y="0"/>
+          <a:ext cx="0" cy="0"/>
+          <a:chOff x="0" y="0"/>
+          <a:chExt cx="0" cy="0"/>
+        </a:xfrm>
+      </p:grpSpPr>
+      <p:pic>
+        <p:nvPicPr>
+          <p:cNvPr id="3" name="Imagen 2">
+            <a:extLst>
+              <a:ext uri="{FF2B5EF4-FFF2-40B4-BE49-F238E27FC236}">
+                <a16:creationId xmlns:a16="http://schemas.microsoft.com/office/drawing/2014/main" id="{8C19E529-18CA-CEBC-C1D9-E179F771A559}"/>
+              </a:ext>
+            </a:extLst>
+          </p:cNvPr>
+          <p:cNvPicPr>
+            <a:picLocks noChangeAspect="1"/>
+          </p:cNvPicPr>
+          <p:nvPr/>
+        </p:nvPicPr>
+        <p:blipFill>
+          <a:blip r:embed="rId3"/>
+          <a:stretch>
+            <a:fillRect/>
+          </a:stretch>
+        </p:blipFill>
+        <p:spPr>
+          <a:xfrm>
+            <a:off x="2885156" y="2389935"/>
+            <a:ext cx="4353028" cy="1122479"/>
+          </a:xfrm>
+          <a:prstGeom prst="rect">
+            <a:avLst/>
+          </a:prstGeom>
+        </p:spPr>
+      </p:pic>
+      <p:sp>
+        <p:nvSpPr>
+          <p:cNvPr id="7" name="Freeform 7">
+            <a:extLst>
+              <a:ext uri="{FF2B5EF4-FFF2-40B4-BE49-F238E27FC236}">
+                <a16:creationId xmlns:a16="http://schemas.microsoft.com/office/drawing/2014/main" id="{CD3526D4-E760-45EC-40CF-DC6880A7B436}"/>
+              </a:ext>
+            </a:extLst>
+          </p:cNvPr>
+          <p:cNvSpPr/>
+          <p:nvPr/>
+        </p:nvSpPr>
+        <p:spPr>
+          <a:xfrm rot="5400000">
+            <a:off x="5789382" y="-1598340"/>
+            <a:ext cx="2362194" cy="3049781"/>
+          </a:xfrm>
+          <a:custGeom>
+            <a:avLst/>
+            <a:gdLst/>
+            <a:ahLst/>
+            <a:cxnLst/>
+            <a:rect l="l" t="t" r="r" b="b"/>
+            <a:pathLst>
+              <a:path w="2362194" h="3049781">
+                <a:moveTo>
+                  <a:pt x="0" y="0"/>
+                </a:moveTo>
+                <a:lnTo>
+                  <a:pt x="2362194" y="0"/>
+                </a:lnTo>
+                <a:lnTo>
+                  <a:pt x="2362194" y="3049782"/>
+                </a:lnTo>
+                <a:lnTo>
+                  <a:pt x="0" y="3049782"/>
+                </a:lnTo>
+                <a:lnTo>
+                  <a:pt x="0" y="0"/>
+                </a:lnTo>
+                <a:close/>
+              </a:path>
+            </a:pathLst>
+          </a:custGeom>
+          <a:blipFill>
+            <a:blip r:embed="rId4">
+              <a:extLst>
+                <a:ext uri="{96DAC541-7B7A-43D3-8B79-37D633B846F1}">
+                  <asvg:svgBlip xmlns:asvg="http://schemas.microsoft.com/office/drawing/2016/SVG/main" r:embed="rId5"/>
+                </a:ext>
+              </a:extLst>
+            </a:blip>
+            <a:stretch>
+              <a:fillRect/>
+            </a:stretch>
+          </a:blipFill>
+        </p:spPr>
+      </p:sp>
+      <p:sp>
+        <p:nvSpPr>
+          <p:cNvPr id="8" name="Freeform 8">
+            <a:extLst>
+              <a:ext uri="{FF2B5EF4-FFF2-40B4-BE49-F238E27FC236}">
+                <a16:creationId xmlns:a16="http://schemas.microsoft.com/office/drawing/2014/main" id="{12D50903-C3A8-C735-D5F4-28196DD6705A}"/>
+              </a:ext>
+            </a:extLst>
+          </p:cNvPr>
+          <p:cNvSpPr/>
+          <p:nvPr/>
+        </p:nvSpPr>
+        <p:spPr>
+          <a:xfrm rot="5400000">
+            <a:off x="2595895" y="-1598340"/>
+            <a:ext cx="2362194" cy="3049781"/>
+          </a:xfrm>
+          <a:custGeom>
+            <a:avLst/>
+            <a:gdLst/>
+            <a:ahLst/>
+            <a:cxnLst/>
+            <a:rect l="l" t="t" r="r" b="b"/>
+            <a:pathLst>
+              <a:path w="2362194" h="3049781">
+                <a:moveTo>
+                  <a:pt x="0" y="0"/>
+                </a:moveTo>
+                <a:lnTo>
+                  <a:pt x="2362194" y="0"/>
+                </a:lnTo>
+                <a:lnTo>
+                  <a:pt x="2362194" y="3049782"/>
+                </a:lnTo>
+                <a:lnTo>
+                  <a:pt x="0" y="3049782"/>
+                </a:lnTo>
+                <a:lnTo>
+                  <a:pt x="0" y="0"/>
+                </a:lnTo>
+                <a:close/>
+              </a:path>
+            </a:pathLst>
+          </a:custGeom>
+          <a:blipFill>
+            <a:blip r:embed="rId4">
+              <a:extLst>
+                <a:ext uri="{96DAC541-7B7A-43D3-8B79-37D633B846F1}">
+                  <asvg:svgBlip xmlns:asvg="http://schemas.microsoft.com/office/drawing/2016/SVG/main" r:embed="rId5"/>
+                </a:ext>
+              </a:extLst>
+            </a:blip>
+            <a:stretch>
+              <a:fillRect/>
+            </a:stretch>
+          </a:blipFill>
+        </p:spPr>
+      </p:sp>
+      <p:sp>
+        <p:nvSpPr>
+          <p:cNvPr id="9" name="Freeform 9">
+            <a:extLst>
+              <a:ext uri="{FF2B5EF4-FFF2-40B4-BE49-F238E27FC236}">
+                <a16:creationId xmlns:a16="http://schemas.microsoft.com/office/drawing/2014/main" id="{4ACB45C9-77A5-9D88-D331-AC0B1CD0D138}"/>
+              </a:ext>
+            </a:extLst>
+          </p:cNvPr>
+          <p:cNvSpPr/>
+          <p:nvPr/>
+        </p:nvSpPr>
+        <p:spPr>
+          <a:xfrm rot="5400000">
+            <a:off x="-591576" y="-1598340"/>
+            <a:ext cx="2362194" cy="3049781"/>
+          </a:xfrm>
+          <a:custGeom>
+            <a:avLst/>
+            <a:gdLst/>
+            <a:ahLst/>
+            <a:cxnLst/>
+            <a:rect l="l" t="t" r="r" b="b"/>
+            <a:pathLst>
+              <a:path w="2362194" h="3049781">
+                <a:moveTo>
+                  <a:pt x="0" y="0"/>
+                </a:moveTo>
+                <a:lnTo>
+                  <a:pt x="2362194" y="0"/>
+                </a:lnTo>
+                <a:lnTo>
+                  <a:pt x="2362194" y="3049782"/>
+                </a:lnTo>
+                <a:lnTo>
+                  <a:pt x="0" y="3049782"/>
+                </a:lnTo>
+                <a:lnTo>
+                  <a:pt x="0" y="0"/>
+                </a:lnTo>
+                <a:close/>
+              </a:path>
+            </a:pathLst>
+          </a:custGeom>
+          <a:blipFill>
+            <a:blip r:embed="rId4">
+              <a:extLst>
+                <a:ext uri="{96DAC541-7B7A-43D3-8B79-37D633B846F1}">
+                  <asvg:svgBlip xmlns:asvg="http://schemas.microsoft.com/office/drawing/2016/SVG/main" r:embed="rId5"/>
+                </a:ext>
+              </a:extLst>
+            </a:blip>
+            <a:stretch>
+              <a:fillRect/>
+            </a:stretch>
+          </a:blipFill>
+        </p:spPr>
+      </p:sp>
+      <p:sp>
+        <p:nvSpPr>
+          <p:cNvPr id="10" name="AutoShape 10">
+            <a:extLst>
+              <a:ext uri="{FF2B5EF4-FFF2-40B4-BE49-F238E27FC236}">
+                <a16:creationId xmlns:a16="http://schemas.microsoft.com/office/drawing/2014/main" id="{C012E2B4-1D48-B719-A600-9EFCFAAA75D4}"/>
+              </a:ext>
+            </a:extLst>
+          </p:cNvPr>
+          <p:cNvSpPr/>
+          <p:nvPr/>
+        </p:nvSpPr>
+        <p:spPr>
+          <a:xfrm>
+            <a:off x="756000" y="9931238"/>
+            <a:ext cx="6048000" cy="0"/>
+          </a:xfrm>
+          <a:prstGeom prst="line">
+            <a:avLst/>
+          </a:prstGeom>
+          <a:ln w="9525" cap="flat">
+            <a:solidFill>
+              <a:srgbClr val="000000"/>
+            </a:solidFill>
+            <a:prstDash val="solid"/>
+            <a:headEnd type="none" w="sm" len="sm"/>
+            <a:tailEnd type="none" w="sm" len="sm"/>
+          </a:ln>
+        </p:spPr>
+      </p:sp>
+      <p:sp>
+        <p:nvSpPr>
+          <p:cNvPr id="12" name="TextBox 12">
+            <a:extLst>
+              <a:ext uri="{FF2B5EF4-FFF2-40B4-BE49-F238E27FC236}">
+                <a16:creationId xmlns:a16="http://schemas.microsoft.com/office/drawing/2014/main" id="{6AAF4403-C948-E27E-B59B-D5AF293E07C5}"/>
+              </a:ext>
+            </a:extLst>
+          </p:cNvPr>
+          <p:cNvSpPr txBox="1"/>
+          <p:nvPr/>
+        </p:nvSpPr>
+        <p:spPr>
+          <a:xfrm>
+            <a:off x="756000" y="10084923"/>
+            <a:ext cx="1742330" cy="187325"/>
+          </a:xfrm>
+          <a:prstGeom prst="rect">
+            <a:avLst/>
+          </a:prstGeom>
+        </p:spPr>
+        <p:txBody>
+          <a:bodyPr lIns="0" tIns="0" rIns="0" bIns="0" rtlCol="0" anchor="t">
+            <a:spAutoFit/>
+          </a:bodyPr>
+          <a:lstStyle/>
+          <a:p>
+            <a:pPr algn="l">
+              <a:lnSpc>
+                <a:spcPts val="1599"/>
+              </a:lnSpc>
+            </a:pPr>
+            <a:r>
+              <a:rPr lang="en-US" sz="999" dirty="0" err="1">
                 <a:solidFill>
-                  <a:schemeClr val="tx1"/>
+                  <a:srgbClr val="222525"/>
                 </a:solidFill>
+                <a:latin typeface="Montserrat"/>
+                <a:ea typeface="Montserrat"/>
+                <a:cs typeface="Montserrat"/>
+                <a:sym typeface="Montserrat"/>
               </a:rPr>
-              <a:t>Acciones</a:t>
-            </a:r>
-          </a:p>
-        </p:txBody>
-      </p:sp>
-      <p:sp>
-        <p:nvSpPr>
-          <p:cNvPr id="44" name="Elipse 43">
-            <a:extLst>
-              <a:ext uri="{FF2B5EF4-FFF2-40B4-BE49-F238E27FC236}">
-                <a16:creationId xmlns:a16="http://schemas.microsoft.com/office/drawing/2014/main" id="{BD72C69C-ED6D-DDF6-EE95-4956954B76E2}"/>
+              <a:t>Descripción</a:t>
+            </a:r>
+            <a:r>
+              <a:rPr lang="en-US" sz="999" dirty="0">
+                <a:solidFill>
+                  <a:srgbClr val="222525"/>
+                </a:solidFill>
+                <a:latin typeface="Montserrat"/>
+                <a:ea typeface="Montserrat"/>
+                <a:cs typeface="Montserrat"/>
+                <a:sym typeface="Montserrat"/>
+              </a:rPr>
+              <a:t> del Sistema</a:t>
+            </a:r>
+          </a:p>
+        </p:txBody>
+      </p:sp>
+      <p:sp>
+        <p:nvSpPr>
+          <p:cNvPr id="13" name="TextBox 13">
+            <a:extLst>
+              <a:ext uri="{FF2B5EF4-FFF2-40B4-BE49-F238E27FC236}">
+                <a16:creationId xmlns:a16="http://schemas.microsoft.com/office/drawing/2014/main" id="{7793E54D-7AE1-D31D-3EAA-B1567B884721}"/>
+              </a:ext>
+            </a:extLst>
+          </p:cNvPr>
+          <p:cNvSpPr txBox="1"/>
+          <p:nvPr/>
+        </p:nvSpPr>
+        <p:spPr>
+          <a:xfrm>
+            <a:off x="5061670" y="10084923"/>
+            <a:ext cx="1742330" cy="187325"/>
+          </a:xfrm>
+          <a:prstGeom prst="rect">
+            <a:avLst/>
+          </a:prstGeom>
+        </p:spPr>
+        <p:txBody>
+          <a:bodyPr lIns="0" tIns="0" rIns="0" bIns="0" rtlCol="0" anchor="t">
+            <a:spAutoFit/>
+          </a:bodyPr>
+          <a:lstStyle/>
+          <a:p>
+            <a:pPr algn="r">
+              <a:lnSpc>
+                <a:spcPts val="1599"/>
+              </a:lnSpc>
+            </a:pPr>
+            <a:r>
+              <a:rPr lang="en-US" sz="999">
+                <a:solidFill>
+                  <a:srgbClr val="222525"/>
+                </a:solidFill>
+                <a:latin typeface="Montserrat"/>
+                <a:ea typeface="Montserrat"/>
+                <a:cs typeface="Montserrat"/>
+                <a:sym typeface="Montserrat"/>
+              </a:rPr>
+              <a:t>01</a:t>
+            </a:r>
+          </a:p>
+        </p:txBody>
+      </p:sp>
+      <p:sp>
+        <p:nvSpPr>
+          <p:cNvPr id="5" name="Rectángulo: esquinas redondeadas 4">
+            <a:extLst>
+              <a:ext uri="{FF2B5EF4-FFF2-40B4-BE49-F238E27FC236}">
+                <a16:creationId xmlns:a16="http://schemas.microsoft.com/office/drawing/2014/main" id="{D7E519AA-98FF-D964-F756-DB2FB3B53180}"/>
               </a:ext>
             </a:extLst>
           </p:cNvPr>
@@ -7826,16 +11565,16 @@
         </p:nvSpPr>
         <p:spPr>
           <a:xfrm>
-            <a:off x="6366679" y="3040211"/>
-            <a:ext cx="719852" cy="228600"/>
-          </a:xfrm>
-          <a:prstGeom prst="ellipse">
+            <a:off x="169693" y="2049970"/>
+            <a:ext cx="2087381" cy="1802409"/>
+          </a:xfrm>
+          <a:prstGeom prst="roundRect">
             <a:avLst/>
           </a:prstGeom>
           <a:noFill/>
           <a:ln>
             <a:solidFill>
-              <a:srgbClr val="FF0000"/>
+              <a:srgbClr val="C00000"/>
             </a:solidFill>
           </a:ln>
         </p:spPr>
@@ -7859,47 +11598,57 @@
           <a:bodyPr rtlCol="0" anchor="ctr"/>
           <a:lstStyle/>
           <a:p>
-            <a:pPr algn="ctr"/>
-            <a:endParaRPr lang="es-VE"/>
+            <a:pPr algn="just"/>
+            <a:r>
+              <a:rPr lang="es-VE" sz="1400" dirty="0">
+                <a:solidFill>
+                  <a:schemeClr val="tx1"/>
+                </a:solidFill>
+              </a:rPr>
+              <a:t>En historial Eliminados se muestra una tabla con los datos y acciones que se pueden hacer sobre esos registros, como: Ver y eliminar.</a:t>
+            </a:r>
           </a:p>
         </p:txBody>
       </p:sp>
       <p:cxnSp>
         <p:nvCxnSpPr>
-          <p:cNvPr id="46" name="Conector recto de flecha 45">
-            <a:extLst>
-              <a:ext uri="{FF2B5EF4-FFF2-40B4-BE49-F238E27FC236}">
-                <a16:creationId xmlns:a16="http://schemas.microsoft.com/office/drawing/2014/main" id="{22774541-A2CD-6B93-BA50-CFAA36192858}"/>
+          <p:cNvPr id="14" name="Conector recto de flecha 13">
+            <a:extLst>
+              <a:ext uri="{FF2B5EF4-FFF2-40B4-BE49-F238E27FC236}">
+                <a16:creationId xmlns:a16="http://schemas.microsoft.com/office/drawing/2014/main" id="{1AC333CD-A2BA-2707-B9A8-D73D3EC2B365}"/>
               </a:ext>
             </a:extLst>
           </p:cNvPr>
           <p:cNvCxnSpPr>
             <a:cxnSpLocks/>
-            <a:stCxn id="19" idx="0"/>
-            <a:endCxn id="44" idx="4"/>
+            <a:stCxn id="5" idx="3"/>
+            <a:endCxn id="3" idx="1"/>
           </p:cNvCxnSpPr>
           <p:nvPr/>
         </p:nvCxnSpPr>
         <p:spPr>
-          <a:xfrm flipH="1" flipV="1">
-            <a:off x="6726605" y="3268811"/>
-            <a:ext cx="409" cy="617673"/>
+          <a:xfrm>
+            <a:off x="2257074" y="2951175"/>
+            <a:ext cx="628082" cy="0"/>
           </a:xfrm>
           <a:prstGeom prst="straightConnector1">
             <a:avLst/>
           </a:prstGeom>
           <a:ln>
+            <a:solidFill>
+              <a:schemeClr val="tx1"/>
+            </a:solidFill>
             <a:tailEnd type="triangle"/>
           </a:ln>
         </p:spPr>
         <p:style>
-          <a:lnRef idx="1">
+          <a:lnRef idx="2">
             <a:schemeClr val="accent2"/>
           </a:lnRef>
           <a:fillRef idx="0">
             <a:schemeClr val="accent2"/>
           </a:fillRef>
-          <a:effectRef idx="0">
+          <a:effectRef idx="1">
             <a:schemeClr val="accent2"/>
           </a:effectRef>
           <a:fontRef idx="minor">
@@ -7909,10 +11658,10 @@
       </p:cxnSp>
       <p:sp>
         <p:nvSpPr>
-          <p:cNvPr id="68" name="Abrir llave 67">
-            <a:extLst>
-              <a:ext uri="{FF2B5EF4-FFF2-40B4-BE49-F238E27FC236}">
-                <a16:creationId xmlns:a16="http://schemas.microsoft.com/office/drawing/2014/main" id="{B9F57800-973A-B39D-D5CF-37D1CEB92456}"/>
+          <p:cNvPr id="19" name="Rectángulo: esquinas redondeadas 18">
+            <a:extLst>
+              <a:ext uri="{FF2B5EF4-FFF2-40B4-BE49-F238E27FC236}">
+                <a16:creationId xmlns:a16="http://schemas.microsoft.com/office/drawing/2014/main" id="{2B1B82AF-3C4F-7E6D-554D-56B6B6DC1484}"/>
               </a:ext>
             </a:extLst>
           </p:cNvPr>
@@ -7920,61 +11669,19 @@
           <p:nvPr/>
         </p:nvSpPr>
         <p:spPr>
-          <a:xfrm rot="16200000">
-            <a:off x="4785834" y="1367846"/>
-            <a:ext cx="532407" cy="4333763"/>
-          </a:xfrm>
-          <a:prstGeom prst="leftBrace">
-            <a:avLst>
-              <a:gd name="adj1" fmla="val 0"/>
-              <a:gd name="adj2" fmla="val 51606"/>
-            </a:avLst>
-          </a:prstGeom>
-        </p:spPr>
-        <p:style>
-          <a:lnRef idx="1">
-            <a:schemeClr val="dk1"/>
-          </a:lnRef>
-          <a:fillRef idx="0">
-            <a:schemeClr val="dk1"/>
-          </a:fillRef>
-          <a:effectRef idx="0">
-            <a:schemeClr val="dk1"/>
-          </a:effectRef>
-          <a:fontRef idx="minor">
-            <a:schemeClr val="tx1"/>
-          </a:fontRef>
-        </p:style>
-        <p:txBody>
-          <a:bodyPr rtlCol="0" anchor="ctr"/>
-          <a:lstStyle/>
-          <a:p>
-            <a:pPr algn="ctr"/>
-            <a:endParaRPr lang="es-VE"/>
-          </a:p>
-        </p:txBody>
-      </p:sp>
-      <p:sp>
-        <p:nvSpPr>
-          <p:cNvPr id="70" name="Rectángulo: esquinas redondeadas 69">
-            <a:extLst>
-              <a:ext uri="{FF2B5EF4-FFF2-40B4-BE49-F238E27FC236}">
-                <a16:creationId xmlns:a16="http://schemas.microsoft.com/office/drawing/2014/main" id="{0F7FA6B2-C926-D9C0-F363-0E930FB28294}"/>
-              </a:ext>
-            </a:extLst>
-          </p:cNvPr>
-          <p:cNvSpPr/>
-          <p:nvPr/>
-        </p:nvSpPr>
-        <p:spPr>
-          <a:xfrm>
-            <a:off x="4427790" y="3823487"/>
-            <a:ext cx="1447800" cy="420008"/>
+          <a:xfrm>
+            <a:off x="6235107" y="3886484"/>
+            <a:ext cx="983813" cy="271715"/>
           </a:xfrm>
           <a:prstGeom prst="roundRect">
             <a:avLst/>
           </a:prstGeom>
           <a:noFill/>
+          <a:ln>
+            <a:solidFill>
+              <a:srgbClr val="FF0000"/>
+            </a:solidFill>
+          </a:ln>
         </p:spPr>
         <p:style>
           <a:lnRef idx="2">
@@ -8003,117 +11710,17 @@
                   <a:schemeClr val="tx1"/>
                 </a:solidFill>
               </a:rPr>
-              <a:t>Datos de registros</a:t>
-            </a:r>
-          </a:p>
-        </p:txBody>
-      </p:sp>
-      <p:sp>
-        <p:nvSpPr>
-          <p:cNvPr id="83" name="CuadroTexto 82">
-            <a:extLst>
-              <a:ext uri="{FF2B5EF4-FFF2-40B4-BE49-F238E27FC236}">
-                <a16:creationId xmlns:a16="http://schemas.microsoft.com/office/drawing/2014/main" id="{2880CEDB-0A0E-FEF4-180E-A67D84FB1F3A}"/>
-              </a:ext>
-            </a:extLst>
-          </p:cNvPr>
-          <p:cNvSpPr txBox="1"/>
-          <p:nvPr/>
-        </p:nvSpPr>
-        <p:spPr>
-          <a:xfrm>
-            <a:off x="253771" y="1197189"/>
-            <a:ext cx="3295879" cy="461665"/>
-          </a:xfrm>
-          <a:prstGeom prst="rect">
-            <a:avLst/>
-          </a:prstGeom>
-          <a:noFill/>
-        </p:spPr>
-        <p:txBody>
-          <a:bodyPr wrap="square" rtlCol="0">
-            <a:spAutoFit/>
-          </a:bodyPr>
-          <a:lstStyle/>
-          <a:p>
-            <a:r>
-              <a:rPr lang="es-VE" sz="2400" dirty="0"/>
-              <a:t>3.4 Historial Eliminados</a:t>
-            </a:r>
-          </a:p>
-        </p:txBody>
-      </p:sp>
-      <p:sp>
-        <p:nvSpPr>
-          <p:cNvPr id="16" name="CuadroTexto 15">
-            <a:extLst>
-              <a:ext uri="{FF2B5EF4-FFF2-40B4-BE49-F238E27FC236}">
-                <a16:creationId xmlns:a16="http://schemas.microsoft.com/office/drawing/2014/main" id="{B65B4EA7-3B5F-F313-C9FB-E9FD1BB324C3}"/>
-              </a:ext>
-            </a:extLst>
-          </p:cNvPr>
-          <p:cNvSpPr txBox="1"/>
-          <p:nvPr/>
-        </p:nvSpPr>
-        <p:spPr>
-          <a:xfrm>
-            <a:off x="253771" y="5115867"/>
-            <a:ext cx="3295879" cy="461665"/>
-          </a:xfrm>
-          <a:prstGeom prst="rect">
-            <a:avLst/>
-          </a:prstGeom>
-          <a:noFill/>
-        </p:spPr>
-        <p:txBody>
-          <a:bodyPr wrap="square" rtlCol="0">
-            <a:spAutoFit/>
-          </a:bodyPr>
-          <a:lstStyle/>
-          <a:p>
-            <a:r>
-              <a:rPr lang="es-VE" sz="2400" dirty="0"/>
-              <a:t>3.5 Reporte</a:t>
-            </a:r>
-          </a:p>
-        </p:txBody>
-      </p:sp>
-      <p:pic>
-        <p:nvPicPr>
-          <p:cNvPr id="21" name="Imagen 20">
-            <a:extLst>
-              <a:ext uri="{FF2B5EF4-FFF2-40B4-BE49-F238E27FC236}">
-                <a16:creationId xmlns:a16="http://schemas.microsoft.com/office/drawing/2014/main" id="{0E75F580-8F27-0D7C-9327-16F145AAD07D}"/>
-              </a:ext>
-            </a:extLst>
-          </p:cNvPr>
-          <p:cNvPicPr>
-            <a:picLocks noChangeAspect="1"/>
-          </p:cNvPicPr>
-          <p:nvPr/>
-        </p:nvPicPr>
-        <p:blipFill>
-          <a:blip r:embed="rId6"/>
-          <a:stretch>
-            <a:fillRect/>
-          </a:stretch>
-        </p:blipFill>
-        <p:spPr>
-          <a:xfrm>
-            <a:off x="2872155" y="6132801"/>
-            <a:ext cx="3854450" cy="2210307"/>
-          </a:xfrm>
-          <a:prstGeom prst="rect">
-            <a:avLst/>
-          </a:prstGeom>
-        </p:spPr>
-      </p:pic>
-      <p:sp>
-        <p:nvSpPr>
-          <p:cNvPr id="22" name="Rectángulo: esquinas redondeadas 21">
-            <a:extLst>
-              <a:ext uri="{FF2B5EF4-FFF2-40B4-BE49-F238E27FC236}">
-                <a16:creationId xmlns:a16="http://schemas.microsoft.com/office/drawing/2014/main" id="{C40013DC-0872-C184-92F9-61C73EA87BDF}"/>
+              <a:t>Acciones</a:t>
+            </a:r>
+          </a:p>
+        </p:txBody>
+      </p:sp>
+      <p:sp>
+        <p:nvSpPr>
+          <p:cNvPr id="44" name="Elipse 43">
+            <a:extLst>
+              <a:ext uri="{FF2B5EF4-FFF2-40B4-BE49-F238E27FC236}">
+                <a16:creationId xmlns:a16="http://schemas.microsoft.com/office/drawing/2014/main" id="{BD72C69C-ED6D-DDF6-EE95-4956954B76E2}"/>
               </a:ext>
             </a:extLst>
           </p:cNvPr>
@@ -8122,10 +11729,10 @@
         </p:nvSpPr>
         <p:spPr>
           <a:xfrm>
-            <a:off x="4195615" y="8716955"/>
-            <a:ext cx="1207529" cy="362844"/>
-          </a:xfrm>
-          <a:prstGeom prst="roundRect">
+            <a:off x="6366679" y="3040211"/>
+            <a:ext cx="719852" cy="228600"/>
+          </a:xfrm>
+          <a:prstGeom prst="ellipse">
             <a:avLst/>
           </a:prstGeom>
           <a:noFill/>
@@ -8155,24 +11762,60 @@
           <a:bodyPr rtlCol="0" anchor="ctr"/>
           <a:lstStyle/>
           <a:p>
-            <a:pPr algn="just"/>
-            <a:r>
-              <a:rPr lang="es-VE" sz="1400" dirty="0">
-                <a:solidFill>
-                  <a:schemeClr val="tx1"/>
-                </a:solidFill>
-              </a:rPr>
-              <a:t>Archivos .xlsx</a:t>
-            </a:r>
-          </a:p>
-        </p:txBody>
-      </p:sp>
-      <p:sp>
-        <p:nvSpPr>
-          <p:cNvPr id="23" name="Rectángulo: esquinas redondeadas 22">
-            <a:extLst>
-              <a:ext uri="{FF2B5EF4-FFF2-40B4-BE49-F238E27FC236}">
-                <a16:creationId xmlns:a16="http://schemas.microsoft.com/office/drawing/2014/main" id="{C8AAFB32-202D-93CD-62B6-23F27FD5B5FA}"/>
+            <a:pPr algn="ctr"/>
+            <a:endParaRPr lang="es-VE"/>
+          </a:p>
+        </p:txBody>
+      </p:sp>
+      <p:cxnSp>
+        <p:nvCxnSpPr>
+          <p:cNvPr id="46" name="Conector recto de flecha 45">
+            <a:extLst>
+              <a:ext uri="{FF2B5EF4-FFF2-40B4-BE49-F238E27FC236}">
+                <a16:creationId xmlns:a16="http://schemas.microsoft.com/office/drawing/2014/main" id="{22774541-A2CD-6B93-BA50-CFAA36192858}"/>
+              </a:ext>
+            </a:extLst>
+          </p:cNvPr>
+          <p:cNvCxnSpPr>
+            <a:cxnSpLocks/>
+            <a:stCxn id="19" idx="0"/>
+            <a:endCxn id="44" idx="4"/>
+          </p:cNvCxnSpPr>
+          <p:nvPr/>
+        </p:nvCxnSpPr>
+        <p:spPr>
+          <a:xfrm flipH="1" flipV="1">
+            <a:off x="6726605" y="3268811"/>
+            <a:ext cx="409" cy="617673"/>
+          </a:xfrm>
+          <a:prstGeom prst="straightConnector1">
+            <a:avLst/>
+          </a:prstGeom>
+          <a:ln>
+            <a:tailEnd type="triangle"/>
+          </a:ln>
+        </p:spPr>
+        <p:style>
+          <a:lnRef idx="1">
+            <a:schemeClr val="accent2"/>
+          </a:lnRef>
+          <a:fillRef idx="0">
+            <a:schemeClr val="accent2"/>
+          </a:fillRef>
+          <a:effectRef idx="0">
+            <a:schemeClr val="accent2"/>
+          </a:effectRef>
+          <a:fontRef idx="minor">
+            <a:schemeClr val="tx1"/>
+          </a:fontRef>
+        </p:style>
+      </p:cxnSp>
+      <p:sp>
+        <p:nvSpPr>
+          <p:cNvPr id="68" name="Abrir llave 67">
+            <a:extLst>
+              <a:ext uri="{FF2B5EF4-FFF2-40B4-BE49-F238E27FC236}">
+                <a16:creationId xmlns:a16="http://schemas.microsoft.com/office/drawing/2014/main" id="{B9F57800-973A-B39D-D5CF-37D1CEB92456}"/>
               </a:ext>
             </a:extLst>
           </p:cNvPr>
@@ -8180,19 +11823,61 @@
           <p:nvPr/>
         </p:nvSpPr>
         <p:spPr>
-          <a:xfrm>
-            <a:off x="253771" y="6743459"/>
-            <a:ext cx="2087381" cy="998764"/>
+          <a:xfrm rot="16200000">
+            <a:off x="4785834" y="1367846"/>
+            <a:ext cx="532407" cy="4333763"/>
+          </a:xfrm>
+          <a:prstGeom prst="leftBrace">
+            <a:avLst>
+              <a:gd name="adj1" fmla="val 0"/>
+              <a:gd name="adj2" fmla="val 51606"/>
+            </a:avLst>
+          </a:prstGeom>
+        </p:spPr>
+        <p:style>
+          <a:lnRef idx="1">
+            <a:schemeClr val="dk1"/>
+          </a:lnRef>
+          <a:fillRef idx="0">
+            <a:schemeClr val="dk1"/>
+          </a:fillRef>
+          <a:effectRef idx="0">
+            <a:schemeClr val="dk1"/>
+          </a:effectRef>
+          <a:fontRef idx="minor">
+            <a:schemeClr val="tx1"/>
+          </a:fontRef>
+        </p:style>
+        <p:txBody>
+          <a:bodyPr rtlCol="0" anchor="ctr"/>
+          <a:lstStyle/>
+          <a:p>
+            <a:pPr algn="ctr"/>
+            <a:endParaRPr lang="es-VE"/>
+          </a:p>
+        </p:txBody>
+      </p:sp>
+      <p:sp>
+        <p:nvSpPr>
+          <p:cNvPr id="70" name="Rectángulo: esquinas redondeadas 69">
+            <a:extLst>
+              <a:ext uri="{FF2B5EF4-FFF2-40B4-BE49-F238E27FC236}">
+                <a16:creationId xmlns:a16="http://schemas.microsoft.com/office/drawing/2014/main" id="{0F7FA6B2-C926-D9C0-F363-0E930FB28294}"/>
+              </a:ext>
+            </a:extLst>
+          </p:cNvPr>
+          <p:cNvSpPr/>
+          <p:nvPr/>
+        </p:nvSpPr>
+        <p:spPr>
+          <a:xfrm>
+            <a:off x="4427790" y="3823487"/>
+            <a:ext cx="1447800" cy="420008"/>
           </a:xfrm>
           <a:prstGeom prst="roundRect">
             <a:avLst/>
           </a:prstGeom>
           <a:noFill/>
-          <a:ln>
-            <a:solidFill>
-              <a:srgbClr val="FFC000"/>
-            </a:solidFill>
-          </a:ln>
         </p:spPr>
         <p:style>
           <a:lnRef idx="2">
@@ -8214,67 +11899,124 @@
           <a:bodyPr rtlCol="0" anchor="ctr"/>
           <a:lstStyle/>
           <a:p>
-            <a:pPr algn="just"/>
+            <a:pPr algn="ctr"/>
             <a:r>
               <a:rPr lang="es-VE" sz="1400" dirty="0">
                 <a:solidFill>
                   <a:schemeClr val="tx1"/>
                 </a:solidFill>
               </a:rPr>
-              <a:t>En reporte muestran los distintos archivos que se pueden generar. </a:t>
-            </a:r>
-          </a:p>
-        </p:txBody>
-      </p:sp>
-      <p:cxnSp>
-        <p:nvCxnSpPr>
-          <p:cNvPr id="25" name="Conector recto de flecha 24">
-            <a:extLst>
-              <a:ext uri="{FF2B5EF4-FFF2-40B4-BE49-F238E27FC236}">
-                <a16:creationId xmlns:a16="http://schemas.microsoft.com/office/drawing/2014/main" id="{BE18E46C-82AD-9794-24AB-65C57C0B3E95}"/>
-              </a:ext>
-            </a:extLst>
-          </p:cNvPr>
-          <p:cNvCxnSpPr>
-            <a:cxnSpLocks/>
-            <a:stCxn id="23" idx="3"/>
-            <a:endCxn id="21" idx="1"/>
-          </p:cNvCxnSpPr>
-          <p:nvPr/>
-        </p:nvCxnSpPr>
-        <p:spPr>
-          <a:xfrm flipV="1">
-            <a:off x="2341152" y="7237955"/>
-            <a:ext cx="531003" cy="4886"/>
-          </a:xfrm>
-          <a:prstGeom prst="straightConnector1">
-            <a:avLst/>
-          </a:prstGeom>
-          <a:ln>
-            <a:tailEnd type="triangle"/>
-          </a:ln>
-        </p:spPr>
-        <p:style>
-          <a:lnRef idx="2">
-            <a:schemeClr val="dk1"/>
-          </a:lnRef>
-          <a:fillRef idx="0">
-            <a:schemeClr val="dk1"/>
-          </a:fillRef>
-          <a:effectRef idx="1">
-            <a:schemeClr val="dk1"/>
-          </a:effectRef>
-          <a:fontRef idx="minor">
-            <a:schemeClr val="tx1"/>
-          </a:fontRef>
-        </p:style>
-      </p:cxnSp>
-      <p:sp>
-        <p:nvSpPr>
-          <p:cNvPr id="27" name="Elipse 26">
-            <a:extLst>
-              <a:ext uri="{FF2B5EF4-FFF2-40B4-BE49-F238E27FC236}">
-                <a16:creationId xmlns:a16="http://schemas.microsoft.com/office/drawing/2014/main" id="{9D607468-4673-9B7C-017C-5B5F33FE7DC6}"/>
+              <a:t>Datos de registros</a:t>
+            </a:r>
+          </a:p>
+        </p:txBody>
+      </p:sp>
+      <p:sp>
+        <p:nvSpPr>
+          <p:cNvPr id="83" name="CuadroTexto 82">
+            <a:extLst>
+              <a:ext uri="{FF2B5EF4-FFF2-40B4-BE49-F238E27FC236}">
+                <a16:creationId xmlns:a16="http://schemas.microsoft.com/office/drawing/2014/main" id="{2880CEDB-0A0E-FEF4-180E-A67D84FB1F3A}"/>
+              </a:ext>
+            </a:extLst>
+          </p:cNvPr>
+          <p:cNvSpPr txBox="1"/>
+          <p:nvPr/>
+        </p:nvSpPr>
+        <p:spPr>
+          <a:xfrm>
+            <a:off x="253771" y="1197189"/>
+            <a:ext cx="3295879" cy="461665"/>
+          </a:xfrm>
+          <a:prstGeom prst="rect">
+            <a:avLst/>
+          </a:prstGeom>
+          <a:noFill/>
+        </p:spPr>
+        <p:txBody>
+          <a:bodyPr wrap="square" rtlCol="0">
+            <a:spAutoFit/>
+          </a:bodyPr>
+          <a:lstStyle/>
+          <a:p>
+            <a:r>
+              <a:rPr lang="es-VE" sz="2400" dirty="0"/>
+              <a:t>3.4 Historial Eliminados</a:t>
+            </a:r>
+          </a:p>
+        </p:txBody>
+      </p:sp>
+      <p:sp>
+        <p:nvSpPr>
+          <p:cNvPr id="16" name="CuadroTexto 15">
+            <a:extLst>
+              <a:ext uri="{FF2B5EF4-FFF2-40B4-BE49-F238E27FC236}">
+                <a16:creationId xmlns:a16="http://schemas.microsoft.com/office/drawing/2014/main" id="{B65B4EA7-3B5F-F313-C9FB-E9FD1BB324C3}"/>
+              </a:ext>
+            </a:extLst>
+          </p:cNvPr>
+          <p:cNvSpPr txBox="1"/>
+          <p:nvPr/>
+        </p:nvSpPr>
+        <p:spPr>
+          <a:xfrm>
+            <a:off x="253771" y="5115867"/>
+            <a:ext cx="3295879" cy="461665"/>
+          </a:xfrm>
+          <a:prstGeom prst="rect">
+            <a:avLst/>
+          </a:prstGeom>
+          <a:noFill/>
+        </p:spPr>
+        <p:txBody>
+          <a:bodyPr wrap="square" rtlCol="0">
+            <a:spAutoFit/>
+          </a:bodyPr>
+          <a:lstStyle/>
+          <a:p>
+            <a:r>
+              <a:rPr lang="es-VE" sz="2400" dirty="0"/>
+              <a:t>3.5 Reporte</a:t>
+            </a:r>
+          </a:p>
+        </p:txBody>
+      </p:sp>
+      <p:pic>
+        <p:nvPicPr>
+          <p:cNvPr id="21" name="Imagen 20">
+            <a:extLst>
+              <a:ext uri="{FF2B5EF4-FFF2-40B4-BE49-F238E27FC236}">
+                <a16:creationId xmlns:a16="http://schemas.microsoft.com/office/drawing/2014/main" id="{0E75F580-8F27-0D7C-9327-16F145AAD07D}"/>
+              </a:ext>
+            </a:extLst>
+          </p:cNvPr>
+          <p:cNvPicPr>
+            <a:picLocks noChangeAspect="1"/>
+          </p:cNvPicPr>
+          <p:nvPr/>
+        </p:nvPicPr>
+        <p:blipFill>
+          <a:blip r:embed="rId6"/>
+          <a:stretch>
+            <a:fillRect/>
+          </a:stretch>
+        </p:blipFill>
+        <p:spPr>
+          <a:xfrm>
+            <a:off x="2872155" y="6132801"/>
+            <a:ext cx="3854450" cy="2210307"/>
+          </a:xfrm>
+          <a:prstGeom prst="rect">
+            <a:avLst/>
+          </a:prstGeom>
+        </p:spPr>
+      </p:pic>
+      <p:sp>
+        <p:nvSpPr>
+          <p:cNvPr id="22" name="Rectángulo: esquinas redondeadas 21">
+            <a:extLst>
+              <a:ext uri="{FF2B5EF4-FFF2-40B4-BE49-F238E27FC236}">
+                <a16:creationId xmlns:a16="http://schemas.microsoft.com/office/drawing/2014/main" id="{C40013DC-0872-C184-92F9-61C73EA87BDF}"/>
               </a:ext>
             </a:extLst>
           </p:cNvPr>
@@ -8283,10 +12025,10 @@
         </p:nvSpPr>
         <p:spPr>
           <a:xfrm>
-            <a:off x="4799380" y="6580251"/>
-            <a:ext cx="603765" cy="1762857"/>
-          </a:xfrm>
-          <a:prstGeom prst="ellipse">
+            <a:off x="4195615" y="8716955"/>
+            <a:ext cx="1207529" cy="362844"/>
+          </a:xfrm>
+          <a:prstGeom prst="roundRect">
             <a:avLst/>
           </a:prstGeom>
           <a:noFill/>
@@ -8316,62 +12058,24 @@
           <a:bodyPr rtlCol="0" anchor="ctr"/>
           <a:lstStyle/>
           <a:p>
-            <a:pPr algn="ctr"/>
-            <a:endParaRPr lang="es-VE"/>
-          </a:p>
-        </p:txBody>
-      </p:sp>
-      <p:cxnSp>
-        <p:nvCxnSpPr>
-          <p:cNvPr id="35" name="Conector recto de flecha 34">
-            <a:extLst>
-              <a:ext uri="{FF2B5EF4-FFF2-40B4-BE49-F238E27FC236}">
-                <a16:creationId xmlns:a16="http://schemas.microsoft.com/office/drawing/2014/main" id="{B4E912AA-41D4-A160-0981-D9C3EBB05419}"/>
-              </a:ext>
-            </a:extLst>
-          </p:cNvPr>
-          <p:cNvCxnSpPr>
-            <a:stCxn id="22" idx="0"/>
-            <a:endCxn id="27" idx="4"/>
-          </p:cNvCxnSpPr>
-          <p:nvPr/>
-        </p:nvCxnSpPr>
-        <p:spPr>
-          <a:xfrm flipV="1">
-            <a:off x="4799380" y="8343108"/>
-            <a:ext cx="301883" cy="373847"/>
-          </a:xfrm>
-          <a:prstGeom prst="straightConnector1">
-            <a:avLst/>
-          </a:prstGeom>
-          <a:ln>
-            <a:solidFill>
-              <a:srgbClr val="FF0000"/>
-            </a:solidFill>
-            <a:tailEnd type="triangle"/>
-          </a:ln>
-        </p:spPr>
-        <p:style>
-          <a:lnRef idx="1">
-            <a:schemeClr val="accent1"/>
-          </a:lnRef>
-          <a:fillRef idx="0">
-            <a:schemeClr val="accent1"/>
-          </a:fillRef>
-          <a:effectRef idx="0">
-            <a:schemeClr val="accent1"/>
-          </a:effectRef>
-          <a:fontRef idx="minor">
-            <a:schemeClr val="tx1"/>
-          </a:fontRef>
-        </p:style>
-      </p:cxnSp>
-      <p:sp>
-        <p:nvSpPr>
-          <p:cNvPr id="36" name="Rectángulo: esquinas redondeadas 35">
-            <a:extLst>
-              <a:ext uri="{FF2B5EF4-FFF2-40B4-BE49-F238E27FC236}">
-                <a16:creationId xmlns:a16="http://schemas.microsoft.com/office/drawing/2014/main" id="{7E8E4C74-AD0C-09B4-31A9-43FF967273D2}"/>
+            <a:pPr algn="just"/>
+            <a:r>
+              <a:rPr lang="es-VE" sz="1400" dirty="0">
+                <a:solidFill>
+                  <a:schemeClr val="tx1"/>
+                </a:solidFill>
+              </a:rPr>
+              <a:t>Archivos .xlsx</a:t>
+            </a:r>
+          </a:p>
+        </p:txBody>
+      </p:sp>
+      <p:sp>
+        <p:nvSpPr>
+          <p:cNvPr id="23" name="Rectángulo: esquinas redondeadas 22">
+            <a:extLst>
+              <a:ext uri="{FF2B5EF4-FFF2-40B4-BE49-F238E27FC236}">
+                <a16:creationId xmlns:a16="http://schemas.microsoft.com/office/drawing/2014/main" id="{C8AAFB32-202D-93CD-62B6-23F27FD5B5FA}"/>
               </a:ext>
             </a:extLst>
           </p:cNvPr>
@@ -8380,8 +12084,8 @@
         </p:nvSpPr>
         <p:spPr>
           <a:xfrm>
-            <a:off x="3791809" y="5208054"/>
-            <a:ext cx="3220859" cy="713543"/>
+            <a:off x="253771" y="6743459"/>
+            <a:ext cx="2087381" cy="998764"/>
           </a:xfrm>
           <a:prstGeom prst="roundRect">
             <a:avLst/>
@@ -8389,7 +12093,7 @@
           <a:noFill/>
           <a:ln>
             <a:solidFill>
-              <a:srgbClr val="FF0000"/>
+              <a:srgbClr val="FFC000"/>
             </a:solidFill>
           </a:ln>
         </p:spPr>
@@ -8420,6 +12124,205 @@
                   <a:schemeClr val="tx1"/>
                 </a:solidFill>
               </a:rPr>
+              <a:t>En reporte muestran los distintos archivos que se pueden generar. </a:t>
+            </a:r>
+          </a:p>
+        </p:txBody>
+      </p:sp>
+      <p:cxnSp>
+        <p:nvCxnSpPr>
+          <p:cNvPr id="25" name="Conector recto de flecha 24">
+            <a:extLst>
+              <a:ext uri="{FF2B5EF4-FFF2-40B4-BE49-F238E27FC236}">
+                <a16:creationId xmlns:a16="http://schemas.microsoft.com/office/drawing/2014/main" id="{BE18E46C-82AD-9794-24AB-65C57C0B3E95}"/>
+              </a:ext>
+            </a:extLst>
+          </p:cNvPr>
+          <p:cNvCxnSpPr>
+            <a:cxnSpLocks/>
+            <a:stCxn id="23" idx="3"/>
+            <a:endCxn id="21" idx="1"/>
+          </p:cNvCxnSpPr>
+          <p:nvPr/>
+        </p:nvCxnSpPr>
+        <p:spPr>
+          <a:xfrm flipV="1">
+            <a:off x="2341152" y="7237955"/>
+            <a:ext cx="531003" cy="4886"/>
+          </a:xfrm>
+          <a:prstGeom prst="straightConnector1">
+            <a:avLst/>
+          </a:prstGeom>
+          <a:ln>
+            <a:tailEnd type="triangle"/>
+          </a:ln>
+        </p:spPr>
+        <p:style>
+          <a:lnRef idx="2">
+            <a:schemeClr val="dk1"/>
+          </a:lnRef>
+          <a:fillRef idx="0">
+            <a:schemeClr val="dk1"/>
+          </a:fillRef>
+          <a:effectRef idx="1">
+            <a:schemeClr val="dk1"/>
+          </a:effectRef>
+          <a:fontRef idx="minor">
+            <a:schemeClr val="tx1"/>
+          </a:fontRef>
+        </p:style>
+      </p:cxnSp>
+      <p:sp>
+        <p:nvSpPr>
+          <p:cNvPr id="27" name="Elipse 26">
+            <a:extLst>
+              <a:ext uri="{FF2B5EF4-FFF2-40B4-BE49-F238E27FC236}">
+                <a16:creationId xmlns:a16="http://schemas.microsoft.com/office/drawing/2014/main" id="{9D607468-4673-9B7C-017C-5B5F33FE7DC6}"/>
+              </a:ext>
+            </a:extLst>
+          </p:cNvPr>
+          <p:cNvSpPr/>
+          <p:nvPr/>
+        </p:nvSpPr>
+        <p:spPr>
+          <a:xfrm>
+            <a:off x="4799380" y="6580251"/>
+            <a:ext cx="603765" cy="1762857"/>
+          </a:xfrm>
+          <a:prstGeom prst="ellipse">
+            <a:avLst/>
+          </a:prstGeom>
+          <a:noFill/>
+          <a:ln>
+            <a:solidFill>
+              <a:srgbClr val="FF0000"/>
+            </a:solidFill>
+          </a:ln>
+        </p:spPr>
+        <p:style>
+          <a:lnRef idx="2">
+            <a:schemeClr val="accent1">
+              <a:shade val="15000"/>
+            </a:schemeClr>
+          </a:lnRef>
+          <a:fillRef idx="1">
+            <a:schemeClr val="accent1"/>
+          </a:fillRef>
+          <a:effectRef idx="0">
+            <a:schemeClr val="accent1"/>
+          </a:effectRef>
+          <a:fontRef idx="minor">
+            <a:schemeClr val="lt1"/>
+          </a:fontRef>
+        </p:style>
+        <p:txBody>
+          <a:bodyPr rtlCol="0" anchor="ctr"/>
+          <a:lstStyle/>
+          <a:p>
+            <a:pPr algn="ctr"/>
+            <a:endParaRPr lang="es-VE"/>
+          </a:p>
+        </p:txBody>
+      </p:sp>
+      <p:cxnSp>
+        <p:nvCxnSpPr>
+          <p:cNvPr id="35" name="Conector recto de flecha 34">
+            <a:extLst>
+              <a:ext uri="{FF2B5EF4-FFF2-40B4-BE49-F238E27FC236}">
+                <a16:creationId xmlns:a16="http://schemas.microsoft.com/office/drawing/2014/main" id="{B4E912AA-41D4-A160-0981-D9C3EBB05419}"/>
+              </a:ext>
+            </a:extLst>
+          </p:cNvPr>
+          <p:cNvCxnSpPr>
+            <a:stCxn id="22" idx="0"/>
+            <a:endCxn id="27" idx="4"/>
+          </p:cNvCxnSpPr>
+          <p:nvPr/>
+        </p:nvCxnSpPr>
+        <p:spPr>
+          <a:xfrm flipV="1">
+            <a:off x="4799380" y="8343108"/>
+            <a:ext cx="301883" cy="373847"/>
+          </a:xfrm>
+          <a:prstGeom prst="straightConnector1">
+            <a:avLst/>
+          </a:prstGeom>
+          <a:ln>
+            <a:solidFill>
+              <a:srgbClr val="FF0000"/>
+            </a:solidFill>
+            <a:tailEnd type="triangle"/>
+          </a:ln>
+        </p:spPr>
+        <p:style>
+          <a:lnRef idx="1">
+            <a:schemeClr val="accent1"/>
+          </a:lnRef>
+          <a:fillRef idx="0">
+            <a:schemeClr val="accent1"/>
+          </a:fillRef>
+          <a:effectRef idx="0">
+            <a:schemeClr val="accent1"/>
+          </a:effectRef>
+          <a:fontRef idx="minor">
+            <a:schemeClr val="tx1"/>
+          </a:fontRef>
+        </p:style>
+      </p:cxnSp>
+      <p:sp>
+        <p:nvSpPr>
+          <p:cNvPr id="36" name="Rectángulo: esquinas redondeadas 35">
+            <a:extLst>
+              <a:ext uri="{FF2B5EF4-FFF2-40B4-BE49-F238E27FC236}">
+                <a16:creationId xmlns:a16="http://schemas.microsoft.com/office/drawing/2014/main" id="{7E8E4C74-AD0C-09B4-31A9-43FF967273D2}"/>
+              </a:ext>
+            </a:extLst>
+          </p:cNvPr>
+          <p:cNvSpPr/>
+          <p:nvPr/>
+        </p:nvSpPr>
+        <p:spPr>
+          <a:xfrm>
+            <a:off x="3791809" y="5208054"/>
+            <a:ext cx="3220859" cy="713543"/>
+          </a:xfrm>
+          <a:prstGeom prst="roundRect">
+            <a:avLst/>
+          </a:prstGeom>
+          <a:noFill/>
+          <a:ln>
+            <a:solidFill>
+              <a:srgbClr val="FF0000"/>
+            </a:solidFill>
+          </a:ln>
+        </p:spPr>
+        <p:style>
+          <a:lnRef idx="2">
+            <a:schemeClr val="accent1">
+              <a:shade val="15000"/>
+            </a:schemeClr>
+          </a:lnRef>
+          <a:fillRef idx="1">
+            <a:schemeClr val="accent1"/>
+          </a:fillRef>
+          <a:effectRef idx="0">
+            <a:schemeClr val="accent1"/>
+          </a:effectRef>
+          <a:fontRef idx="minor">
+            <a:schemeClr val="lt1"/>
+          </a:fontRef>
+        </p:style>
+        <p:txBody>
+          <a:bodyPr rtlCol="0" anchor="ctr"/>
+          <a:lstStyle/>
+          <a:p>
+            <a:pPr algn="just"/>
+            <a:r>
+              <a:rPr lang="es-VE" sz="1400" dirty="0">
+                <a:solidFill>
+                  <a:schemeClr val="tx1"/>
+                </a:solidFill>
+              </a:rPr>
               <a:t>Archivos log .</a:t>
             </a:r>
             <a:r>
@@ -8436,7 +12339,7 @@
                   <a:schemeClr val="tx1"/>
                 </a:solidFill>
               </a:rPr>
-              <a:t> . Los archivos log se pueden descargar según dada una fecha o no.</a:t>
+              <a:t> . Los archivos log se pueden descargar según sea seleccionada una fecha o no.</a:t>
             </a:r>
           </a:p>
         </p:txBody>
@@ -8552,7 +12455,7 @@
 </p:sld>
 </file>
 
-<file path=ppt/slides/slide13.xml><?xml version="1.0" encoding="utf-8"?>
+<file path=ppt/slides/slide17.xml><?xml version="1.0" encoding="utf-8"?>
 <p:sld xmlns:a="http://schemas.openxmlformats.org/drawingml/2006/main" xmlns:r="http://schemas.openxmlformats.org/officeDocument/2006/relationships" xmlns:p="http://schemas.openxmlformats.org/presentationml/2006/main">
   <p:cSld>
     <p:bg>
@@ -9555,7 +13458,7 @@
           <a:noFill/>
           <a:ln>
             <a:solidFill>
-              <a:srgbClr val="FFC000"/>
+              <a:srgbClr val="C00000"/>
             </a:solidFill>
           </a:ln>
         </p:spPr>
@@ -9726,7 +13629,7 @@
 </p:sld>
 </file>
 
-<file path=ppt/slides/slide14.xml><?xml version="1.0" encoding="utf-8"?>
+<file path=ppt/slides/slide18.xml><?xml version="1.0" encoding="utf-8"?>
 <p:sld xmlns:a="http://schemas.openxmlformats.org/drawingml/2006/main" xmlns:r="http://schemas.openxmlformats.org/officeDocument/2006/relationships" xmlns:p="http://schemas.openxmlformats.org/presentationml/2006/main">
   <p:cSld>
     <p:bg>
@@ -10120,7 +14023,7 @@
           <a:noFill/>
           <a:ln>
             <a:solidFill>
-              <a:srgbClr val="FFC000"/>
+              <a:srgbClr val="C00000"/>
             </a:solidFill>
           </a:ln>
         </p:spPr>
@@ -13371,7 +17274,7 @@
           <a:p>
             <a:r>
               <a:rPr lang="es-VE" sz="1400" dirty="0"/>
-              <a:t>	3.2.1    Cámara   ………………………………………………………………………………………..</a:t>
+              <a:t>	3.2.2    Cámara   ………………………………………………………………………………………..</a:t>
             </a:r>
           </a:p>
           <a:p>
@@ -13389,55 +17292,55 @@
           <a:p>
             <a:r>
               <a:rPr lang="es-VE" sz="1400" dirty="0"/>
-              <a:t>          3.3    Cámara en Stock   ………………………………………………………………………………………..</a:t>
+              <a:t>          	3.2.5   Cámara en Stock   …………………………………………………………………………..</a:t>
             </a:r>
           </a:p>
           <a:p>
             <a:r>
               <a:rPr lang="es-VE" sz="1400" dirty="0"/>
-              <a:t>          3.4    Control de Atención   …………………………………………………………………………………..</a:t>
+              <a:t>          3.3    Control de Atención   …………………………………………………………………………………..</a:t>
             </a:r>
           </a:p>
           <a:p>
             <a:r>
               <a:rPr lang="es-VE" sz="1400" dirty="0"/>
-              <a:t>          3.5    Historial Eliminados  ……………………………………………………………………………………</a:t>
+              <a:t>          3.4    Historial Eliminados  ……………………………………………………………………………………</a:t>
             </a:r>
           </a:p>
           <a:p>
             <a:r>
               <a:rPr lang="es-VE" sz="1400" dirty="0"/>
-              <a:t>          3.6    Reporte   ……………………………………………………………………………………………………..</a:t>
+              <a:t>          3.5    Reporte   ……………………………………………………………………………………………………..</a:t>
             </a:r>
           </a:p>
           <a:p>
             <a:r>
               <a:rPr lang="es-VE" sz="1400" dirty="0"/>
-              <a:t>          3.7    Configuración   ……………………………………………………………………………………………. </a:t>
+              <a:t>          3.6    Configuración   ……………………………………………………………………………………………. </a:t>
             </a:r>
           </a:p>
           <a:p>
             <a:r>
               <a:rPr lang="es-VE" sz="1400" dirty="0"/>
-              <a:t>                       3.7.1    Perfil   …………………………………………………………………………………………… 	</a:t>
+              <a:t>                       3.6.1    Perfil   …………………………………………………………………………………………… 	</a:t>
             </a:r>
           </a:p>
           <a:p>
             <a:r>
               <a:rPr lang="es-VE" sz="1400" dirty="0"/>
-              <a:t>                       3.7.2    Usuarios   ……………………………………………………………………………………..</a:t>
+              <a:t>                       3.6.2    Usuarios   ……………………………………………………………………………………..</a:t>
             </a:r>
           </a:p>
           <a:p>
             <a:r>
               <a:rPr lang="es-VE" sz="1400" dirty="0"/>
-              <a:t>                       3.7.3    Manual de Usuario   ……………………………………………………………………..</a:t>
+              <a:t>                       3.6.3    Manual de Usuario   ……………………………………………………………………..</a:t>
             </a:r>
           </a:p>
           <a:p>
             <a:r>
               <a:rPr lang="es-VE" sz="1400" dirty="0"/>
-              <a:t>                       3.7.4    Manual de Desarrollador   …………………………………………………………….</a:t>
+              <a:t>                       3.6.4    Manual de Desarrollador   …………………………………………………………….</a:t>
             </a:r>
           </a:p>
           <a:p>
@@ -14823,12 +18726,17 @@
         </p:blipFill>
         <p:spPr>
           <a:xfrm>
-            <a:off x="196850" y="6156819"/>
-            <a:ext cx="1917562" cy="2068187"/>
+            <a:off x="2301041" y="6049242"/>
+            <a:ext cx="2486583" cy="2681905"/>
           </a:xfrm>
           <a:prstGeom prst="rect">
             <a:avLst/>
           </a:prstGeom>
+          <a:ln>
+            <a:solidFill>
+              <a:schemeClr val="tx1"/>
+            </a:solidFill>
+          </a:ln>
         </p:spPr>
       </p:pic>
       <p:sp>
@@ -14845,13 +18753,15 @@
         </p:nvSpPr>
         <p:spPr>
           <a:xfrm>
-            <a:off x="2348067" y="6265737"/>
-            <a:ext cx="4921250" cy="738664"/>
+            <a:off x="1337931" y="8900289"/>
+            <a:ext cx="4878121" cy="954107"/>
           </a:xfrm>
           <a:prstGeom prst="rect">
             <a:avLst/>
           </a:prstGeom>
-          <a:noFill/>
+          <a:solidFill>
+            <a:srgbClr val="FFC000"/>
+          </a:solidFill>
         </p:spPr>
         <p:txBody>
           <a:bodyPr wrap="square" rtlCol="0">
@@ -14885,99 +18795,7 @@
             </a:r>
             <a:r>
               <a:rPr lang="es-ES" sz="1400" dirty="0"/>
-              <a:t> ingrese al sistema con su usuario y contraseña. </a:t>
-            </a:r>
-            <a:endParaRPr lang="es-VE" sz="1400" dirty="0"/>
-          </a:p>
-        </p:txBody>
-      </p:sp>
-      <p:pic>
-        <p:nvPicPr>
-          <p:cNvPr id="31" name="Imagen 30">
-            <a:extLst>
-              <a:ext uri="{FF2B5EF4-FFF2-40B4-BE49-F238E27FC236}">
-                <a16:creationId xmlns:a16="http://schemas.microsoft.com/office/drawing/2014/main" id="{90976E7B-4714-F114-3BB5-2C8020DBD917}"/>
-              </a:ext>
-            </a:extLst>
-          </p:cNvPr>
-          <p:cNvPicPr>
-            <a:picLocks noChangeAspect="1"/>
-          </p:cNvPicPr>
-          <p:nvPr/>
-        </p:nvPicPr>
-        <p:blipFill>
-          <a:blip r:embed="rId5"/>
-          <a:stretch>
-            <a:fillRect/>
-          </a:stretch>
-        </p:blipFill>
-        <p:spPr>
-          <a:xfrm>
-            <a:off x="1149274" y="8928636"/>
-            <a:ext cx="1648055" cy="457264"/>
-          </a:xfrm>
-          <a:prstGeom prst="rect">
-            <a:avLst/>
-          </a:prstGeom>
-        </p:spPr>
-      </p:pic>
-      <p:sp>
-        <p:nvSpPr>
-          <p:cNvPr id="32" name="CuadroTexto 31">
-            <a:extLst>
-              <a:ext uri="{FF2B5EF4-FFF2-40B4-BE49-F238E27FC236}">
-                <a16:creationId xmlns:a16="http://schemas.microsoft.com/office/drawing/2014/main" id="{4D5859F3-FF6C-7182-0A14-91720D307F44}"/>
-              </a:ext>
-            </a:extLst>
-          </p:cNvPr>
-          <p:cNvSpPr txBox="1"/>
-          <p:nvPr/>
-        </p:nvSpPr>
-        <p:spPr>
-          <a:xfrm>
-            <a:off x="2986793" y="8873739"/>
-            <a:ext cx="3983686" cy="738664"/>
-          </a:xfrm>
-          <a:prstGeom prst="rect">
-            <a:avLst/>
-          </a:prstGeom>
-          <a:solidFill>
-            <a:srgbClr val="FFC000"/>
-          </a:solidFill>
-          <a:ln>
-            <a:noFill/>
-          </a:ln>
-        </p:spPr>
-        <p:txBody>
-          <a:bodyPr wrap="square" rtlCol="0">
-            <a:spAutoFit/>
-          </a:bodyPr>
-          <a:lstStyle/>
-          <a:p>
-            <a:pPr algn="just"/>
-            <a:r>
-              <a:rPr lang="es-ES" sz="1400" b="1" dirty="0"/>
-              <a:t> Inicio. </a:t>
-            </a:r>
-            <a:r>
-              <a:rPr lang="es-ES" sz="1400" dirty="0"/>
-              <a:t>Permite al usuario visualizar el monitoreo en  tiempo real de </a:t>
-            </a:r>
-            <a:r>
-              <a:rPr lang="es-ES" sz="1400" dirty="0" err="1"/>
-              <a:t>Nvr</a:t>
-            </a:r>
-            <a:r>
-              <a:rPr lang="es-ES" sz="1400" dirty="0"/>
-              <a:t> y Cámaras. Sólo se muestran los equipos son estatus offline y </a:t>
-            </a:r>
-            <a:r>
-              <a:rPr lang="es-ES" sz="1400" dirty="0" err="1"/>
-              <a:t>conecting</a:t>
-            </a:r>
-            <a:r>
-              <a:rPr lang="es-ES" sz="1400" dirty="0"/>
-              <a:t>.  </a:t>
+              <a:t> ingrese usuario y contraseña en los campos correspondientes y posterior a eso presione ingresar. </a:t>
             </a:r>
             <a:endParaRPr lang="es-VE" sz="1400" dirty="0"/>
           </a:p>
@@ -15290,12 +19108,407 @@
           </a:p>
         </p:txBody>
       </p:sp>
+      <p:sp>
+        <p:nvSpPr>
+          <p:cNvPr id="29" name="CuadroTexto 28">
+            <a:extLst>
+              <a:ext uri="{FF2B5EF4-FFF2-40B4-BE49-F238E27FC236}">
+                <a16:creationId xmlns:a16="http://schemas.microsoft.com/office/drawing/2014/main" id="{3A4CF324-2B4E-3B29-7054-2419ABAA41DF}"/>
+              </a:ext>
+            </a:extLst>
+          </p:cNvPr>
+          <p:cNvSpPr txBox="1"/>
+          <p:nvPr/>
+        </p:nvSpPr>
+        <p:spPr>
+          <a:xfrm>
+            <a:off x="42301" y="2366027"/>
+            <a:ext cx="1752233" cy="677108"/>
+          </a:xfrm>
+          <a:prstGeom prst="rect">
+            <a:avLst/>
+          </a:prstGeom>
+          <a:noFill/>
+          <a:ln>
+            <a:solidFill>
+              <a:srgbClr val="FFC000"/>
+            </a:solidFill>
+          </a:ln>
+        </p:spPr>
+        <p:txBody>
+          <a:bodyPr wrap="square" rtlCol="0">
+            <a:spAutoFit/>
+          </a:bodyPr>
+          <a:lstStyle/>
+          <a:p>
+            <a:pPr algn="just"/>
+            <a:r>
+              <a:rPr lang="es-VE" sz="1400" b="1" dirty="0"/>
+              <a:t>Equipos.  </a:t>
+            </a:r>
+            <a:r>
+              <a:rPr lang="es-VE" sz="1200" dirty="0"/>
+              <a:t>Hace que se despliegue la lista de equipos.</a:t>
+            </a:r>
+          </a:p>
+        </p:txBody>
+      </p:sp>
+      <p:sp>
+        <p:nvSpPr>
+          <p:cNvPr id="34" name="CuadroTexto 33">
+            <a:extLst>
+              <a:ext uri="{FF2B5EF4-FFF2-40B4-BE49-F238E27FC236}">
+                <a16:creationId xmlns:a16="http://schemas.microsoft.com/office/drawing/2014/main" id="{A787A77B-A1A1-4E9F-2B71-629014E7F5AB}"/>
+              </a:ext>
+            </a:extLst>
+          </p:cNvPr>
+          <p:cNvSpPr txBox="1"/>
+          <p:nvPr/>
+        </p:nvSpPr>
+        <p:spPr>
+          <a:xfrm>
+            <a:off x="5445588" y="2995321"/>
+            <a:ext cx="1800547" cy="677108"/>
+          </a:xfrm>
+          <a:prstGeom prst="rect">
+            <a:avLst/>
+          </a:prstGeom>
+          <a:noFill/>
+          <a:ln>
+            <a:solidFill>
+              <a:srgbClr val="FFC000"/>
+            </a:solidFill>
+          </a:ln>
+        </p:spPr>
+        <p:txBody>
+          <a:bodyPr wrap="square" rtlCol="0">
+            <a:spAutoFit/>
+          </a:bodyPr>
+          <a:lstStyle/>
+          <a:p>
+            <a:pPr algn="just"/>
+            <a:r>
+              <a:rPr lang="es-VE" sz="1400" b="1" dirty="0" err="1"/>
+              <a:t>Nvr</a:t>
+            </a:r>
+            <a:r>
+              <a:rPr lang="es-VE" sz="1400" b="1" dirty="0"/>
+              <a:t>.  </a:t>
+            </a:r>
+            <a:r>
+              <a:rPr lang="es-VE" sz="1200" dirty="0"/>
+              <a:t>Permite al usuario visualizar el listado de </a:t>
+            </a:r>
+            <a:r>
+              <a:rPr lang="es-VE" sz="1200" dirty="0" err="1"/>
+              <a:t>Nvr</a:t>
+            </a:r>
+            <a:r>
+              <a:rPr lang="es-VE" sz="1200" dirty="0"/>
+              <a:t> registrados en el sistema. </a:t>
+            </a:r>
+          </a:p>
+        </p:txBody>
+      </p:sp>
+      <p:sp>
+        <p:nvSpPr>
+          <p:cNvPr id="37" name="CuadroTexto 36">
+            <a:extLst>
+              <a:ext uri="{FF2B5EF4-FFF2-40B4-BE49-F238E27FC236}">
+                <a16:creationId xmlns:a16="http://schemas.microsoft.com/office/drawing/2014/main" id="{ECE9DC8A-A3F4-9C1F-F9DB-F32C80ABF2D1}"/>
+              </a:ext>
+            </a:extLst>
+          </p:cNvPr>
+          <p:cNvSpPr txBox="1"/>
+          <p:nvPr/>
+        </p:nvSpPr>
+        <p:spPr>
+          <a:xfrm>
+            <a:off x="144439" y="3383611"/>
+            <a:ext cx="1500211" cy="1046440"/>
+          </a:xfrm>
+          <a:prstGeom prst="rect">
+            <a:avLst/>
+          </a:prstGeom>
+          <a:noFill/>
+          <a:ln>
+            <a:solidFill>
+              <a:srgbClr val="FF0000"/>
+            </a:solidFill>
+          </a:ln>
+        </p:spPr>
+        <p:txBody>
+          <a:bodyPr wrap="square" rtlCol="0">
+            <a:spAutoFit/>
+          </a:bodyPr>
+          <a:lstStyle/>
+          <a:p>
+            <a:pPr algn="just"/>
+            <a:r>
+              <a:rPr lang="es-VE" sz="1400" b="1" dirty="0"/>
+              <a:t>Cámara.  </a:t>
+            </a:r>
+            <a:r>
+              <a:rPr lang="es-VE" sz="1200" dirty="0"/>
+              <a:t>Permite al usuario visualizar el listado de Cámaras registrados en el sistema. </a:t>
+            </a:r>
+          </a:p>
+        </p:txBody>
+      </p:sp>
+      <p:sp>
+        <p:nvSpPr>
+          <p:cNvPr id="58" name="CuadroTexto 57">
+            <a:extLst>
+              <a:ext uri="{FF2B5EF4-FFF2-40B4-BE49-F238E27FC236}">
+                <a16:creationId xmlns:a16="http://schemas.microsoft.com/office/drawing/2014/main" id="{A03A3D29-3A47-6EDD-FF2B-3E62B38F3567}"/>
+              </a:ext>
+            </a:extLst>
+          </p:cNvPr>
+          <p:cNvSpPr txBox="1"/>
+          <p:nvPr/>
+        </p:nvSpPr>
+        <p:spPr>
+          <a:xfrm>
+            <a:off x="5364084" y="3890906"/>
+            <a:ext cx="2118731" cy="677108"/>
+          </a:xfrm>
+          <a:prstGeom prst="rect">
+            <a:avLst/>
+          </a:prstGeom>
+          <a:noFill/>
+          <a:ln>
+            <a:solidFill>
+              <a:srgbClr val="FF0000"/>
+            </a:solidFill>
+          </a:ln>
+        </p:spPr>
+        <p:txBody>
+          <a:bodyPr wrap="square" rtlCol="0">
+            <a:spAutoFit/>
+          </a:bodyPr>
+          <a:lstStyle/>
+          <a:p>
+            <a:pPr algn="just"/>
+            <a:r>
+              <a:rPr lang="es-VE" sz="1400" b="1" dirty="0"/>
+              <a:t>Enlace.  </a:t>
+            </a:r>
+            <a:r>
+              <a:rPr lang="es-VE" sz="1200" dirty="0"/>
+              <a:t>Permite al usuario visualizar el listados de Enlaces registrados en el sistema. </a:t>
+            </a:r>
+          </a:p>
+        </p:txBody>
+      </p:sp>
+      <p:sp>
+        <p:nvSpPr>
+          <p:cNvPr id="59" name="CuadroTexto 58">
+            <a:extLst>
+              <a:ext uri="{FF2B5EF4-FFF2-40B4-BE49-F238E27FC236}">
+                <a16:creationId xmlns:a16="http://schemas.microsoft.com/office/drawing/2014/main" id="{AB148F90-889C-47DC-FA6E-DA0C3E5C8675}"/>
+              </a:ext>
+            </a:extLst>
+          </p:cNvPr>
+          <p:cNvSpPr txBox="1"/>
+          <p:nvPr/>
+        </p:nvSpPr>
+        <p:spPr>
+          <a:xfrm>
+            <a:off x="100210" y="4697302"/>
+            <a:ext cx="2045461" cy="677108"/>
+          </a:xfrm>
+          <a:prstGeom prst="rect">
+            <a:avLst/>
+          </a:prstGeom>
+          <a:noFill/>
+          <a:ln>
+            <a:solidFill>
+              <a:srgbClr val="FFC000"/>
+            </a:solidFill>
+          </a:ln>
+        </p:spPr>
+        <p:txBody>
+          <a:bodyPr wrap="square" rtlCol="0">
+            <a:spAutoFit/>
+          </a:bodyPr>
+          <a:lstStyle/>
+          <a:p>
+            <a:r>
+              <a:rPr lang="es-VE" sz="1400" b="1" dirty="0"/>
+              <a:t>Switch.  </a:t>
+            </a:r>
+            <a:r>
+              <a:rPr lang="es-VE" sz="1200" dirty="0"/>
+              <a:t>Permite al usuario visualizar el listado de Switch registrados en el sistema. </a:t>
+            </a:r>
+          </a:p>
+        </p:txBody>
+      </p:sp>
+      <p:sp>
+        <p:nvSpPr>
+          <p:cNvPr id="60" name="CuadroTexto 59">
+            <a:extLst>
+              <a:ext uri="{FF2B5EF4-FFF2-40B4-BE49-F238E27FC236}">
+                <a16:creationId xmlns:a16="http://schemas.microsoft.com/office/drawing/2014/main" id="{ACCD00DB-B731-45D8-9D12-2E006660725B}"/>
+              </a:ext>
+            </a:extLst>
+          </p:cNvPr>
+          <p:cNvSpPr txBox="1"/>
+          <p:nvPr/>
+        </p:nvSpPr>
+        <p:spPr>
+          <a:xfrm>
+            <a:off x="5301883" y="4892565"/>
+            <a:ext cx="2024782" cy="861774"/>
+          </a:xfrm>
+          <a:prstGeom prst="rect">
+            <a:avLst/>
+          </a:prstGeom>
+          <a:noFill/>
+          <a:ln>
+            <a:solidFill>
+              <a:srgbClr val="FFC000"/>
+            </a:solidFill>
+          </a:ln>
+        </p:spPr>
+        <p:txBody>
+          <a:bodyPr wrap="square" rtlCol="0">
+            <a:spAutoFit/>
+          </a:bodyPr>
+          <a:lstStyle/>
+          <a:p>
+            <a:pPr algn="just"/>
+            <a:r>
+              <a:rPr lang="es-VE" sz="1400" b="1" dirty="0"/>
+              <a:t>Cámara en Stock.  </a:t>
+            </a:r>
+            <a:r>
+              <a:rPr lang="es-VE" sz="1200" dirty="0"/>
+              <a:t>Permite al usuario visualizar el listado de cámaras en stock registrados en el sistema. </a:t>
+            </a:r>
+          </a:p>
+        </p:txBody>
+      </p:sp>
+      <p:sp>
+        <p:nvSpPr>
+          <p:cNvPr id="63" name="CuadroTexto 62">
+            <a:extLst>
+              <a:ext uri="{FF2B5EF4-FFF2-40B4-BE49-F238E27FC236}">
+                <a16:creationId xmlns:a16="http://schemas.microsoft.com/office/drawing/2014/main" id="{302FF157-5D5B-F5D8-1DF4-E16B4BBDC06D}"/>
+              </a:ext>
+            </a:extLst>
+          </p:cNvPr>
+          <p:cNvSpPr txBox="1"/>
+          <p:nvPr/>
+        </p:nvSpPr>
+        <p:spPr>
+          <a:xfrm>
+            <a:off x="169838" y="5892993"/>
+            <a:ext cx="2045462" cy="1231106"/>
+          </a:xfrm>
+          <a:prstGeom prst="rect">
+            <a:avLst/>
+          </a:prstGeom>
+          <a:noFill/>
+          <a:ln>
+            <a:solidFill>
+              <a:srgbClr val="FF0000"/>
+            </a:solidFill>
+          </a:ln>
+        </p:spPr>
+        <p:txBody>
+          <a:bodyPr wrap="square" rtlCol="0">
+            <a:spAutoFit/>
+          </a:bodyPr>
+          <a:lstStyle/>
+          <a:p>
+            <a:pPr algn="just"/>
+            <a:r>
+              <a:rPr lang="es-VE" sz="1400" b="1" dirty="0"/>
+              <a:t>Condición de Atención.  </a:t>
+            </a:r>
+            <a:r>
+              <a:rPr lang="es-VE" sz="1200" dirty="0"/>
+              <a:t>Permite al usuario visualizar el listado de Condiciones de atención sin finalizar registradas</a:t>
+            </a:r>
+          </a:p>
+          <a:p>
+            <a:pPr algn="just"/>
+            <a:r>
+              <a:rPr lang="es-VE" sz="1200" dirty="0"/>
+              <a:t>en el sistema. </a:t>
+            </a:r>
+          </a:p>
+        </p:txBody>
+      </p:sp>
+      <p:sp>
+        <p:nvSpPr>
+          <p:cNvPr id="32" name="CuadroTexto 31">
+            <a:extLst>
+              <a:ext uri="{FF2B5EF4-FFF2-40B4-BE49-F238E27FC236}">
+                <a16:creationId xmlns:a16="http://schemas.microsoft.com/office/drawing/2014/main" id="{4D5859F3-FF6C-7182-0A14-91720D307F44}"/>
+              </a:ext>
+            </a:extLst>
+          </p:cNvPr>
+          <p:cNvSpPr txBox="1"/>
+          <p:nvPr/>
+        </p:nvSpPr>
+        <p:spPr>
+          <a:xfrm>
+            <a:off x="5327032" y="1473475"/>
+            <a:ext cx="2082513" cy="1231106"/>
+          </a:xfrm>
+          <a:prstGeom prst="rect">
+            <a:avLst/>
+          </a:prstGeom>
+          <a:noFill/>
+          <a:ln>
+            <a:solidFill>
+              <a:srgbClr val="C00000"/>
+            </a:solidFill>
+          </a:ln>
+        </p:spPr>
+        <p:txBody>
+          <a:bodyPr wrap="square" rtlCol="0">
+            <a:spAutoFit/>
+          </a:bodyPr>
+          <a:lstStyle/>
+          <a:p>
+            <a:pPr algn="just"/>
+            <a:r>
+              <a:rPr lang="es-ES" sz="1400" b="1" dirty="0"/>
+              <a:t> Inicio. </a:t>
+            </a:r>
+            <a:r>
+              <a:rPr lang="es-ES" sz="1200" dirty="0"/>
+              <a:t>Permite al usuario visualizar el monitoreo en  tiempo real de </a:t>
+            </a:r>
+            <a:r>
+              <a:rPr lang="es-ES" sz="1200" dirty="0" err="1"/>
+              <a:t>Nvr</a:t>
+            </a:r>
+            <a:r>
+              <a:rPr lang="es-ES" sz="1200" dirty="0"/>
+              <a:t> y Cámaras. Sólo se muestran los equipos con estatus offline y </a:t>
+            </a:r>
+            <a:r>
+              <a:rPr lang="es-ES" sz="1200" dirty="0" err="1"/>
+              <a:t>conecting</a:t>
+            </a:r>
+            <a:r>
+              <a:rPr lang="es-ES" sz="1200" dirty="0"/>
+              <a:t>.  </a:t>
+            </a:r>
+            <a:endParaRPr lang="es-VE" sz="1200" dirty="0"/>
+          </a:p>
+        </p:txBody>
+      </p:sp>
       <p:pic>
         <p:nvPicPr>
-          <p:cNvPr id="28" name="Imagen 27">
-            <a:extLst>
-              <a:ext uri="{FF2B5EF4-FFF2-40B4-BE49-F238E27FC236}">
-                <a16:creationId xmlns:a16="http://schemas.microsoft.com/office/drawing/2014/main" id="{CED873EA-4710-276C-5EED-F7FE039DEB12}"/>
+          <p:cNvPr id="9" name="Picture 8">
+            <a:extLst>
+              <a:ext uri="{FF2B5EF4-FFF2-40B4-BE49-F238E27FC236}">
+                <a16:creationId xmlns:a16="http://schemas.microsoft.com/office/drawing/2014/main" id="{88875B32-4AA1-25A4-6378-F36034524DFF}"/>
               </a:ext>
             </a:extLst>
           </p:cNvPr>
@@ -15306,27 +19519,357 @@
         </p:nvPicPr>
         <p:blipFill>
           <a:blip r:embed="rId4"/>
-          <a:srcRect r="-6358"/>
           <a:stretch>
             <a:fillRect/>
           </a:stretch>
         </p:blipFill>
         <p:spPr>
           <a:xfrm>
-            <a:off x="396256" y="1988342"/>
-            <a:ext cx="1752845" cy="466790"/>
+            <a:off x="2593632" y="1544103"/>
+            <a:ext cx="2395164" cy="5959060"/>
           </a:xfrm>
           <a:prstGeom prst="rect">
             <a:avLst/>
           </a:prstGeom>
         </p:spPr>
       </p:pic>
-      <p:sp>
-        <p:nvSpPr>
-          <p:cNvPr id="29" name="CuadroTexto 28">
-            <a:extLst>
-              <a:ext uri="{FF2B5EF4-FFF2-40B4-BE49-F238E27FC236}">
-                <a16:creationId xmlns:a16="http://schemas.microsoft.com/office/drawing/2014/main" id="{3A4CF324-2B4E-3B29-7054-2419ABAA41DF}"/>
+      <p:cxnSp>
+        <p:nvCxnSpPr>
+          <p:cNvPr id="15" name="Straight Arrow Connector 14">
+            <a:extLst>
+              <a:ext uri="{FF2B5EF4-FFF2-40B4-BE49-F238E27FC236}">
+                <a16:creationId xmlns:a16="http://schemas.microsoft.com/office/drawing/2014/main" id="{D7FAEC14-DAB8-5C7D-CCF1-5794C26AF6CD}"/>
+              </a:ext>
+            </a:extLst>
+          </p:cNvPr>
+          <p:cNvCxnSpPr>
+            <a:cxnSpLocks/>
+            <a:stCxn id="32" idx="1"/>
+          </p:cNvCxnSpPr>
+          <p:nvPr/>
+        </p:nvCxnSpPr>
+        <p:spPr>
+          <a:xfrm flipH="1">
+            <a:off x="4988796" y="2089028"/>
+            <a:ext cx="338236" cy="0"/>
+          </a:xfrm>
+          <a:prstGeom prst="straightConnector1">
+            <a:avLst/>
+          </a:prstGeom>
+          <a:ln>
+            <a:tailEnd type="triangle"/>
+          </a:ln>
+        </p:spPr>
+        <p:style>
+          <a:lnRef idx="2">
+            <a:schemeClr val="dk1"/>
+          </a:lnRef>
+          <a:fillRef idx="0">
+            <a:schemeClr val="dk1"/>
+          </a:fillRef>
+          <a:effectRef idx="1">
+            <a:schemeClr val="dk1"/>
+          </a:effectRef>
+          <a:fontRef idx="minor">
+            <a:schemeClr val="tx1"/>
+          </a:fontRef>
+        </p:style>
+      </p:cxnSp>
+      <p:cxnSp>
+        <p:nvCxnSpPr>
+          <p:cNvPr id="17" name="Straight Arrow Connector 16">
+            <a:extLst>
+              <a:ext uri="{FF2B5EF4-FFF2-40B4-BE49-F238E27FC236}">
+                <a16:creationId xmlns:a16="http://schemas.microsoft.com/office/drawing/2014/main" id="{CB6BBE10-291E-6218-2B11-5125721C5BAE}"/>
+              </a:ext>
+            </a:extLst>
+          </p:cNvPr>
+          <p:cNvCxnSpPr>
+            <a:cxnSpLocks/>
+            <a:stCxn id="29" idx="3"/>
+          </p:cNvCxnSpPr>
+          <p:nvPr/>
+        </p:nvCxnSpPr>
+        <p:spPr>
+          <a:xfrm>
+            <a:off x="1794534" y="2704581"/>
+            <a:ext cx="799098" cy="0"/>
+          </a:xfrm>
+          <a:prstGeom prst="straightConnector1">
+            <a:avLst/>
+          </a:prstGeom>
+          <a:ln>
+            <a:tailEnd type="triangle"/>
+          </a:ln>
+        </p:spPr>
+        <p:style>
+          <a:lnRef idx="2">
+            <a:schemeClr val="dk1"/>
+          </a:lnRef>
+          <a:fillRef idx="0">
+            <a:schemeClr val="dk1"/>
+          </a:fillRef>
+          <a:effectRef idx="1">
+            <a:schemeClr val="dk1"/>
+          </a:effectRef>
+          <a:fontRef idx="minor">
+            <a:schemeClr val="tx1"/>
+          </a:fontRef>
+        </p:style>
+      </p:cxnSp>
+      <p:cxnSp>
+        <p:nvCxnSpPr>
+          <p:cNvPr id="20" name="Straight Arrow Connector 19">
+            <a:extLst>
+              <a:ext uri="{FF2B5EF4-FFF2-40B4-BE49-F238E27FC236}">
+                <a16:creationId xmlns:a16="http://schemas.microsoft.com/office/drawing/2014/main" id="{DD8BC0A4-D19C-424B-E12D-CAA57DE5DD79}"/>
+              </a:ext>
+            </a:extLst>
+          </p:cNvPr>
+          <p:cNvCxnSpPr>
+            <a:cxnSpLocks/>
+          </p:cNvCxnSpPr>
+          <p:nvPr/>
+        </p:nvCxnSpPr>
+        <p:spPr>
+          <a:xfrm flipH="1">
+            <a:off x="4988796" y="3213100"/>
+            <a:ext cx="456792" cy="0"/>
+          </a:xfrm>
+          <a:prstGeom prst="straightConnector1">
+            <a:avLst/>
+          </a:prstGeom>
+          <a:ln>
+            <a:tailEnd type="triangle"/>
+          </a:ln>
+        </p:spPr>
+        <p:style>
+          <a:lnRef idx="2">
+            <a:schemeClr val="dk1"/>
+          </a:lnRef>
+          <a:fillRef idx="0">
+            <a:schemeClr val="dk1"/>
+          </a:fillRef>
+          <a:effectRef idx="1">
+            <a:schemeClr val="dk1"/>
+          </a:effectRef>
+          <a:fontRef idx="minor">
+            <a:schemeClr val="tx1"/>
+          </a:fontRef>
+        </p:style>
+      </p:cxnSp>
+      <p:cxnSp>
+        <p:nvCxnSpPr>
+          <p:cNvPr id="22" name="Straight Arrow Connector 21">
+            <a:extLst>
+              <a:ext uri="{FF2B5EF4-FFF2-40B4-BE49-F238E27FC236}">
+                <a16:creationId xmlns:a16="http://schemas.microsoft.com/office/drawing/2014/main" id="{23A2901A-419F-7348-27E8-1271C6223C28}"/>
+              </a:ext>
+            </a:extLst>
+          </p:cNvPr>
+          <p:cNvCxnSpPr>
+            <a:cxnSpLocks/>
+          </p:cNvCxnSpPr>
+          <p:nvPr/>
+        </p:nvCxnSpPr>
+        <p:spPr>
+          <a:xfrm>
+            <a:off x="1644650" y="3594100"/>
+            <a:ext cx="948982" cy="0"/>
+          </a:xfrm>
+          <a:prstGeom prst="straightConnector1">
+            <a:avLst/>
+          </a:prstGeom>
+          <a:ln>
+            <a:tailEnd type="triangle"/>
+          </a:ln>
+        </p:spPr>
+        <p:style>
+          <a:lnRef idx="2">
+            <a:schemeClr val="dk1"/>
+          </a:lnRef>
+          <a:fillRef idx="0">
+            <a:schemeClr val="dk1"/>
+          </a:fillRef>
+          <a:effectRef idx="1">
+            <a:schemeClr val="dk1"/>
+          </a:effectRef>
+          <a:fontRef idx="minor">
+            <a:schemeClr val="tx1"/>
+          </a:fontRef>
+        </p:style>
+      </p:cxnSp>
+      <p:cxnSp>
+        <p:nvCxnSpPr>
+          <p:cNvPr id="25" name="Straight Arrow Connector 24">
+            <a:extLst>
+              <a:ext uri="{FF2B5EF4-FFF2-40B4-BE49-F238E27FC236}">
+                <a16:creationId xmlns:a16="http://schemas.microsoft.com/office/drawing/2014/main" id="{5F89F53A-FF5A-1607-E500-6A1A4925755B}"/>
+              </a:ext>
+            </a:extLst>
+          </p:cNvPr>
+          <p:cNvCxnSpPr>
+            <a:cxnSpLocks/>
+          </p:cNvCxnSpPr>
+          <p:nvPr/>
+        </p:nvCxnSpPr>
+        <p:spPr>
+          <a:xfrm flipH="1">
+            <a:off x="4988796" y="4127500"/>
+            <a:ext cx="375288" cy="0"/>
+          </a:xfrm>
+          <a:prstGeom prst="straightConnector1">
+            <a:avLst/>
+          </a:prstGeom>
+          <a:ln>
+            <a:tailEnd type="triangle"/>
+          </a:ln>
+        </p:spPr>
+        <p:style>
+          <a:lnRef idx="2">
+            <a:schemeClr val="dk1"/>
+          </a:lnRef>
+          <a:fillRef idx="0">
+            <a:schemeClr val="dk1"/>
+          </a:fillRef>
+          <a:effectRef idx="1">
+            <a:schemeClr val="dk1"/>
+          </a:effectRef>
+          <a:fontRef idx="minor">
+            <a:schemeClr val="tx1"/>
+          </a:fontRef>
+        </p:style>
+      </p:cxnSp>
+      <p:cxnSp>
+        <p:nvCxnSpPr>
+          <p:cNvPr id="30" name="Straight Arrow Connector 29">
+            <a:extLst>
+              <a:ext uri="{FF2B5EF4-FFF2-40B4-BE49-F238E27FC236}">
+                <a16:creationId xmlns:a16="http://schemas.microsoft.com/office/drawing/2014/main" id="{0DA4D2D0-ED60-D920-E86F-2E14315BC11A}"/>
+              </a:ext>
+            </a:extLst>
+          </p:cNvPr>
+          <p:cNvCxnSpPr>
+            <a:cxnSpLocks/>
+            <a:stCxn id="59" idx="3"/>
+          </p:cNvCxnSpPr>
+          <p:nvPr/>
+        </p:nvCxnSpPr>
+        <p:spPr>
+          <a:xfrm flipV="1">
+            <a:off x="2145671" y="4697302"/>
+            <a:ext cx="447961" cy="338554"/>
+          </a:xfrm>
+          <a:prstGeom prst="straightConnector1">
+            <a:avLst/>
+          </a:prstGeom>
+          <a:ln>
+            <a:tailEnd type="triangle"/>
+          </a:ln>
+        </p:spPr>
+        <p:style>
+          <a:lnRef idx="2">
+            <a:schemeClr val="dk1"/>
+          </a:lnRef>
+          <a:fillRef idx="0">
+            <a:schemeClr val="dk1"/>
+          </a:fillRef>
+          <a:effectRef idx="1">
+            <a:schemeClr val="dk1"/>
+          </a:effectRef>
+          <a:fontRef idx="minor">
+            <a:schemeClr val="tx1"/>
+          </a:fontRef>
+        </p:style>
+      </p:cxnSp>
+      <p:cxnSp>
+        <p:nvCxnSpPr>
+          <p:cNvPr id="38" name="Straight Arrow Connector 37">
+            <a:extLst>
+              <a:ext uri="{FF2B5EF4-FFF2-40B4-BE49-F238E27FC236}">
+                <a16:creationId xmlns:a16="http://schemas.microsoft.com/office/drawing/2014/main" id="{25970A60-80A8-85D7-80A2-D493B65F4A34}"/>
+              </a:ext>
+            </a:extLst>
+          </p:cNvPr>
+          <p:cNvCxnSpPr>
+            <a:cxnSpLocks/>
+          </p:cNvCxnSpPr>
+          <p:nvPr/>
+        </p:nvCxnSpPr>
+        <p:spPr>
+          <a:xfrm flipH="1">
+            <a:off x="4988796" y="5087735"/>
+            <a:ext cx="313087" cy="0"/>
+          </a:xfrm>
+          <a:prstGeom prst="straightConnector1">
+            <a:avLst/>
+          </a:prstGeom>
+          <a:ln>
+            <a:tailEnd type="triangle"/>
+          </a:ln>
+        </p:spPr>
+        <p:style>
+          <a:lnRef idx="2">
+            <a:schemeClr val="dk1"/>
+          </a:lnRef>
+          <a:fillRef idx="0">
+            <a:schemeClr val="dk1"/>
+          </a:fillRef>
+          <a:effectRef idx="1">
+            <a:schemeClr val="dk1"/>
+          </a:effectRef>
+          <a:fontRef idx="minor">
+            <a:schemeClr val="tx1"/>
+          </a:fontRef>
+        </p:style>
+      </p:cxnSp>
+      <p:cxnSp>
+        <p:nvCxnSpPr>
+          <p:cNvPr id="46" name="Straight Arrow Connector 45">
+            <a:extLst>
+              <a:ext uri="{FF2B5EF4-FFF2-40B4-BE49-F238E27FC236}">
+                <a16:creationId xmlns:a16="http://schemas.microsoft.com/office/drawing/2014/main" id="{CE836520-4626-A2F1-9486-64AB28020A77}"/>
+              </a:ext>
+            </a:extLst>
+          </p:cNvPr>
+          <p:cNvCxnSpPr>
+            <a:cxnSpLocks/>
+          </p:cNvCxnSpPr>
+          <p:nvPr/>
+        </p:nvCxnSpPr>
+        <p:spPr>
+          <a:xfrm flipV="1">
+            <a:off x="2218080" y="5892993"/>
+            <a:ext cx="375552" cy="233220"/>
+          </a:xfrm>
+          <a:prstGeom prst="straightConnector1">
+            <a:avLst/>
+          </a:prstGeom>
+          <a:ln>
+            <a:tailEnd type="triangle"/>
+          </a:ln>
+        </p:spPr>
+        <p:style>
+          <a:lnRef idx="2">
+            <a:schemeClr val="dk1"/>
+          </a:lnRef>
+          <a:fillRef idx="0">
+            <a:schemeClr val="dk1"/>
+          </a:fillRef>
+          <a:effectRef idx="1">
+            <a:schemeClr val="dk1"/>
+          </a:effectRef>
+          <a:fontRef idx="minor">
+            <a:schemeClr val="tx1"/>
+          </a:fontRef>
+        </p:style>
+      </p:cxnSp>
+      <p:sp>
+        <p:nvSpPr>
+          <p:cNvPr id="50" name="CuadroTexto 19">
+            <a:extLst>
+              <a:ext uri="{FF2B5EF4-FFF2-40B4-BE49-F238E27FC236}">
+                <a16:creationId xmlns:a16="http://schemas.microsoft.com/office/drawing/2014/main" id="{622CCE2B-7253-6ED9-45DA-8347F2B6D865}"/>
               </a:ext>
             </a:extLst>
           </p:cNvPr>
@@ -15335,84 +19878,18 @@
         </p:nvSpPr>
         <p:spPr>
           <a:xfrm>
-            <a:off x="395718" y="1486396"/>
-            <a:ext cx="4015908" cy="307777"/>
+            <a:off x="5429329" y="6169285"/>
+            <a:ext cx="1833064" cy="861774"/>
           </a:xfrm>
           <a:prstGeom prst="rect">
             <a:avLst/>
           </a:prstGeom>
           <a:noFill/>
-        </p:spPr>
-        <p:txBody>
-          <a:bodyPr wrap="none" rtlCol="0">
-            <a:spAutoFit/>
-          </a:bodyPr>
-          <a:lstStyle/>
-          <a:p>
-            <a:r>
-              <a:rPr lang="es-VE" sz="1400" b="1" dirty="0"/>
-              <a:t>Equipos.  </a:t>
-            </a:r>
-            <a:r>
-              <a:rPr lang="es-VE" sz="1400" dirty="0"/>
-              <a:t>Hace que se despliegue la lista de equipos.</a:t>
-            </a:r>
-          </a:p>
-        </p:txBody>
-      </p:sp>
-      <p:pic>
-        <p:nvPicPr>
-          <p:cNvPr id="33" name="Imagen 32">
-            <a:extLst>
-              <a:ext uri="{FF2B5EF4-FFF2-40B4-BE49-F238E27FC236}">
-                <a16:creationId xmlns:a16="http://schemas.microsoft.com/office/drawing/2014/main" id="{3176F17B-C67D-80E3-5BCF-E2B3EC629F40}"/>
-              </a:ext>
-            </a:extLst>
-          </p:cNvPr>
-          <p:cNvPicPr>
-            <a:picLocks noChangeAspect="1"/>
-          </p:cNvPicPr>
-          <p:nvPr/>
-        </p:nvPicPr>
-        <p:blipFill>
-          <a:blip r:embed="rId5"/>
-          <a:stretch>
-            <a:fillRect/>
-          </a:stretch>
-        </p:blipFill>
-        <p:spPr>
-          <a:xfrm>
-            <a:off x="5155945" y="3130335"/>
-            <a:ext cx="1648055" cy="409632"/>
-          </a:xfrm>
-          <a:prstGeom prst="rect">
-            <a:avLst/>
-          </a:prstGeom>
-        </p:spPr>
-      </p:pic>
-      <p:sp>
-        <p:nvSpPr>
-          <p:cNvPr id="34" name="CuadroTexto 33">
-            <a:extLst>
-              <a:ext uri="{FF2B5EF4-FFF2-40B4-BE49-F238E27FC236}">
-                <a16:creationId xmlns:a16="http://schemas.microsoft.com/office/drawing/2014/main" id="{A787A77B-A1A1-4E9F-2B71-629014E7F5AB}"/>
-              </a:ext>
-            </a:extLst>
-          </p:cNvPr>
-          <p:cNvSpPr txBox="1"/>
-          <p:nvPr/>
-        </p:nvSpPr>
-        <p:spPr>
-          <a:xfrm>
-            <a:off x="3302850" y="2490630"/>
-            <a:ext cx="3667629" cy="523220"/>
-          </a:xfrm>
-          <a:prstGeom prst="rect">
-            <a:avLst/>
-          </a:prstGeom>
-          <a:solidFill>
-            <a:srgbClr val="FFC000"/>
-          </a:solidFill>
+          <a:ln>
+            <a:solidFill>
+              <a:srgbClr val="FF0000"/>
+            </a:solidFill>
+          </a:ln>
         </p:spPr>
         <p:txBody>
           <a:bodyPr wrap="square" rtlCol="0">
@@ -15420,80 +19897,86 @@
           </a:bodyPr>
           <a:lstStyle/>
           <a:p>
-            <a:r>
-              <a:rPr lang="es-VE" sz="1400" b="1" dirty="0" err="1"/>
-              <a:t>Nvr</a:t>
-            </a:r>
+            <a:pPr algn="just"/>
             <a:r>
               <a:rPr lang="es-VE" sz="1400" b="1" dirty="0"/>
-              <a:t>.  </a:t>
-            </a:r>
-            <a:r>
-              <a:rPr lang="es-VE" sz="1400" dirty="0"/>
-              <a:t>Permite al usuario visualizar el listado de </a:t>
-            </a:r>
-            <a:r>
-              <a:rPr lang="es-VE" sz="1400" dirty="0" err="1"/>
-              <a:t>Nvr</a:t>
-            </a:r>
-            <a:r>
-              <a:rPr lang="es-VE" sz="1400" dirty="0"/>
-              <a:t> registrados en el sistema. </a:t>
-            </a:r>
-          </a:p>
-        </p:txBody>
-      </p:sp>
-      <p:pic>
-        <p:nvPicPr>
-          <p:cNvPr id="36" name="Imagen 35">
-            <a:extLst>
-              <a:ext uri="{FF2B5EF4-FFF2-40B4-BE49-F238E27FC236}">
-                <a16:creationId xmlns:a16="http://schemas.microsoft.com/office/drawing/2014/main" id="{C8C7B3E7-3CBD-59D1-4F9B-17A780301162}"/>
-              </a:ext>
-            </a:extLst>
-          </p:cNvPr>
-          <p:cNvPicPr>
-            <a:picLocks noChangeAspect="1"/>
-          </p:cNvPicPr>
-          <p:nvPr/>
-        </p:nvPicPr>
-        <p:blipFill>
-          <a:blip r:embed="rId6"/>
-          <a:stretch>
-            <a:fillRect/>
-          </a:stretch>
-        </p:blipFill>
-        <p:spPr>
-          <a:xfrm>
-            <a:off x="395717" y="4300079"/>
-            <a:ext cx="1648055" cy="409632"/>
+              <a:t>Historial Eliminados. </a:t>
+            </a:r>
+            <a:r>
+              <a:rPr lang="es-VE" sz="1200" dirty="0"/>
+              <a:t>Muestra el historial de todos los Equipos Eliminados. </a:t>
+            </a:r>
+          </a:p>
+        </p:txBody>
+      </p:sp>
+      <p:cxnSp>
+        <p:nvCxnSpPr>
+          <p:cNvPr id="65" name="Straight Arrow Connector 64">
+            <a:extLst>
+              <a:ext uri="{FF2B5EF4-FFF2-40B4-BE49-F238E27FC236}">
+                <a16:creationId xmlns:a16="http://schemas.microsoft.com/office/drawing/2014/main" id="{F795874C-99EA-3992-F8C2-884BDDD5A09D}"/>
+              </a:ext>
+            </a:extLst>
+          </p:cNvPr>
+          <p:cNvCxnSpPr>
+            <a:cxnSpLocks/>
+            <a:stCxn id="50" idx="1"/>
+          </p:cNvCxnSpPr>
+          <p:nvPr/>
+        </p:nvCxnSpPr>
+        <p:spPr>
+          <a:xfrm flipH="1">
+            <a:off x="4988796" y="6600172"/>
+            <a:ext cx="440533" cy="0"/>
+          </a:xfrm>
+          <a:prstGeom prst="straightConnector1">
+            <a:avLst/>
+          </a:prstGeom>
+          <a:ln>
+            <a:tailEnd type="triangle"/>
+          </a:ln>
+        </p:spPr>
+        <p:style>
+          <a:lnRef idx="2">
+            <a:schemeClr val="dk1"/>
+          </a:lnRef>
+          <a:fillRef idx="0">
+            <a:schemeClr val="dk1"/>
+          </a:fillRef>
+          <a:effectRef idx="1">
+            <a:schemeClr val="dk1"/>
+          </a:effectRef>
+          <a:fontRef idx="minor">
+            <a:schemeClr val="tx1"/>
+          </a:fontRef>
+        </p:style>
+      </p:cxnSp>
+      <p:sp>
+        <p:nvSpPr>
+          <p:cNvPr id="68" name="CuadroTexto 21">
+            <a:extLst>
+              <a:ext uri="{FF2B5EF4-FFF2-40B4-BE49-F238E27FC236}">
+                <a16:creationId xmlns:a16="http://schemas.microsoft.com/office/drawing/2014/main" id="{A773DCFA-2D0F-680C-06DA-60BEFF8DAA4F}"/>
+              </a:ext>
+            </a:extLst>
+          </p:cNvPr>
+          <p:cNvSpPr txBox="1"/>
+          <p:nvPr/>
+        </p:nvSpPr>
+        <p:spPr>
+          <a:xfrm>
+            <a:off x="627483" y="7690171"/>
+            <a:ext cx="1716930" cy="677108"/>
           </a:xfrm>
           <a:prstGeom prst="rect">
             <a:avLst/>
           </a:prstGeom>
-        </p:spPr>
-      </p:pic>
-      <p:sp>
-        <p:nvSpPr>
-          <p:cNvPr id="37" name="CuadroTexto 36">
-            <a:extLst>
-              <a:ext uri="{FF2B5EF4-FFF2-40B4-BE49-F238E27FC236}">
-                <a16:creationId xmlns:a16="http://schemas.microsoft.com/office/drawing/2014/main" id="{ECE9DC8A-A3F4-9C1F-F9DB-F32C80ABF2D1}"/>
-              </a:ext>
-            </a:extLst>
-          </p:cNvPr>
-          <p:cNvSpPr txBox="1"/>
-          <p:nvPr/>
-        </p:nvSpPr>
-        <p:spPr>
-          <a:xfrm>
-            <a:off x="373344" y="3612565"/>
-            <a:ext cx="4226220" cy="523220"/>
-          </a:xfrm>
-          <a:prstGeom prst="rect">
-            <a:avLst/>
-          </a:prstGeom>
           <a:noFill/>
+          <a:ln>
+            <a:solidFill>
+              <a:srgbClr val="FFC000"/>
+            </a:solidFill>
+          </a:ln>
         </p:spPr>
         <p:txBody>
           <a:bodyPr wrap="square" rtlCol="0">
@@ -15501,303 +19984,60 @@
           </a:bodyPr>
           <a:lstStyle/>
           <a:p>
+            <a:pPr algn="just"/>
             <a:r>
               <a:rPr lang="es-VE" sz="1400" b="1" dirty="0"/>
-              <a:t>Cámara.  </a:t>
-            </a:r>
-            <a:r>
-              <a:rPr lang="es-VE" sz="1400" dirty="0"/>
-              <a:t>Permite al usuario visualizar el listado de Cámaras registrados en el sistema. </a:t>
-            </a:r>
-          </a:p>
-        </p:txBody>
-      </p:sp>
-      <p:pic>
-        <p:nvPicPr>
-          <p:cNvPr id="39" name="Imagen 38">
-            <a:extLst>
-              <a:ext uri="{FF2B5EF4-FFF2-40B4-BE49-F238E27FC236}">
-                <a16:creationId xmlns:a16="http://schemas.microsoft.com/office/drawing/2014/main" id="{43A205BD-9CE8-9DD5-84E9-F6E921FB3D3B}"/>
-              </a:ext>
-            </a:extLst>
-          </p:cNvPr>
-          <p:cNvPicPr>
-            <a:picLocks noChangeAspect="1"/>
-          </p:cNvPicPr>
-          <p:nvPr/>
-        </p:nvPicPr>
-        <p:blipFill>
-          <a:blip r:embed="rId7"/>
-          <a:stretch>
-            <a:fillRect/>
-          </a:stretch>
-        </p:blipFill>
-        <p:spPr>
-          <a:xfrm>
-            <a:off x="395716" y="6822237"/>
-            <a:ext cx="1648055" cy="466790"/>
-          </a:xfrm>
-          <a:prstGeom prst="rect">
-            <a:avLst/>
-          </a:prstGeom>
-        </p:spPr>
-      </p:pic>
-      <p:pic>
-        <p:nvPicPr>
-          <p:cNvPr id="41" name="Imagen 40">
-            <a:extLst>
-              <a:ext uri="{FF2B5EF4-FFF2-40B4-BE49-F238E27FC236}">
-                <a16:creationId xmlns:a16="http://schemas.microsoft.com/office/drawing/2014/main" id="{8D25067E-3B7F-C920-01DD-5928D6A9FD1E}"/>
-              </a:ext>
-            </a:extLst>
-          </p:cNvPr>
-          <p:cNvPicPr>
-            <a:picLocks noChangeAspect="1"/>
-          </p:cNvPicPr>
-          <p:nvPr/>
-        </p:nvPicPr>
-        <p:blipFill>
-          <a:blip r:embed="rId8"/>
-          <a:stretch>
-            <a:fillRect/>
-          </a:stretch>
-        </p:blipFill>
-        <p:spPr>
-          <a:xfrm>
-            <a:off x="5155945" y="5595193"/>
-            <a:ext cx="1648055" cy="438211"/>
-          </a:xfrm>
-          <a:prstGeom prst="rect">
-            <a:avLst/>
-          </a:prstGeom>
-        </p:spPr>
-      </p:pic>
-      <p:pic>
-        <p:nvPicPr>
-          <p:cNvPr id="43" name="Imagen 42">
-            <a:extLst>
-              <a:ext uri="{FF2B5EF4-FFF2-40B4-BE49-F238E27FC236}">
-                <a16:creationId xmlns:a16="http://schemas.microsoft.com/office/drawing/2014/main" id="{B0A626D0-A6BC-3337-7AA2-E5C33E0DE024}"/>
-              </a:ext>
-            </a:extLst>
-          </p:cNvPr>
-          <p:cNvPicPr>
-            <a:picLocks noChangeAspect="1"/>
-          </p:cNvPicPr>
-          <p:nvPr/>
-        </p:nvPicPr>
-        <p:blipFill>
-          <a:blip r:embed="rId9"/>
-          <a:stretch>
-            <a:fillRect/>
-          </a:stretch>
-        </p:blipFill>
-        <p:spPr>
-          <a:xfrm>
-            <a:off x="5164775" y="7870480"/>
-            <a:ext cx="1648055" cy="504895"/>
-          </a:xfrm>
-          <a:prstGeom prst="rect">
-            <a:avLst/>
-          </a:prstGeom>
-        </p:spPr>
-      </p:pic>
-      <p:pic>
-        <p:nvPicPr>
-          <p:cNvPr id="45" name="Imagen 44">
-            <a:extLst>
-              <a:ext uri="{FF2B5EF4-FFF2-40B4-BE49-F238E27FC236}">
-                <a16:creationId xmlns:a16="http://schemas.microsoft.com/office/drawing/2014/main" id="{DEA3FB17-9595-A3F6-D8C5-8A28902A236C}"/>
-              </a:ext>
-            </a:extLst>
-          </p:cNvPr>
-          <p:cNvPicPr>
-            <a:picLocks noChangeAspect="1"/>
-          </p:cNvPicPr>
-          <p:nvPr/>
-        </p:nvPicPr>
-        <p:blipFill>
-          <a:blip r:embed="rId10"/>
-          <a:stretch>
-            <a:fillRect/>
-          </a:stretch>
-        </p:blipFill>
-        <p:spPr>
-          <a:xfrm>
-            <a:off x="397935" y="9009554"/>
-            <a:ext cx="1648055" cy="581106"/>
-          </a:xfrm>
-          <a:prstGeom prst="rect">
-            <a:avLst/>
-          </a:prstGeom>
-        </p:spPr>
-      </p:pic>
-      <p:sp>
-        <p:nvSpPr>
-          <p:cNvPr id="58" name="CuadroTexto 57">
-            <a:extLst>
-              <a:ext uri="{FF2B5EF4-FFF2-40B4-BE49-F238E27FC236}">
-                <a16:creationId xmlns:a16="http://schemas.microsoft.com/office/drawing/2014/main" id="{A03A3D29-3A47-6EDD-FF2B-3E62B38F3567}"/>
-              </a:ext>
-            </a:extLst>
-          </p:cNvPr>
-          <p:cNvSpPr txBox="1"/>
-          <p:nvPr/>
-        </p:nvSpPr>
-        <p:spPr>
-          <a:xfrm>
-            <a:off x="2948560" y="4940790"/>
-            <a:ext cx="4226220" cy="523220"/>
-          </a:xfrm>
-          <a:prstGeom prst="rect">
-            <a:avLst/>
-          </a:prstGeom>
-          <a:solidFill>
-            <a:srgbClr val="FFC000"/>
-          </a:solidFill>
-        </p:spPr>
-        <p:txBody>
-          <a:bodyPr wrap="square" rtlCol="0">
-            <a:spAutoFit/>
-          </a:bodyPr>
-          <a:lstStyle/>
-          <a:p>
-            <a:r>
-              <a:rPr lang="es-VE" sz="1400" b="1" dirty="0"/>
-              <a:t>Enlace.  </a:t>
-            </a:r>
-            <a:r>
-              <a:rPr lang="es-VE" sz="1400" dirty="0"/>
-              <a:t>Permite al usuario visualizar el listados de Enlaces registrados en el sistema. </a:t>
-            </a:r>
-          </a:p>
-        </p:txBody>
-      </p:sp>
-      <p:sp>
-        <p:nvSpPr>
-          <p:cNvPr id="59" name="CuadroTexto 58">
-            <a:extLst>
-              <a:ext uri="{FF2B5EF4-FFF2-40B4-BE49-F238E27FC236}">
-                <a16:creationId xmlns:a16="http://schemas.microsoft.com/office/drawing/2014/main" id="{AB148F90-889C-47DC-FA6E-DA0C3E5C8675}"/>
-              </a:ext>
-            </a:extLst>
-          </p:cNvPr>
-          <p:cNvSpPr txBox="1"/>
-          <p:nvPr/>
-        </p:nvSpPr>
-        <p:spPr>
-          <a:xfrm>
-            <a:off x="373344" y="6108700"/>
-            <a:ext cx="4226220" cy="523220"/>
-          </a:xfrm>
-          <a:prstGeom prst="rect">
-            <a:avLst/>
-          </a:prstGeom>
-          <a:noFill/>
-        </p:spPr>
-        <p:txBody>
-          <a:bodyPr wrap="square" rtlCol="0">
-            <a:spAutoFit/>
-          </a:bodyPr>
-          <a:lstStyle/>
-          <a:p>
-            <a:r>
-              <a:rPr lang="es-VE" sz="1400" b="1" dirty="0"/>
-              <a:t>Switch.  </a:t>
-            </a:r>
-            <a:r>
-              <a:rPr lang="es-VE" sz="1400" dirty="0"/>
-              <a:t>Permite al usuario visualizar el listado de Switch registrados en el sistema. </a:t>
-            </a:r>
-          </a:p>
-        </p:txBody>
-      </p:sp>
-      <p:sp>
-        <p:nvSpPr>
-          <p:cNvPr id="60" name="CuadroTexto 59">
-            <a:extLst>
-              <a:ext uri="{FF2B5EF4-FFF2-40B4-BE49-F238E27FC236}">
-                <a16:creationId xmlns:a16="http://schemas.microsoft.com/office/drawing/2014/main" id="{ACCD00DB-B731-45D8-9D12-2E006660725B}"/>
-              </a:ext>
-            </a:extLst>
-          </p:cNvPr>
-          <p:cNvSpPr txBox="1"/>
-          <p:nvPr/>
-        </p:nvSpPr>
-        <p:spPr>
-          <a:xfrm>
-            <a:off x="3051665" y="7168681"/>
-            <a:ext cx="4226220" cy="523220"/>
-          </a:xfrm>
-          <a:prstGeom prst="rect">
-            <a:avLst/>
-          </a:prstGeom>
-          <a:solidFill>
-            <a:srgbClr val="FFC000"/>
-          </a:solidFill>
-        </p:spPr>
-        <p:txBody>
-          <a:bodyPr wrap="square" rtlCol="0">
-            <a:spAutoFit/>
-          </a:bodyPr>
-          <a:lstStyle/>
-          <a:p>
-            <a:r>
-              <a:rPr lang="es-VE" sz="1400" b="1" dirty="0"/>
-              <a:t>Cámara en Stock.  </a:t>
-            </a:r>
-            <a:r>
-              <a:rPr lang="es-VE" sz="1400" dirty="0"/>
-              <a:t>Permite al usuario visualizar el listado de cámaras en stock registrados en el sistema. </a:t>
-            </a:r>
-          </a:p>
-        </p:txBody>
-      </p:sp>
-      <p:sp>
-        <p:nvSpPr>
-          <p:cNvPr id="63" name="CuadroTexto 62">
-            <a:extLst>
-              <a:ext uri="{FF2B5EF4-FFF2-40B4-BE49-F238E27FC236}">
-                <a16:creationId xmlns:a16="http://schemas.microsoft.com/office/drawing/2014/main" id="{302FF157-5D5B-F5D8-1DF4-E16B4BBDC06D}"/>
-              </a:ext>
-            </a:extLst>
-          </p:cNvPr>
-          <p:cNvSpPr txBox="1"/>
-          <p:nvPr/>
-        </p:nvSpPr>
-        <p:spPr>
-          <a:xfrm>
-            <a:off x="373344" y="8232340"/>
-            <a:ext cx="4395506" cy="738664"/>
-          </a:xfrm>
-          <a:prstGeom prst="rect">
-            <a:avLst/>
-          </a:prstGeom>
-          <a:noFill/>
-        </p:spPr>
-        <p:txBody>
-          <a:bodyPr wrap="square" rtlCol="0">
-            <a:spAutoFit/>
-          </a:bodyPr>
-          <a:lstStyle/>
-          <a:p>
-            <a:r>
-              <a:rPr lang="es-VE" sz="1400" b="1" dirty="0"/>
-              <a:t>Condición de Atención.  </a:t>
-            </a:r>
-            <a:r>
-              <a:rPr lang="es-VE" sz="1400" dirty="0"/>
-              <a:t>Permite al usuario visualizar el listado de Condiciones de atención sin finalizar registradas</a:t>
-            </a:r>
-          </a:p>
-          <a:p>
-            <a:r>
-              <a:rPr lang="es-VE" sz="1400" dirty="0"/>
-              <a:t>en el sistema. </a:t>
-            </a:r>
-          </a:p>
-        </p:txBody>
-      </p:sp>
+              <a:t>Reporte. </a:t>
+            </a:r>
+            <a:r>
+              <a:rPr lang="es-VE" sz="1200" dirty="0"/>
+              <a:t>Muestra el listado de archivos que se pueden exportar.</a:t>
+            </a:r>
+          </a:p>
+        </p:txBody>
+      </p:sp>
+      <p:cxnSp>
+        <p:nvCxnSpPr>
+          <p:cNvPr id="69" name="Straight Arrow Connector 68">
+            <a:extLst>
+              <a:ext uri="{FF2B5EF4-FFF2-40B4-BE49-F238E27FC236}">
+                <a16:creationId xmlns:a16="http://schemas.microsoft.com/office/drawing/2014/main" id="{9F14011F-D237-29B9-5DD4-667D8F1760DB}"/>
+              </a:ext>
+            </a:extLst>
+          </p:cNvPr>
+          <p:cNvCxnSpPr>
+            <a:cxnSpLocks/>
+            <a:stCxn id="68" idx="3"/>
+          </p:cNvCxnSpPr>
+          <p:nvPr/>
+        </p:nvCxnSpPr>
+        <p:spPr>
+          <a:xfrm flipV="1">
+            <a:off x="2344413" y="7503163"/>
+            <a:ext cx="595637" cy="525562"/>
+          </a:xfrm>
+          <a:prstGeom prst="straightConnector1">
+            <a:avLst/>
+          </a:prstGeom>
+          <a:ln>
+            <a:tailEnd type="triangle"/>
+          </a:ln>
+        </p:spPr>
+        <p:style>
+          <a:lnRef idx="2">
+            <a:schemeClr val="dk1"/>
+          </a:lnRef>
+          <a:fillRef idx="0">
+            <a:schemeClr val="dk1"/>
+          </a:fillRef>
+          <a:effectRef idx="1">
+            <a:schemeClr val="dk1"/>
+          </a:effectRef>
+          <a:fontRef idx="minor">
+            <a:schemeClr val="tx1"/>
+          </a:fontRef>
+        </p:style>
+      </p:cxnSp>
     </p:spTree>
   </p:cSld>
   <p:clrMapOvr>
@@ -16129,12 +20369,245 @@
           </a:p>
         </p:txBody>
       </p:sp>
+      <p:sp>
+        <p:nvSpPr>
+          <p:cNvPr id="23" name="CuadroTexto 22">
+            <a:extLst>
+              <a:ext uri="{FF2B5EF4-FFF2-40B4-BE49-F238E27FC236}">
+                <a16:creationId xmlns:a16="http://schemas.microsoft.com/office/drawing/2014/main" id="{D229A07D-569D-D88B-668D-689D3CECFD27}"/>
+              </a:ext>
+            </a:extLst>
+          </p:cNvPr>
+          <p:cNvSpPr txBox="1"/>
+          <p:nvPr/>
+        </p:nvSpPr>
+        <p:spPr>
+          <a:xfrm>
+            <a:off x="250809" y="1476508"/>
+            <a:ext cx="1470041" cy="861774"/>
+          </a:xfrm>
+          <a:prstGeom prst="rect">
+            <a:avLst/>
+          </a:prstGeom>
+          <a:noFill/>
+          <a:ln>
+            <a:solidFill>
+              <a:srgbClr val="FF0000"/>
+            </a:solidFill>
+          </a:ln>
+        </p:spPr>
+        <p:txBody>
+          <a:bodyPr wrap="square" rtlCol="0">
+            <a:spAutoFit/>
+          </a:bodyPr>
+          <a:lstStyle/>
+          <a:p>
+            <a:pPr algn="just"/>
+            <a:r>
+              <a:rPr lang="es-VE" sz="1400" b="1" dirty="0"/>
+              <a:t>Configuración. </a:t>
+            </a:r>
+            <a:r>
+              <a:rPr lang="es-VE" sz="1200" dirty="0"/>
+              <a:t>Despliega el listado de las distintas configuraciones. </a:t>
+            </a:r>
+          </a:p>
+        </p:txBody>
+      </p:sp>
+      <p:sp>
+        <p:nvSpPr>
+          <p:cNvPr id="24" name="CuadroTexto 23">
+            <a:extLst>
+              <a:ext uri="{FF2B5EF4-FFF2-40B4-BE49-F238E27FC236}">
+                <a16:creationId xmlns:a16="http://schemas.microsoft.com/office/drawing/2014/main" id="{AD606630-20ED-D210-D7E3-C461AF66A959}"/>
+              </a:ext>
+            </a:extLst>
+          </p:cNvPr>
+          <p:cNvSpPr txBox="1"/>
+          <p:nvPr/>
+        </p:nvSpPr>
+        <p:spPr>
+          <a:xfrm>
+            <a:off x="5607051" y="1917700"/>
+            <a:ext cx="1658668" cy="861774"/>
+          </a:xfrm>
+          <a:prstGeom prst="rect">
+            <a:avLst/>
+          </a:prstGeom>
+          <a:noFill/>
+          <a:ln>
+            <a:solidFill>
+              <a:srgbClr val="FFC000"/>
+            </a:solidFill>
+          </a:ln>
+        </p:spPr>
+        <p:txBody>
+          <a:bodyPr wrap="square" rtlCol="0">
+            <a:spAutoFit/>
+          </a:bodyPr>
+          <a:lstStyle/>
+          <a:p>
+            <a:pPr algn="just"/>
+            <a:r>
+              <a:rPr lang="es-VE" sz="1400" b="1" dirty="0"/>
+              <a:t>Perfil. </a:t>
+            </a:r>
+            <a:r>
+              <a:rPr lang="es-VE" sz="1200" dirty="0"/>
+              <a:t>Muestra los datos editables al usuario que </a:t>
+            </a:r>
+            <a:r>
+              <a:rPr lang="es-VE" sz="1200" dirty="0" err="1"/>
+              <a:t>inció</a:t>
+            </a:r>
+            <a:r>
+              <a:rPr lang="es-VE" sz="1200" dirty="0"/>
+              <a:t> sesión. </a:t>
+            </a:r>
+          </a:p>
+        </p:txBody>
+      </p:sp>
+      <p:sp>
+        <p:nvSpPr>
+          <p:cNvPr id="25" name="CuadroTexto 24">
+            <a:extLst>
+              <a:ext uri="{FF2B5EF4-FFF2-40B4-BE49-F238E27FC236}">
+                <a16:creationId xmlns:a16="http://schemas.microsoft.com/office/drawing/2014/main" id="{4B1E7A8E-1855-5AF6-76D9-682FB488CA8F}"/>
+              </a:ext>
+            </a:extLst>
+          </p:cNvPr>
+          <p:cNvSpPr txBox="1"/>
+          <p:nvPr/>
+        </p:nvSpPr>
+        <p:spPr>
+          <a:xfrm>
+            <a:off x="125990" y="2552951"/>
+            <a:ext cx="1908308" cy="861774"/>
+          </a:xfrm>
+          <a:prstGeom prst="rect">
+            <a:avLst/>
+          </a:prstGeom>
+          <a:noFill/>
+          <a:ln>
+            <a:solidFill>
+              <a:srgbClr val="FFC000"/>
+            </a:solidFill>
+          </a:ln>
+        </p:spPr>
+        <p:txBody>
+          <a:bodyPr wrap="square" rtlCol="0">
+            <a:spAutoFit/>
+          </a:bodyPr>
+          <a:lstStyle/>
+          <a:p>
+            <a:pPr algn="just"/>
+            <a:r>
+              <a:rPr lang="es-VE" sz="1400" b="1" dirty="0"/>
+              <a:t>Usuarios. </a:t>
+            </a:r>
+            <a:r>
+              <a:rPr lang="es-VE" sz="1200" dirty="0"/>
+              <a:t>Muestra el listados de todos los usuarios registrados en el sistema.</a:t>
+            </a:r>
+          </a:p>
+        </p:txBody>
+      </p:sp>
+      <p:sp>
+        <p:nvSpPr>
+          <p:cNvPr id="26" name="CuadroTexto 25">
+            <a:extLst>
+              <a:ext uri="{FF2B5EF4-FFF2-40B4-BE49-F238E27FC236}">
+                <a16:creationId xmlns:a16="http://schemas.microsoft.com/office/drawing/2014/main" id="{748A2159-4CBF-BEB5-D6E6-50624A41285E}"/>
+              </a:ext>
+            </a:extLst>
+          </p:cNvPr>
+          <p:cNvSpPr txBox="1"/>
+          <p:nvPr/>
+        </p:nvSpPr>
+        <p:spPr>
+          <a:xfrm>
+            <a:off x="5519685" y="2983678"/>
+            <a:ext cx="1851759" cy="861774"/>
+          </a:xfrm>
+          <a:prstGeom prst="rect">
+            <a:avLst/>
+          </a:prstGeom>
+          <a:noFill/>
+          <a:ln>
+            <a:solidFill>
+              <a:srgbClr val="FF0000"/>
+            </a:solidFill>
+          </a:ln>
+        </p:spPr>
+        <p:txBody>
+          <a:bodyPr wrap="square" rtlCol="0">
+            <a:spAutoFit/>
+          </a:bodyPr>
+          <a:lstStyle/>
+          <a:p>
+            <a:pPr algn="just"/>
+            <a:r>
+              <a:rPr lang="es-VE" sz="1400" b="1" dirty="0"/>
+              <a:t>Manual de Usuario. </a:t>
+            </a:r>
+            <a:r>
+              <a:rPr lang="es-VE" sz="1200" dirty="0"/>
+              <a:t>Abre la vista previa en una nueva pestaña del manual de usuario.</a:t>
+            </a:r>
+          </a:p>
+        </p:txBody>
+      </p:sp>
+      <p:sp>
+        <p:nvSpPr>
+          <p:cNvPr id="27" name="CuadroTexto 26">
+            <a:extLst>
+              <a:ext uri="{FF2B5EF4-FFF2-40B4-BE49-F238E27FC236}">
+                <a16:creationId xmlns:a16="http://schemas.microsoft.com/office/drawing/2014/main" id="{859DAA05-F2EF-015F-9AE9-490E9BF95D68}"/>
+              </a:ext>
+            </a:extLst>
+          </p:cNvPr>
+          <p:cNvSpPr txBox="1"/>
+          <p:nvPr/>
+        </p:nvSpPr>
+        <p:spPr>
+          <a:xfrm>
+            <a:off x="48153" y="3766694"/>
+            <a:ext cx="1908309" cy="1077218"/>
+          </a:xfrm>
+          <a:prstGeom prst="rect">
+            <a:avLst/>
+          </a:prstGeom>
+          <a:noFill/>
+          <a:ln>
+            <a:solidFill>
+              <a:srgbClr val="FF0000"/>
+            </a:solidFill>
+          </a:ln>
+        </p:spPr>
+        <p:txBody>
+          <a:bodyPr wrap="square" rtlCol="0">
+            <a:spAutoFit/>
+          </a:bodyPr>
+          <a:lstStyle/>
+          <a:p>
+            <a:pPr algn="just"/>
+            <a:r>
+              <a:rPr lang="es-VE" sz="1400" b="1" dirty="0"/>
+              <a:t>Manual de Desarrollador. </a:t>
+            </a:r>
+            <a:r>
+              <a:rPr lang="es-VE" sz="1200" dirty="0"/>
+              <a:t>Abre la vista previa en nueva pestaña del manual de programador.</a:t>
+            </a:r>
+          </a:p>
+        </p:txBody>
+      </p:sp>
       <p:pic>
         <p:nvPicPr>
-          <p:cNvPr id="49" name="Imagen 48">
-            <a:extLst>
-              <a:ext uri="{FF2B5EF4-FFF2-40B4-BE49-F238E27FC236}">
-                <a16:creationId xmlns:a16="http://schemas.microsoft.com/office/drawing/2014/main" id="{110082F9-9E07-2281-A09D-C8D676E17669}"/>
+          <p:cNvPr id="9" name="Picture 8">
+            <a:extLst>
+              <a:ext uri="{FF2B5EF4-FFF2-40B4-BE49-F238E27FC236}">
+                <a16:creationId xmlns:a16="http://schemas.microsoft.com/office/drawing/2014/main" id="{F34DB01F-74B1-C76A-A0C0-0BF70FE98CD3}"/>
               </a:ext>
             </a:extLst>
           </p:cNvPr>
@@ -16145,224 +20618,46 @@
         </p:nvPicPr>
         <p:blipFill>
           <a:blip r:embed="rId4"/>
-          <a:srcRect b="24194"/>
           <a:stretch>
             <a:fillRect/>
           </a:stretch>
         </p:blipFill>
         <p:spPr>
           <a:xfrm>
-            <a:off x="5435316" y="3126578"/>
-            <a:ext cx="1648053" cy="447735"/>
+            <a:off x="2453543" y="1476508"/>
+            <a:ext cx="2646897" cy="4580373"/>
           </a:xfrm>
           <a:prstGeom prst="rect">
             <a:avLst/>
           </a:prstGeom>
         </p:spPr>
       </p:pic>
-      <p:pic>
-        <p:nvPicPr>
-          <p:cNvPr id="51" name="Imagen 50">
-            <a:extLst>
-              <a:ext uri="{FF2B5EF4-FFF2-40B4-BE49-F238E27FC236}">
-                <a16:creationId xmlns:a16="http://schemas.microsoft.com/office/drawing/2014/main" id="{4673CBC6-5A7D-F354-44C2-C60E1C4F3A83}"/>
-              </a:ext>
-            </a:extLst>
-          </p:cNvPr>
-          <p:cNvPicPr>
-            <a:picLocks noChangeAspect="1"/>
-          </p:cNvPicPr>
-          <p:nvPr/>
-        </p:nvPicPr>
-        <p:blipFill>
-          <a:blip r:embed="rId5"/>
-          <a:stretch>
-            <a:fillRect/>
-          </a:stretch>
-        </p:blipFill>
-        <p:spPr>
-          <a:xfrm>
-            <a:off x="285261" y="4010958"/>
-            <a:ext cx="1648053" cy="466790"/>
+      <p:sp>
+        <p:nvSpPr>
+          <p:cNvPr id="10" name="CuadroTexto 26">
+            <a:extLst>
+              <a:ext uri="{FF2B5EF4-FFF2-40B4-BE49-F238E27FC236}">
+                <a16:creationId xmlns:a16="http://schemas.microsoft.com/office/drawing/2014/main" id="{EA75D8BA-0226-8474-6BEF-13D5A766F4E1}"/>
+              </a:ext>
+            </a:extLst>
+          </p:cNvPr>
+          <p:cNvSpPr txBox="1"/>
+          <p:nvPr/>
+        </p:nvSpPr>
+        <p:spPr>
+          <a:xfrm>
+            <a:off x="5629114" y="5406766"/>
+            <a:ext cx="1742330" cy="677108"/>
           </a:xfrm>
           <a:prstGeom prst="rect">
             <a:avLst/>
           </a:prstGeom>
-        </p:spPr>
-      </p:pic>
-      <p:pic>
-        <p:nvPicPr>
-          <p:cNvPr id="53" name="Imagen 52">
-            <a:extLst>
-              <a:ext uri="{FF2B5EF4-FFF2-40B4-BE49-F238E27FC236}">
-                <a16:creationId xmlns:a16="http://schemas.microsoft.com/office/drawing/2014/main" id="{21211D2E-92CF-9114-10D5-03584AAD924A}"/>
-              </a:ext>
-            </a:extLst>
-          </p:cNvPr>
-          <p:cNvPicPr>
-            <a:picLocks noChangeAspect="1"/>
-          </p:cNvPicPr>
-          <p:nvPr/>
-        </p:nvPicPr>
-        <p:blipFill>
-          <a:blip r:embed="rId6"/>
-          <a:stretch>
-            <a:fillRect/>
-          </a:stretch>
-        </p:blipFill>
-        <p:spPr>
-          <a:xfrm>
-            <a:off x="5425045" y="5265904"/>
-            <a:ext cx="1668596" cy="409632"/>
-          </a:xfrm>
-          <a:prstGeom prst="rect">
-            <a:avLst/>
-          </a:prstGeom>
-        </p:spPr>
-      </p:pic>
-      <p:pic>
-        <p:nvPicPr>
-          <p:cNvPr id="55" name="Imagen 54">
-            <a:extLst>
-              <a:ext uri="{FF2B5EF4-FFF2-40B4-BE49-F238E27FC236}">
-                <a16:creationId xmlns:a16="http://schemas.microsoft.com/office/drawing/2014/main" id="{6CD60C18-7A8C-8BE9-FB76-8231DE33DAF8}"/>
-              </a:ext>
-            </a:extLst>
-          </p:cNvPr>
-          <p:cNvPicPr>
-            <a:picLocks noChangeAspect="1"/>
-          </p:cNvPicPr>
-          <p:nvPr/>
-        </p:nvPicPr>
-        <p:blipFill>
-          <a:blip r:embed="rId7"/>
-          <a:stretch>
-            <a:fillRect/>
-          </a:stretch>
-        </p:blipFill>
-        <p:spPr>
-          <a:xfrm>
-            <a:off x="285261" y="6033107"/>
-            <a:ext cx="1648053" cy="438211"/>
-          </a:xfrm>
-          <a:prstGeom prst="rect">
-            <a:avLst/>
-          </a:prstGeom>
-        </p:spPr>
-      </p:pic>
-      <p:pic>
-        <p:nvPicPr>
-          <p:cNvPr id="47" name="Imagen 46">
-            <a:extLst>
-              <a:ext uri="{FF2B5EF4-FFF2-40B4-BE49-F238E27FC236}">
-                <a16:creationId xmlns:a16="http://schemas.microsoft.com/office/drawing/2014/main" id="{374C8269-C677-158C-FD1D-810B5AFFEDB6}"/>
-              </a:ext>
-            </a:extLst>
-          </p:cNvPr>
-          <p:cNvPicPr>
-            <a:picLocks noChangeAspect="1"/>
-          </p:cNvPicPr>
-          <p:nvPr/>
-        </p:nvPicPr>
-        <p:blipFill>
-          <a:blip r:embed="rId8"/>
-          <a:stretch>
-            <a:fillRect/>
-          </a:stretch>
-        </p:blipFill>
-        <p:spPr>
-          <a:xfrm>
-            <a:off x="349250" y="1612900"/>
-            <a:ext cx="1648054" cy="447737"/>
-          </a:xfrm>
-          <a:prstGeom prst="rect">
-            <a:avLst/>
-          </a:prstGeom>
-        </p:spPr>
-      </p:pic>
-      <p:pic>
-        <p:nvPicPr>
-          <p:cNvPr id="57" name="Imagen 56">
-            <a:extLst>
-              <a:ext uri="{FF2B5EF4-FFF2-40B4-BE49-F238E27FC236}">
-                <a16:creationId xmlns:a16="http://schemas.microsoft.com/office/drawing/2014/main" id="{C8ED7373-CCBE-9859-3216-E67BDF6672F0}"/>
-              </a:ext>
-            </a:extLst>
-          </p:cNvPr>
-          <p:cNvPicPr>
-            <a:picLocks noChangeAspect="1"/>
-          </p:cNvPicPr>
-          <p:nvPr/>
-        </p:nvPicPr>
-        <p:blipFill>
-          <a:blip r:embed="rId9"/>
-          <a:stretch>
-            <a:fillRect/>
-          </a:stretch>
-        </p:blipFill>
-        <p:spPr>
-          <a:xfrm>
-            <a:off x="5416261" y="7207197"/>
-            <a:ext cx="1667108" cy="438211"/>
-          </a:xfrm>
-          <a:prstGeom prst="rect">
-            <a:avLst/>
-          </a:prstGeom>
-        </p:spPr>
-      </p:pic>
-      <p:pic>
-        <p:nvPicPr>
-          <p:cNvPr id="19" name="Imagen 18">
-            <a:extLst>
-              <a:ext uri="{FF2B5EF4-FFF2-40B4-BE49-F238E27FC236}">
-                <a16:creationId xmlns:a16="http://schemas.microsoft.com/office/drawing/2014/main" id="{395457A6-2CAF-6375-08BB-0169878ACDDF}"/>
-              </a:ext>
-            </a:extLst>
-          </p:cNvPr>
-          <p:cNvPicPr>
-            <a:picLocks noChangeAspect="1"/>
-          </p:cNvPicPr>
-          <p:nvPr/>
-        </p:nvPicPr>
-        <p:blipFill>
-          <a:blip r:embed="rId9"/>
-          <a:stretch>
-            <a:fillRect/>
-          </a:stretch>
-        </p:blipFill>
-        <p:spPr>
-          <a:xfrm>
-            <a:off x="285490" y="8281513"/>
-            <a:ext cx="1667108" cy="438211"/>
-          </a:xfrm>
-          <a:prstGeom prst="rect">
-            <a:avLst/>
-          </a:prstGeom>
-        </p:spPr>
-      </p:pic>
-      <p:sp>
-        <p:nvSpPr>
-          <p:cNvPr id="20" name="CuadroTexto 19">
-            <a:extLst>
-              <a:ext uri="{FF2B5EF4-FFF2-40B4-BE49-F238E27FC236}">
-                <a16:creationId xmlns:a16="http://schemas.microsoft.com/office/drawing/2014/main" id="{622CCE2B-7253-6ED9-45DA-8347F2B6D865}"/>
-              </a:ext>
-            </a:extLst>
-          </p:cNvPr>
-          <p:cNvSpPr txBox="1"/>
-          <p:nvPr/>
-        </p:nvSpPr>
-        <p:spPr>
-          <a:xfrm>
-            <a:off x="2114412" y="1575022"/>
-            <a:ext cx="3933679" cy="523220"/>
-          </a:xfrm>
-          <a:prstGeom prst="rect">
-            <a:avLst/>
-          </a:prstGeom>
-          <a:solidFill>
-            <a:srgbClr val="FFC000"/>
-          </a:solidFill>
+          <a:noFill/>
+          <a:ln>
+            <a:solidFill>
+              <a:srgbClr val="FFFF00"/>
+            </a:solidFill>
+          </a:ln>
         </p:spPr>
         <p:txBody>
           <a:bodyPr wrap="square" rtlCol="0">
@@ -16370,265 +20665,268 @@
           </a:bodyPr>
           <a:lstStyle/>
           <a:p>
+            <a:pPr algn="just"/>
             <a:r>
               <a:rPr lang="es-VE" sz="1400" b="1" dirty="0"/>
-              <a:t>Historial Eliminados. </a:t>
-            </a:r>
-            <a:r>
-              <a:rPr lang="es-VE" sz="1400" dirty="0"/>
-              <a:t>Muestra el historial de todos los Equipos Eliminados. </a:t>
-            </a:r>
-          </a:p>
-        </p:txBody>
-      </p:sp>
-      <p:sp>
-        <p:nvSpPr>
-          <p:cNvPr id="22" name="CuadroTexto 21">
-            <a:extLst>
-              <a:ext uri="{FF2B5EF4-FFF2-40B4-BE49-F238E27FC236}">
-                <a16:creationId xmlns:a16="http://schemas.microsoft.com/office/drawing/2014/main" id="{A773DCFA-2D0F-680C-06DA-60BEFF8DAA4F}"/>
-              </a:ext>
-            </a:extLst>
-          </p:cNvPr>
-          <p:cNvSpPr txBox="1"/>
-          <p:nvPr/>
-        </p:nvSpPr>
-        <p:spPr>
-          <a:xfrm>
-            <a:off x="3776992" y="2526516"/>
-            <a:ext cx="3933679" cy="523220"/>
-          </a:xfrm>
-          <a:prstGeom prst="rect">
-            <a:avLst/>
-          </a:prstGeom>
-          <a:noFill/>
-        </p:spPr>
-        <p:txBody>
-          <a:bodyPr wrap="square" rtlCol="0">
-            <a:spAutoFit/>
-          </a:bodyPr>
-          <a:lstStyle/>
-          <a:p>
-            <a:r>
-              <a:rPr lang="es-VE" sz="1400" b="1" dirty="0"/>
-              <a:t>Reporte. </a:t>
-            </a:r>
-            <a:r>
-              <a:rPr lang="es-VE" sz="1400" dirty="0"/>
-              <a:t>Muestra el listado de archivos que se pueden exportar.</a:t>
-            </a:r>
-          </a:p>
-        </p:txBody>
-      </p:sp>
-      <p:sp>
-        <p:nvSpPr>
-          <p:cNvPr id="23" name="CuadroTexto 22">
-            <a:extLst>
-              <a:ext uri="{FF2B5EF4-FFF2-40B4-BE49-F238E27FC236}">
-                <a16:creationId xmlns:a16="http://schemas.microsoft.com/office/drawing/2014/main" id="{D229A07D-569D-D88B-668D-689D3CECFD27}"/>
-              </a:ext>
-            </a:extLst>
-          </p:cNvPr>
-          <p:cNvSpPr txBox="1"/>
-          <p:nvPr/>
-        </p:nvSpPr>
-        <p:spPr>
-          <a:xfrm>
-            <a:off x="250809" y="3257067"/>
-            <a:ext cx="3492989" cy="523220"/>
-          </a:xfrm>
-          <a:prstGeom prst="rect">
-            <a:avLst/>
-          </a:prstGeom>
-          <a:solidFill>
-            <a:srgbClr val="FFC000"/>
-          </a:solidFill>
-        </p:spPr>
-        <p:txBody>
-          <a:bodyPr wrap="square" rtlCol="0">
-            <a:spAutoFit/>
-          </a:bodyPr>
-          <a:lstStyle/>
-          <a:p>
-            <a:r>
-              <a:rPr lang="es-VE" sz="1400" b="1" dirty="0"/>
-              <a:t>Configuración. </a:t>
-            </a:r>
-            <a:r>
-              <a:rPr lang="es-VE" sz="1400" dirty="0"/>
-              <a:t>Despliega el listado de las distintas configuraciones. </a:t>
-            </a:r>
-          </a:p>
-        </p:txBody>
-      </p:sp>
-      <p:sp>
-        <p:nvSpPr>
-          <p:cNvPr id="24" name="CuadroTexto 23">
-            <a:extLst>
-              <a:ext uri="{FF2B5EF4-FFF2-40B4-BE49-F238E27FC236}">
-                <a16:creationId xmlns:a16="http://schemas.microsoft.com/office/drawing/2014/main" id="{AD606630-20ED-D210-D7E3-C461AF66A959}"/>
-              </a:ext>
-            </a:extLst>
-          </p:cNvPr>
-          <p:cNvSpPr txBox="1"/>
-          <p:nvPr/>
-        </p:nvSpPr>
-        <p:spPr>
-          <a:xfrm>
-            <a:off x="3699093" y="4749242"/>
-            <a:ext cx="3492989" cy="523220"/>
-          </a:xfrm>
-          <a:prstGeom prst="rect">
-            <a:avLst/>
-          </a:prstGeom>
-          <a:noFill/>
-        </p:spPr>
-        <p:txBody>
-          <a:bodyPr wrap="square" rtlCol="0">
-            <a:spAutoFit/>
-          </a:bodyPr>
-          <a:lstStyle/>
-          <a:p>
-            <a:r>
-              <a:rPr lang="es-VE" sz="1400" b="1" dirty="0"/>
-              <a:t>Perfil. </a:t>
-            </a:r>
-            <a:r>
-              <a:rPr lang="es-VE" sz="1400" dirty="0"/>
-              <a:t>Muestra los datos editables al usuario que </a:t>
-            </a:r>
-            <a:r>
-              <a:rPr lang="es-VE" sz="1400" dirty="0" err="1"/>
-              <a:t>inció</a:t>
-            </a:r>
-            <a:r>
-              <a:rPr lang="es-VE" sz="1400" dirty="0"/>
-              <a:t> sesión. </a:t>
-            </a:r>
-          </a:p>
-        </p:txBody>
-      </p:sp>
-      <p:sp>
-        <p:nvSpPr>
-          <p:cNvPr id="25" name="CuadroTexto 24">
-            <a:extLst>
-              <a:ext uri="{FF2B5EF4-FFF2-40B4-BE49-F238E27FC236}">
-                <a16:creationId xmlns:a16="http://schemas.microsoft.com/office/drawing/2014/main" id="{4B1E7A8E-1855-5AF6-76D9-682FB488CA8F}"/>
-              </a:ext>
-            </a:extLst>
-          </p:cNvPr>
-          <p:cNvSpPr txBox="1"/>
-          <p:nvPr/>
-        </p:nvSpPr>
-        <p:spPr>
-          <a:xfrm>
-            <a:off x="206104" y="5336923"/>
-            <a:ext cx="3492989" cy="523220"/>
-          </a:xfrm>
-          <a:prstGeom prst="rect">
-            <a:avLst/>
-          </a:prstGeom>
-          <a:solidFill>
-            <a:srgbClr val="FFC000"/>
-          </a:solidFill>
-        </p:spPr>
-        <p:txBody>
-          <a:bodyPr wrap="square" rtlCol="0">
-            <a:spAutoFit/>
-          </a:bodyPr>
-          <a:lstStyle/>
-          <a:p>
-            <a:r>
-              <a:rPr lang="es-VE" sz="1400" b="1" dirty="0"/>
-              <a:t>Usuarios. </a:t>
-            </a:r>
-            <a:r>
-              <a:rPr lang="es-VE" sz="1400" dirty="0"/>
-              <a:t>Muestra el listados de todos los usuarios registrados en el sistema.</a:t>
-            </a:r>
-          </a:p>
-        </p:txBody>
-      </p:sp>
-      <p:sp>
-        <p:nvSpPr>
-          <p:cNvPr id="26" name="CuadroTexto 25">
-            <a:extLst>
-              <a:ext uri="{FF2B5EF4-FFF2-40B4-BE49-F238E27FC236}">
-                <a16:creationId xmlns:a16="http://schemas.microsoft.com/office/drawing/2014/main" id="{748A2159-4CBF-BEB5-D6E6-50624A41285E}"/>
-              </a:ext>
-            </a:extLst>
-          </p:cNvPr>
-          <p:cNvSpPr txBox="1"/>
-          <p:nvPr/>
-        </p:nvSpPr>
-        <p:spPr>
-          <a:xfrm>
-            <a:off x="3776992" y="6607135"/>
-            <a:ext cx="3492989" cy="523220"/>
-          </a:xfrm>
-          <a:prstGeom prst="rect">
-            <a:avLst/>
-          </a:prstGeom>
-          <a:noFill/>
-        </p:spPr>
-        <p:txBody>
-          <a:bodyPr wrap="square" rtlCol="0">
-            <a:spAutoFit/>
-          </a:bodyPr>
-          <a:lstStyle/>
-          <a:p>
-            <a:r>
-              <a:rPr lang="es-VE" sz="1400" b="1" dirty="0"/>
-              <a:t>Manual de Usuario. </a:t>
-            </a:r>
-            <a:r>
-              <a:rPr lang="es-VE" sz="1400" dirty="0"/>
-              <a:t>Abre la vista previa en una nueva pestaña del manual de usuario.</a:t>
-            </a:r>
-          </a:p>
-        </p:txBody>
-      </p:sp>
-      <p:sp>
-        <p:nvSpPr>
-          <p:cNvPr id="27" name="CuadroTexto 26">
-            <a:extLst>
-              <a:ext uri="{FF2B5EF4-FFF2-40B4-BE49-F238E27FC236}">
-                <a16:creationId xmlns:a16="http://schemas.microsoft.com/office/drawing/2014/main" id="{859DAA05-F2EF-015F-9AE9-490E9BF95D68}"/>
-              </a:ext>
-            </a:extLst>
-          </p:cNvPr>
-          <p:cNvSpPr txBox="1"/>
-          <p:nvPr/>
-        </p:nvSpPr>
-        <p:spPr>
-          <a:xfrm>
-            <a:off x="250809" y="7648006"/>
-            <a:ext cx="3679841" cy="523220"/>
-          </a:xfrm>
-          <a:prstGeom prst="rect">
-            <a:avLst/>
-          </a:prstGeom>
-          <a:solidFill>
-            <a:srgbClr val="FFC000"/>
-          </a:solidFill>
-        </p:spPr>
-        <p:txBody>
-          <a:bodyPr wrap="square" rtlCol="0">
-            <a:spAutoFit/>
-          </a:bodyPr>
-          <a:lstStyle/>
-          <a:p>
-            <a:r>
-              <a:rPr lang="es-VE" sz="1400" b="1" dirty="0"/>
-              <a:t>Manual de Programador. </a:t>
-            </a:r>
-            <a:r>
-              <a:rPr lang="es-VE" sz="1400" dirty="0"/>
-              <a:t>Abre la vista previa en nueva pestaña del manual de programador.</a:t>
-            </a:r>
-          </a:p>
-        </p:txBody>
-      </p:sp>
+              <a:t>Cerrar Sesión. </a:t>
+            </a:r>
+            <a:r>
+              <a:rPr lang="es-VE" sz="1200" dirty="0"/>
+              <a:t>Cierra la sesión del usuario en uso.</a:t>
+            </a:r>
+          </a:p>
+        </p:txBody>
+      </p:sp>
+      <p:cxnSp>
+        <p:nvCxnSpPr>
+          <p:cNvPr id="12" name="Straight Arrow Connector 11">
+            <a:extLst>
+              <a:ext uri="{FF2B5EF4-FFF2-40B4-BE49-F238E27FC236}">
+                <a16:creationId xmlns:a16="http://schemas.microsoft.com/office/drawing/2014/main" id="{370DF6C0-D101-2CD3-F3E7-90E13D07D67F}"/>
+              </a:ext>
+            </a:extLst>
+          </p:cNvPr>
+          <p:cNvCxnSpPr>
+            <a:cxnSpLocks/>
+            <a:stCxn id="23" idx="3"/>
+          </p:cNvCxnSpPr>
+          <p:nvPr/>
+        </p:nvCxnSpPr>
+        <p:spPr>
+          <a:xfrm>
+            <a:off x="1720850" y="1907395"/>
+            <a:ext cx="732693" cy="0"/>
+          </a:xfrm>
+          <a:prstGeom prst="straightConnector1">
+            <a:avLst/>
+          </a:prstGeom>
+          <a:ln>
+            <a:tailEnd type="triangle"/>
+          </a:ln>
+        </p:spPr>
+        <p:style>
+          <a:lnRef idx="2">
+            <a:schemeClr val="dk1"/>
+          </a:lnRef>
+          <a:fillRef idx="0">
+            <a:schemeClr val="dk1"/>
+          </a:fillRef>
+          <a:effectRef idx="1">
+            <a:schemeClr val="dk1"/>
+          </a:effectRef>
+          <a:fontRef idx="minor">
+            <a:schemeClr val="tx1"/>
+          </a:fontRef>
+        </p:style>
+      </p:cxnSp>
+      <p:cxnSp>
+        <p:nvCxnSpPr>
+          <p:cNvPr id="14" name="Straight Arrow Connector 13">
+            <a:extLst>
+              <a:ext uri="{FF2B5EF4-FFF2-40B4-BE49-F238E27FC236}">
+                <a16:creationId xmlns:a16="http://schemas.microsoft.com/office/drawing/2014/main" id="{D3A1F657-B41E-5445-B75E-3D1831B89FAF}"/>
+              </a:ext>
+            </a:extLst>
+          </p:cNvPr>
+          <p:cNvCxnSpPr>
+            <a:cxnSpLocks/>
+          </p:cNvCxnSpPr>
+          <p:nvPr/>
+        </p:nvCxnSpPr>
+        <p:spPr>
+          <a:xfrm>
+            <a:off x="2034298" y="2791394"/>
+            <a:ext cx="419245" cy="0"/>
+          </a:xfrm>
+          <a:prstGeom prst="straightConnector1">
+            <a:avLst/>
+          </a:prstGeom>
+          <a:ln>
+            <a:tailEnd type="triangle"/>
+          </a:ln>
+        </p:spPr>
+        <p:style>
+          <a:lnRef idx="2">
+            <a:schemeClr val="dk1"/>
+          </a:lnRef>
+          <a:fillRef idx="0">
+            <a:schemeClr val="dk1"/>
+          </a:fillRef>
+          <a:effectRef idx="1">
+            <a:schemeClr val="dk1"/>
+          </a:effectRef>
+          <a:fontRef idx="minor">
+            <a:schemeClr val="tx1"/>
+          </a:fontRef>
+        </p:style>
+      </p:cxnSp>
+      <p:cxnSp>
+        <p:nvCxnSpPr>
+          <p:cNvPr id="17" name="Straight Arrow Connector 16">
+            <a:extLst>
+              <a:ext uri="{FF2B5EF4-FFF2-40B4-BE49-F238E27FC236}">
+                <a16:creationId xmlns:a16="http://schemas.microsoft.com/office/drawing/2014/main" id="{381C3A7E-70FC-F29C-0350-DDA5F10D66A7}"/>
+              </a:ext>
+            </a:extLst>
+          </p:cNvPr>
+          <p:cNvCxnSpPr>
+            <a:cxnSpLocks/>
+          </p:cNvCxnSpPr>
+          <p:nvPr/>
+        </p:nvCxnSpPr>
+        <p:spPr>
+          <a:xfrm>
+            <a:off x="1956462" y="3858152"/>
+            <a:ext cx="497081" cy="0"/>
+          </a:xfrm>
+          <a:prstGeom prst="straightConnector1">
+            <a:avLst/>
+          </a:prstGeom>
+          <a:ln>
+            <a:tailEnd type="triangle"/>
+          </a:ln>
+        </p:spPr>
+        <p:style>
+          <a:lnRef idx="2">
+            <a:schemeClr val="dk1"/>
+          </a:lnRef>
+          <a:fillRef idx="0">
+            <a:schemeClr val="dk1"/>
+          </a:fillRef>
+          <a:effectRef idx="1">
+            <a:schemeClr val="dk1"/>
+          </a:effectRef>
+          <a:fontRef idx="minor">
+            <a:schemeClr val="tx1"/>
+          </a:fontRef>
+        </p:style>
+      </p:cxnSp>
+      <p:cxnSp>
+        <p:nvCxnSpPr>
+          <p:cNvPr id="28" name="Straight Arrow Connector 27">
+            <a:extLst>
+              <a:ext uri="{FF2B5EF4-FFF2-40B4-BE49-F238E27FC236}">
+                <a16:creationId xmlns:a16="http://schemas.microsoft.com/office/drawing/2014/main" id="{041178E2-D2B0-0936-11EA-03282B5669A2}"/>
+              </a:ext>
+            </a:extLst>
+          </p:cNvPr>
+          <p:cNvCxnSpPr>
+            <a:cxnSpLocks/>
+            <a:stCxn id="24" idx="1"/>
+          </p:cNvCxnSpPr>
+          <p:nvPr/>
+        </p:nvCxnSpPr>
+        <p:spPr>
+          <a:xfrm flipH="1">
+            <a:off x="5100440" y="2348587"/>
+            <a:ext cx="506611" cy="0"/>
+          </a:xfrm>
+          <a:prstGeom prst="straightConnector1">
+            <a:avLst/>
+          </a:prstGeom>
+          <a:ln>
+            <a:tailEnd type="triangle"/>
+          </a:ln>
+        </p:spPr>
+        <p:style>
+          <a:lnRef idx="2">
+            <a:schemeClr val="dk1"/>
+          </a:lnRef>
+          <a:fillRef idx="0">
+            <a:schemeClr val="dk1"/>
+          </a:fillRef>
+          <a:effectRef idx="1">
+            <a:schemeClr val="dk1"/>
+          </a:effectRef>
+          <a:fontRef idx="minor">
+            <a:schemeClr val="tx1"/>
+          </a:fontRef>
+        </p:style>
+      </p:cxnSp>
+      <p:cxnSp>
+        <p:nvCxnSpPr>
+          <p:cNvPr id="34" name="Straight Arrow Connector 33">
+            <a:extLst>
+              <a:ext uri="{FF2B5EF4-FFF2-40B4-BE49-F238E27FC236}">
+                <a16:creationId xmlns:a16="http://schemas.microsoft.com/office/drawing/2014/main" id="{C3AFC0E7-E7D3-B4B0-0A0D-C93CD39406C9}"/>
+              </a:ext>
+            </a:extLst>
+          </p:cNvPr>
+          <p:cNvCxnSpPr>
+            <a:cxnSpLocks/>
+            <a:stCxn id="26" idx="1"/>
+          </p:cNvCxnSpPr>
+          <p:nvPr/>
+        </p:nvCxnSpPr>
+        <p:spPr>
+          <a:xfrm flipH="1" flipV="1">
+            <a:off x="5100440" y="3365500"/>
+            <a:ext cx="419245" cy="49065"/>
+          </a:xfrm>
+          <a:prstGeom prst="straightConnector1">
+            <a:avLst/>
+          </a:prstGeom>
+          <a:ln>
+            <a:tailEnd type="triangle"/>
+          </a:ln>
+        </p:spPr>
+        <p:style>
+          <a:lnRef idx="2">
+            <a:schemeClr val="dk1"/>
+          </a:lnRef>
+          <a:fillRef idx="0">
+            <a:schemeClr val="dk1"/>
+          </a:fillRef>
+          <a:effectRef idx="1">
+            <a:schemeClr val="dk1"/>
+          </a:effectRef>
+          <a:fontRef idx="minor">
+            <a:schemeClr val="tx1"/>
+          </a:fontRef>
+        </p:style>
+      </p:cxnSp>
+      <p:cxnSp>
+        <p:nvCxnSpPr>
+          <p:cNvPr id="37" name="Straight Arrow Connector 36">
+            <a:extLst>
+              <a:ext uri="{FF2B5EF4-FFF2-40B4-BE49-F238E27FC236}">
+                <a16:creationId xmlns:a16="http://schemas.microsoft.com/office/drawing/2014/main" id="{9482BBCE-F099-E142-964A-329C4E0B7552}"/>
+              </a:ext>
+            </a:extLst>
+          </p:cNvPr>
+          <p:cNvCxnSpPr>
+            <a:cxnSpLocks/>
+            <a:stCxn id="10" idx="1"/>
+          </p:cNvCxnSpPr>
+          <p:nvPr/>
+        </p:nvCxnSpPr>
+        <p:spPr>
+          <a:xfrm flipH="1">
+            <a:off x="5097698" y="5745320"/>
+            <a:ext cx="531416" cy="0"/>
+          </a:xfrm>
+          <a:prstGeom prst="straightConnector1">
+            <a:avLst/>
+          </a:prstGeom>
+          <a:ln>
+            <a:tailEnd type="triangle"/>
+          </a:ln>
+        </p:spPr>
+        <p:style>
+          <a:lnRef idx="2">
+            <a:schemeClr val="dk1"/>
+          </a:lnRef>
+          <a:fillRef idx="0">
+            <a:schemeClr val="dk1"/>
+          </a:fillRef>
+          <a:effectRef idx="1">
+            <a:schemeClr val="dk1"/>
+          </a:effectRef>
+          <a:fontRef idx="minor">
+            <a:schemeClr val="tx1"/>
+          </a:fontRef>
+        </p:style>
+      </p:cxnSp>
     </p:spTree>
   </p:cSld>
   <p:clrMapOvr>
@@ -17667,15 +21965,13 @@
         </p:nvSpPr>
         <p:spPr>
           <a:xfrm>
-            <a:off x="871401" y="8261477"/>
-            <a:ext cx="4335147" cy="400110"/>
+            <a:off x="1502039" y="9177288"/>
+            <a:ext cx="4533064" cy="677108"/>
           </a:xfrm>
           <a:prstGeom prst="rect">
             <a:avLst/>
           </a:prstGeom>
-          <a:solidFill>
-            <a:srgbClr val="FFC000"/>
-          </a:solidFill>
+          <a:noFill/>
         </p:spPr>
         <p:txBody>
           <a:bodyPr wrap="square" rtlCol="0">
@@ -17685,8 +21981,12 @@
           <a:p>
             <a:pPr algn="just"/>
             <a:r>
-              <a:rPr lang="es-VE" sz="1000" b="1" dirty="0"/>
-              <a:t>Nota: Las barras y listas de búsquedas pueden variar dependiendo el equipo. La paginación se muestra cuando hay mas de diez registros.</a:t>
+              <a:rPr lang="es-VE" sz="1400" b="1" dirty="0"/>
+              <a:t>Nota: </a:t>
+            </a:r>
+            <a:r>
+              <a:rPr lang="es-VE" sz="1200" b="1" dirty="0"/>
+              <a:t>Las barras y listas de búsquedas pueden variar dependiendo el equipo. La paginación se muestra cuando hay mas de diez registros.</a:t>
             </a:r>
           </a:p>
         </p:txBody>
@@ -18202,7 +22502,7 @@
           <a:noFill/>
           <a:ln>
             <a:solidFill>
-              <a:srgbClr val="FFC000"/>
+              <a:srgbClr val="FF0000"/>
             </a:solidFill>
           </a:ln>
         </p:spPr>
@@ -18299,36 +22599,6 @@
           </a:fontRef>
         </p:style>
       </p:cxnSp>
-      <p:pic>
-        <p:nvPicPr>
-          <p:cNvPr id="18" name="Imagen 17">
-            <a:extLst>
-              <a:ext uri="{FF2B5EF4-FFF2-40B4-BE49-F238E27FC236}">
-                <a16:creationId xmlns:a16="http://schemas.microsoft.com/office/drawing/2014/main" id="{8DF7A3EC-BCAA-4711-42F0-98633515D5DA}"/>
-              </a:ext>
-            </a:extLst>
-          </p:cNvPr>
-          <p:cNvPicPr>
-            <a:picLocks noChangeAspect="1"/>
-          </p:cNvPicPr>
-          <p:nvPr/>
-        </p:nvPicPr>
-        <p:blipFill>
-          <a:blip r:embed="rId6"/>
-          <a:stretch>
-            <a:fillRect/>
-          </a:stretch>
-        </p:blipFill>
-        <p:spPr>
-          <a:xfrm>
-            <a:off x="144902" y="5995598"/>
-            <a:ext cx="4676411" cy="2227028"/>
-          </a:xfrm>
-          <a:prstGeom prst="rect">
-            <a:avLst/>
-          </a:prstGeom>
-        </p:spPr>
-      </p:pic>
       <p:sp>
         <p:nvSpPr>
           <p:cNvPr id="19" name="Rectángulo: esquinas redondeadas 18">
@@ -18343,8 +22613,8 @@
         </p:nvSpPr>
         <p:spPr>
           <a:xfrm>
-            <a:off x="5072687" y="4637613"/>
-            <a:ext cx="2338911" cy="2362195"/>
+            <a:off x="4921251" y="4637613"/>
+            <a:ext cx="2490348" cy="2362195"/>
           </a:xfrm>
           <a:prstGeom prst="roundRect">
             <a:avLst/>
@@ -18383,7 +22653,7 @@
                   <a:schemeClr val="tx1"/>
                 </a:solidFill>
               </a:rPr>
-              <a:t>Una vez ingresado en el sistema, se muestra el apartado de inicio dónde se pueden visualizar las tablas de Cámaras y </a:t>
+              <a:t>Una vez ingresado al sistema, se muestra el apartado de inicio dónde se pueden visualizar las tablas que contienen los datos de Cámaras y </a:t>
             </a:r>
             <a:r>
               <a:rPr lang="es-VE" sz="1400" dirty="0" err="1">
@@ -18432,14 +22702,13 @@
           <p:cNvCxnSpPr>
             <a:cxnSpLocks/>
             <a:stCxn id="19" idx="2"/>
-            <a:endCxn id="18" idx="3"/>
           </p:cNvCxnSpPr>
           <p:nvPr/>
         </p:nvCxnSpPr>
         <p:spPr>
           <a:xfrm flipH="1">
-            <a:off x="4821313" y="6999808"/>
-            <a:ext cx="1420830" cy="109304"/>
+            <a:off x="4567215" y="6999808"/>
+            <a:ext cx="1599210" cy="153684"/>
           </a:xfrm>
           <a:prstGeom prst="straightConnector1">
             <a:avLst/>
@@ -18501,6 +22770,36 @@
           </a:p>
         </p:txBody>
       </p:sp>
+      <p:pic>
+        <p:nvPicPr>
+          <p:cNvPr id="4" name="Picture 3">
+            <a:extLst>
+              <a:ext uri="{FF2B5EF4-FFF2-40B4-BE49-F238E27FC236}">
+                <a16:creationId xmlns:a16="http://schemas.microsoft.com/office/drawing/2014/main" id="{DF6353B3-8538-CA80-2ED8-C238FE733CE9}"/>
+              </a:ext>
+            </a:extLst>
+          </p:cNvPr>
+          <p:cNvPicPr>
+            <a:picLocks noChangeAspect="1"/>
+          </p:cNvPicPr>
+          <p:nvPr/>
+        </p:nvPicPr>
+        <p:blipFill>
+          <a:blip r:embed="rId6"/>
+          <a:stretch>
+            <a:fillRect/>
+          </a:stretch>
+        </p:blipFill>
+        <p:spPr>
+          <a:xfrm>
+            <a:off x="255565" y="6523017"/>
+            <a:ext cx="4311650" cy="2130711"/>
+          </a:xfrm>
+          <a:prstGeom prst="rect">
+            <a:avLst/>
+          </a:prstGeom>
+        </p:spPr>
+      </p:pic>
     </p:spTree>
     <p:extLst>
       <p:ext uri="{BB962C8B-B14F-4D97-AF65-F5344CB8AC3E}">
